--- a/presentation/midterm/slides.pptx
+++ b/presentation/midterm/slides.pptx
@@ -275,7 +275,7 @@
           <a:p>
             <a:fld id="{5723DDD6-2605-41F5-9472-8D0ABA65B7CB}" type="datetimeFigureOut">
               <a:rPr lang="en-US" smtClean="0"/>
-              <a:t>4/1/2021</a:t>
+              <a:t>4/3/2021</a:t>
             </a:fld>
             <a:endParaRPr lang="en-US"/>
           </a:p>
@@ -475,7 +475,7 @@
           <a:p>
             <a:fld id="{5723DDD6-2605-41F5-9472-8D0ABA65B7CB}" type="datetimeFigureOut">
               <a:rPr lang="en-US" smtClean="0"/>
-              <a:t>4/1/2021</a:t>
+              <a:t>4/3/2021</a:t>
             </a:fld>
             <a:endParaRPr lang="en-US"/>
           </a:p>
@@ -685,7 +685,7 @@
           <a:p>
             <a:fld id="{5723DDD6-2605-41F5-9472-8D0ABA65B7CB}" type="datetimeFigureOut">
               <a:rPr lang="en-US" smtClean="0"/>
-              <a:t>4/1/2021</a:t>
+              <a:t>4/3/2021</a:t>
             </a:fld>
             <a:endParaRPr lang="en-US"/>
           </a:p>
@@ -885,7 +885,7 @@
           <a:p>
             <a:fld id="{5723DDD6-2605-41F5-9472-8D0ABA65B7CB}" type="datetimeFigureOut">
               <a:rPr lang="en-US" smtClean="0"/>
-              <a:t>4/1/2021</a:t>
+              <a:t>4/3/2021</a:t>
             </a:fld>
             <a:endParaRPr lang="en-US"/>
           </a:p>
@@ -1161,7 +1161,7 @@
           <a:p>
             <a:fld id="{5723DDD6-2605-41F5-9472-8D0ABA65B7CB}" type="datetimeFigureOut">
               <a:rPr lang="en-US" smtClean="0"/>
-              <a:t>4/1/2021</a:t>
+              <a:t>4/3/2021</a:t>
             </a:fld>
             <a:endParaRPr lang="en-US"/>
           </a:p>
@@ -1429,7 +1429,7 @@
           <a:p>
             <a:fld id="{5723DDD6-2605-41F5-9472-8D0ABA65B7CB}" type="datetimeFigureOut">
               <a:rPr lang="en-US" smtClean="0"/>
-              <a:t>4/1/2021</a:t>
+              <a:t>4/3/2021</a:t>
             </a:fld>
             <a:endParaRPr lang="en-US"/>
           </a:p>
@@ -1844,7 +1844,7 @@
           <a:p>
             <a:fld id="{5723DDD6-2605-41F5-9472-8D0ABA65B7CB}" type="datetimeFigureOut">
               <a:rPr lang="en-US" smtClean="0"/>
-              <a:t>4/1/2021</a:t>
+              <a:t>4/3/2021</a:t>
             </a:fld>
             <a:endParaRPr lang="en-US"/>
           </a:p>
@@ -1986,7 +1986,7 @@
           <a:p>
             <a:fld id="{5723DDD6-2605-41F5-9472-8D0ABA65B7CB}" type="datetimeFigureOut">
               <a:rPr lang="en-US" smtClean="0"/>
-              <a:t>4/1/2021</a:t>
+              <a:t>4/3/2021</a:t>
             </a:fld>
             <a:endParaRPr lang="en-US"/>
           </a:p>
@@ -2099,7 +2099,7 @@
           <a:p>
             <a:fld id="{5723DDD6-2605-41F5-9472-8D0ABA65B7CB}" type="datetimeFigureOut">
               <a:rPr lang="en-US" smtClean="0"/>
-              <a:t>4/1/2021</a:t>
+              <a:t>4/3/2021</a:t>
             </a:fld>
             <a:endParaRPr lang="en-US"/>
           </a:p>
@@ -2412,7 +2412,7 @@
           <a:p>
             <a:fld id="{5723DDD6-2605-41F5-9472-8D0ABA65B7CB}" type="datetimeFigureOut">
               <a:rPr lang="en-US" smtClean="0"/>
-              <a:t>4/1/2021</a:t>
+              <a:t>4/3/2021</a:t>
             </a:fld>
             <a:endParaRPr lang="en-US"/>
           </a:p>
@@ -2701,7 +2701,7 @@
           <a:p>
             <a:fld id="{5723DDD6-2605-41F5-9472-8D0ABA65B7CB}" type="datetimeFigureOut">
               <a:rPr lang="en-US" smtClean="0"/>
-              <a:t>4/1/2021</a:t>
+              <a:t>4/3/2021</a:t>
             </a:fld>
             <a:endParaRPr lang="en-US"/>
           </a:p>
@@ -2944,7 +2944,7 @@
           <a:p>
             <a:fld id="{5723DDD6-2605-41F5-9472-8D0ABA65B7CB}" type="datetimeFigureOut">
               <a:rPr lang="en-US" smtClean="0"/>
-              <a:t>4/1/2021</a:t>
+              <a:t>4/3/2021</a:t>
             </a:fld>
             <a:endParaRPr lang="en-US"/>
           </a:p>
@@ -4646,7 +4646,7 @@
         <p:spPr>
           <a:xfrm>
             <a:off x="732675" y="5094231"/>
-            <a:ext cx="2721386" cy="646331"/>
+            <a:ext cx="5928226" cy="646331"/>
           </a:xfrm>
           <a:prstGeom prst="rect">
             <a:avLst/>
@@ -4665,7 +4665,15 @@
             </a:r>
             <a:r>
               <a:rPr lang="en-US" dirty="0"/>
-              <a:t> algorithm</a:t>
+              <a:t> algorithm(independent set in G </a:t>
+            </a:r>
+            <a:r>
+              <a:rPr lang="en-US"/>
+              <a:t>is clique </a:t>
+            </a:r>
+            <a:r>
+              <a:rPr lang="en-US" dirty="0"/>
+              <a:t>in G’)</a:t>
             </a:r>
           </a:p>
           <a:p>

--- a/presentation/midterm/slides.pptx
+++ b/presentation/midterm/slides.pptx
@@ -9,6 +9,8 @@
     <p:sldId id="257" r:id="rId3"/>
     <p:sldId id="258" r:id="rId4"/>
     <p:sldId id="259" r:id="rId5"/>
+    <p:sldId id="260" r:id="rId6"/>
+    <p:sldId id="261" r:id="rId7"/>
   </p:sldIdLst>
   <p:sldSz cx="12192000" cy="6858000"/>
   <p:notesSz cx="6858000" cy="9144000"/>
@@ -275,7 +277,7 @@
           <a:p>
             <a:fld id="{5723DDD6-2605-41F5-9472-8D0ABA65B7CB}" type="datetimeFigureOut">
               <a:rPr lang="en-US" smtClean="0"/>
-              <a:t>4/3/2021</a:t>
+              <a:t>4/4/2021</a:t>
             </a:fld>
             <a:endParaRPr lang="en-US"/>
           </a:p>
@@ -475,7 +477,7 @@
           <a:p>
             <a:fld id="{5723DDD6-2605-41F5-9472-8D0ABA65B7CB}" type="datetimeFigureOut">
               <a:rPr lang="en-US" smtClean="0"/>
-              <a:t>4/3/2021</a:t>
+              <a:t>4/4/2021</a:t>
             </a:fld>
             <a:endParaRPr lang="en-US"/>
           </a:p>
@@ -685,7 +687,7 @@
           <a:p>
             <a:fld id="{5723DDD6-2605-41F5-9472-8D0ABA65B7CB}" type="datetimeFigureOut">
               <a:rPr lang="en-US" smtClean="0"/>
-              <a:t>4/3/2021</a:t>
+              <a:t>4/4/2021</a:t>
             </a:fld>
             <a:endParaRPr lang="en-US"/>
           </a:p>
@@ -885,7 +887,7 @@
           <a:p>
             <a:fld id="{5723DDD6-2605-41F5-9472-8D0ABA65B7CB}" type="datetimeFigureOut">
               <a:rPr lang="en-US" smtClean="0"/>
-              <a:t>4/3/2021</a:t>
+              <a:t>4/4/2021</a:t>
             </a:fld>
             <a:endParaRPr lang="en-US"/>
           </a:p>
@@ -1161,7 +1163,7 @@
           <a:p>
             <a:fld id="{5723DDD6-2605-41F5-9472-8D0ABA65B7CB}" type="datetimeFigureOut">
               <a:rPr lang="en-US" smtClean="0"/>
-              <a:t>4/3/2021</a:t>
+              <a:t>4/4/2021</a:t>
             </a:fld>
             <a:endParaRPr lang="en-US"/>
           </a:p>
@@ -1429,7 +1431,7 @@
           <a:p>
             <a:fld id="{5723DDD6-2605-41F5-9472-8D0ABA65B7CB}" type="datetimeFigureOut">
               <a:rPr lang="en-US" smtClean="0"/>
-              <a:t>4/3/2021</a:t>
+              <a:t>4/4/2021</a:t>
             </a:fld>
             <a:endParaRPr lang="en-US"/>
           </a:p>
@@ -1844,7 +1846,7 @@
           <a:p>
             <a:fld id="{5723DDD6-2605-41F5-9472-8D0ABA65B7CB}" type="datetimeFigureOut">
               <a:rPr lang="en-US" smtClean="0"/>
-              <a:t>4/3/2021</a:t>
+              <a:t>4/4/2021</a:t>
             </a:fld>
             <a:endParaRPr lang="en-US"/>
           </a:p>
@@ -1986,7 +1988,7 @@
           <a:p>
             <a:fld id="{5723DDD6-2605-41F5-9472-8D0ABA65B7CB}" type="datetimeFigureOut">
               <a:rPr lang="en-US" smtClean="0"/>
-              <a:t>4/3/2021</a:t>
+              <a:t>4/4/2021</a:t>
             </a:fld>
             <a:endParaRPr lang="en-US"/>
           </a:p>
@@ -2099,7 +2101,7 @@
           <a:p>
             <a:fld id="{5723DDD6-2605-41F5-9472-8D0ABA65B7CB}" type="datetimeFigureOut">
               <a:rPr lang="en-US" smtClean="0"/>
-              <a:t>4/3/2021</a:t>
+              <a:t>4/4/2021</a:t>
             </a:fld>
             <a:endParaRPr lang="en-US"/>
           </a:p>
@@ -2412,7 +2414,7 @@
           <a:p>
             <a:fld id="{5723DDD6-2605-41F5-9472-8D0ABA65B7CB}" type="datetimeFigureOut">
               <a:rPr lang="en-US" smtClean="0"/>
-              <a:t>4/3/2021</a:t>
+              <a:t>4/4/2021</a:t>
             </a:fld>
             <a:endParaRPr lang="en-US"/>
           </a:p>
@@ -2701,7 +2703,7 @@
           <a:p>
             <a:fld id="{5723DDD6-2605-41F5-9472-8D0ABA65B7CB}" type="datetimeFigureOut">
               <a:rPr lang="en-US" smtClean="0"/>
-              <a:t>4/3/2021</a:t>
+              <a:t>4/4/2021</a:t>
             </a:fld>
             <a:endParaRPr lang="en-US"/>
           </a:p>
@@ -2944,7 +2946,7 @@
           <a:p>
             <a:fld id="{5723DDD6-2605-41F5-9472-8D0ABA65B7CB}" type="datetimeFigureOut">
               <a:rPr lang="en-US" smtClean="0"/>
-              <a:t>4/3/2021</a:t>
+              <a:t>4/4/2021</a:t>
             </a:fld>
             <a:endParaRPr lang="en-US"/>
           </a:p>
@@ -3528,7 +3530,7 @@
         </p:nvSpPr>
         <p:spPr>
           <a:xfrm>
-            <a:off x="895350" y="695325"/>
+            <a:off x="1017981" y="410189"/>
             <a:ext cx="2818207" cy="369332"/>
           </a:xfrm>
           <a:prstGeom prst="rect">
@@ -3568,8 +3570,8 @@
         </p:nvSpPr>
         <p:spPr>
           <a:xfrm>
-            <a:off x="1076325" y="2809875"/>
-            <a:ext cx="5392374" cy="369332"/>
+            <a:off x="4546497" y="1297262"/>
+            <a:ext cx="5973623" cy="369332"/>
           </a:xfrm>
           <a:prstGeom prst="rect">
             <a:avLst/>
@@ -3592,19 +3594,2084 @@
             </a:r>
             <a:r>
               <a:rPr lang="en-US" altLang="zh-CN" dirty="0"/>
-              <a:t>a</a:t>
+              <a:t>an event links two individuals</a:t>
             </a:r>
-            <a:r>
-              <a:rPr lang="zh-CN" altLang="en-US" dirty="0"/>
-              <a:t> </a:t>
-            </a:r>
-            <a:r>
-              <a:rPr lang="en-US" dirty="0"/>
-              <a:t>unilateral or bilateral </a:t>
-            </a:r>
+            <a:endParaRPr lang="en-US" dirty="0"/>
           </a:p>
         </p:txBody>
       </p:sp>
+      <p:graphicFrame>
+        <p:nvGraphicFramePr>
+          <p:cNvPr id="53" name="表格 53">
+            <a:extLst>
+              <a:ext uri="{FF2B5EF4-FFF2-40B4-BE49-F238E27FC236}">
+                <a16:creationId xmlns:a16="http://schemas.microsoft.com/office/drawing/2014/main" id="{9BCE613A-6A18-4CD5-9C7C-A74200F39E96}"/>
+              </a:ext>
+            </a:extLst>
+          </p:cNvPr>
+          <p:cNvGraphicFramePr>
+            <a:graphicFrameLocks noGrp="1"/>
+          </p:cNvGraphicFramePr>
+          <p:nvPr>
+            <p:extLst>
+              <p:ext uri="{D42A27DB-BD31-4B8C-83A1-F6EECF244321}">
+                <p14:modId xmlns:p14="http://schemas.microsoft.com/office/powerpoint/2010/main" val="787328041"/>
+              </p:ext>
+            </p:extLst>
+          </p:nvPr>
+        </p:nvGraphicFramePr>
+        <p:xfrm>
+          <a:off x="546033" y="1016472"/>
+          <a:ext cx="2695576" cy="2875069"/>
+        </p:xfrm>
+        <a:graphic>
+          <a:graphicData uri="http://schemas.openxmlformats.org/drawingml/2006/table">
+            <a:tbl>
+              <a:tblPr firstRow="1" bandRow="1">
+                <a:tableStyleId>{5C22544A-7EE6-4342-B048-85BDC9FD1C3A}</a:tableStyleId>
+              </a:tblPr>
+              <a:tblGrid>
+                <a:gridCol w="1347788">
+                  <a:extLst>
+                    <a:ext uri="{9D8B030D-6E8A-4147-A177-3AD203B41FA5}">
+                      <a16:colId xmlns:a16="http://schemas.microsoft.com/office/drawing/2014/main" val="152305429"/>
+                    </a:ext>
+                  </a:extLst>
+                </a:gridCol>
+                <a:gridCol w="1347788">
+                  <a:extLst>
+                    <a:ext uri="{9D8B030D-6E8A-4147-A177-3AD203B41FA5}">
+                      <a16:colId xmlns:a16="http://schemas.microsoft.com/office/drawing/2014/main" val="230137862"/>
+                    </a:ext>
+                  </a:extLst>
+                </a:gridCol>
+              </a:tblGrid>
+              <a:tr h="308772">
+                <a:tc>
+                  <a:txBody>
+                    <a:bodyPr/>
+                    <a:lstStyle/>
+                    <a:p>
+                      <a:pPr marL="0" marR="0" lvl="0" indent="0" algn="ctr" defTabSz="914400" rtl="0" eaLnBrk="1" fontAlgn="auto" latinLnBrk="0" hangingPunct="1">
+                        <a:lnSpc>
+                          <a:spcPct val="100000"/>
+                        </a:lnSpc>
+                        <a:spcBef>
+                          <a:spcPts val="0"/>
+                        </a:spcBef>
+                        <a:spcAft>
+                          <a:spcPts val="0"/>
+                        </a:spcAft>
+                        <a:buClrTx/>
+                        <a:buSzTx/>
+                        <a:buFontTx/>
+                        <a:buNone/>
+                        <a:tabLst/>
+                        <a:defRPr/>
+                      </a:pPr>
+                      <a:r>
+                        <a:rPr lang="en-US" altLang="zh-CN" dirty="0"/>
+                        <a:t>Time</a:t>
+                      </a:r>
+                      <a:endParaRPr lang="en-US" dirty="0"/>
+                    </a:p>
+                  </a:txBody>
+                  <a:tcPr>
+                    <a:solidFill>
+                      <a:schemeClr val="accent5">
+                        <a:lumMod val="75000"/>
+                      </a:schemeClr>
+                    </a:solidFill>
+                  </a:tcPr>
+                </a:tc>
+                <a:tc>
+                  <a:txBody>
+                    <a:bodyPr/>
+                    <a:lstStyle/>
+                    <a:p>
+                      <a:pPr marL="0" marR="0" lvl="0" indent="0" algn="ctr" defTabSz="914400" rtl="0" eaLnBrk="1" fontAlgn="auto" latinLnBrk="0" hangingPunct="1">
+                        <a:lnSpc>
+                          <a:spcPct val="100000"/>
+                        </a:lnSpc>
+                        <a:spcBef>
+                          <a:spcPts val="0"/>
+                        </a:spcBef>
+                        <a:spcAft>
+                          <a:spcPts val="0"/>
+                        </a:spcAft>
+                        <a:buClrTx/>
+                        <a:buSzTx/>
+                        <a:buFontTx/>
+                        <a:buNone/>
+                        <a:tabLst/>
+                        <a:defRPr/>
+                      </a:pPr>
+                      <a:r>
+                        <a:rPr lang="en-US" dirty="0"/>
+                        <a:t>Event</a:t>
+                      </a:r>
+                    </a:p>
+                  </a:txBody>
+                  <a:tcPr>
+                    <a:solidFill>
+                      <a:schemeClr val="accent5">
+                        <a:lumMod val="75000"/>
+                      </a:schemeClr>
+                    </a:solidFill>
+                  </a:tcPr>
+                </a:tc>
+                <a:extLst>
+                  <a:ext uri="{0D108BD9-81ED-4DB2-BD59-A6C34878D82A}">
+                    <a16:rowId xmlns:a16="http://schemas.microsoft.com/office/drawing/2014/main" val="3514388660"/>
+                  </a:ext>
+                </a:extLst>
+              </a:tr>
+              <a:tr h="308772">
+                <a:tc>
+                  <a:txBody>
+                    <a:bodyPr/>
+                    <a:lstStyle/>
+                    <a:p>
+                      <a:pPr marL="0" marR="0" lvl="0" indent="0" algn="ctr" defTabSz="914400" rtl="0" eaLnBrk="1" fontAlgn="auto" latinLnBrk="0" hangingPunct="1">
+                        <a:lnSpc>
+                          <a:spcPct val="100000"/>
+                        </a:lnSpc>
+                        <a:spcBef>
+                          <a:spcPts val="0"/>
+                        </a:spcBef>
+                        <a:spcAft>
+                          <a:spcPts val="0"/>
+                        </a:spcAft>
+                        <a:buClrTx/>
+                        <a:buSzTx/>
+                        <a:buFontTx/>
+                        <a:buNone/>
+                        <a:tabLst/>
+                        <a:defRPr/>
+                      </a:pPr>
+                      <a:r>
+                        <a:rPr lang="en-US" dirty="0">
+                          <a:solidFill>
+                            <a:schemeClr val="tx1"/>
+                          </a:solidFill>
+                        </a:rPr>
+                        <a:t>T</a:t>
+                      </a:r>
+                      <a:r>
+                        <a:rPr lang="en-US" baseline="-25000" dirty="0">
+                          <a:solidFill>
+                            <a:schemeClr val="tx1"/>
+                          </a:solidFill>
+                        </a:rPr>
+                        <a:t>0</a:t>
+                      </a:r>
+                    </a:p>
+                  </a:txBody>
+                  <a:tcPr>
+                    <a:solidFill>
+                      <a:schemeClr val="accent5">
+                        <a:lumMod val="40000"/>
+                        <a:lumOff val="60000"/>
+                      </a:schemeClr>
+                    </a:solidFill>
+                  </a:tcPr>
+                </a:tc>
+                <a:tc>
+                  <a:txBody>
+                    <a:bodyPr/>
+                    <a:lstStyle/>
+                    <a:p>
+                      <a:pPr marL="0" marR="0" lvl="0" indent="0" algn="ctr" defTabSz="914400" rtl="0" eaLnBrk="1" fontAlgn="auto" latinLnBrk="0" hangingPunct="1">
+                        <a:lnSpc>
+                          <a:spcPct val="100000"/>
+                        </a:lnSpc>
+                        <a:spcBef>
+                          <a:spcPts val="0"/>
+                        </a:spcBef>
+                        <a:spcAft>
+                          <a:spcPts val="0"/>
+                        </a:spcAft>
+                        <a:buClrTx/>
+                        <a:buSzTx/>
+                        <a:buFontTx/>
+                        <a:buNone/>
+                        <a:tabLst/>
+                        <a:defRPr/>
+                      </a:pPr>
+                      <a:r>
+                        <a:rPr lang="en-US" dirty="0">
+                          <a:solidFill>
+                            <a:schemeClr val="tx1"/>
+                          </a:solidFill>
+                        </a:rPr>
+                        <a:t>E</a:t>
+                      </a:r>
+                      <a:r>
+                        <a:rPr lang="en-US" baseline="-25000" dirty="0">
+                          <a:solidFill>
+                            <a:schemeClr val="tx1"/>
+                          </a:solidFill>
+                        </a:rPr>
+                        <a:t>0,0</a:t>
+                      </a:r>
+                    </a:p>
+                  </a:txBody>
+                  <a:tcPr>
+                    <a:solidFill>
+                      <a:schemeClr val="accent5">
+                        <a:lumMod val="40000"/>
+                        <a:lumOff val="60000"/>
+                      </a:schemeClr>
+                    </a:solidFill>
+                  </a:tcPr>
+                </a:tc>
+                <a:extLst>
+                  <a:ext uri="{0D108BD9-81ED-4DB2-BD59-A6C34878D82A}">
+                    <a16:rowId xmlns:a16="http://schemas.microsoft.com/office/drawing/2014/main" val="1253097885"/>
+                  </a:ext>
+                </a:extLst>
+              </a:tr>
+              <a:tr h="308772">
+                <a:tc>
+                  <a:txBody>
+                    <a:bodyPr/>
+                    <a:lstStyle/>
+                    <a:p>
+                      <a:pPr marL="0" marR="0" lvl="0" indent="0" algn="ctr" defTabSz="914400" rtl="0" eaLnBrk="1" fontAlgn="auto" latinLnBrk="0" hangingPunct="1">
+                        <a:lnSpc>
+                          <a:spcPct val="100000"/>
+                        </a:lnSpc>
+                        <a:spcBef>
+                          <a:spcPts val="0"/>
+                        </a:spcBef>
+                        <a:spcAft>
+                          <a:spcPts val="0"/>
+                        </a:spcAft>
+                        <a:buClrTx/>
+                        <a:buSzTx/>
+                        <a:buFontTx/>
+                        <a:buNone/>
+                        <a:tabLst/>
+                        <a:defRPr/>
+                      </a:pPr>
+                      <a:r>
+                        <a:rPr lang="en-US" dirty="0">
+                          <a:solidFill>
+                            <a:schemeClr val="tx1"/>
+                          </a:solidFill>
+                        </a:rPr>
+                        <a:t>T</a:t>
+                      </a:r>
+                      <a:r>
+                        <a:rPr lang="en-US" baseline="-25000" dirty="0">
+                          <a:solidFill>
+                            <a:schemeClr val="tx1"/>
+                          </a:solidFill>
+                        </a:rPr>
+                        <a:t>0</a:t>
+                      </a:r>
+                    </a:p>
+                  </a:txBody>
+                  <a:tcPr>
+                    <a:solidFill>
+                      <a:schemeClr val="accent5">
+                        <a:lumMod val="40000"/>
+                        <a:lumOff val="60000"/>
+                      </a:schemeClr>
+                    </a:solidFill>
+                  </a:tcPr>
+                </a:tc>
+                <a:tc>
+                  <a:txBody>
+                    <a:bodyPr/>
+                    <a:lstStyle/>
+                    <a:p>
+                      <a:pPr marL="0" marR="0" lvl="0" indent="0" algn="ctr" defTabSz="914400" rtl="0" eaLnBrk="1" fontAlgn="auto" latinLnBrk="0" hangingPunct="1">
+                        <a:lnSpc>
+                          <a:spcPct val="100000"/>
+                        </a:lnSpc>
+                        <a:spcBef>
+                          <a:spcPts val="0"/>
+                        </a:spcBef>
+                        <a:spcAft>
+                          <a:spcPts val="0"/>
+                        </a:spcAft>
+                        <a:buClrTx/>
+                        <a:buSzTx/>
+                        <a:buFontTx/>
+                        <a:buNone/>
+                        <a:tabLst/>
+                        <a:defRPr/>
+                      </a:pPr>
+                      <a:r>
+                        <a:rPr lang="en-US" dirty="0">
+                          <a:solidFill>
+                            <a:schemeClr val="tx1"/>
+                          </a:solidFill>
+                        </a:rPr>
+                        <a:t>E</a:t>
+                      </a:r>
+                      <a:r>
+                        <a:rPr lang="en-US" baseline="-25000" dirty="0">
+                          <a:solidFill>
+                            <a:schemeClr val="tx1"/>
+                          </a:solidFill>
+                        </a:rPr>
+                        <a:t>0,1</a:t>
+                      </a:r>
+                    </a:p>
+                  </a:txBody>
+                  <a:tcPr>
+                    <a:solidFill>
+                      <a:schemeClr val="accent5">
+                        <a:lumMod val="40000"/>
+                        <a:lumOff val="60000"/>
+                      </a:schemeClr>
+                    </a:solidFill>
+                  </a:tcPr>
+                </a:tc>
+                <a:extLst>
+                  <a:ext uri="{0D108BD9-81ED-4DB2-BD59-A6C34878D82A}">
+                    <a16:rowId xmlns:a16="http://schemas.microsoft.com/office/drawing/2014/main" val="2578196755"/>
+                  </a:ext>
+                </a:extLst>
+              </a:tr>
+              <a:tr h="335704">
+                <a:tc gridSpan="2">
+                  <a:txBody>
+                    <a:bodyPr/>
+                    <a:lstStyle/>
+                    <a:p>
+                      <a:pPr algn="ctr"/>
+                      <a:r>
+                        <a:rPr lang="en-US" dirty="0">
+                          <a:solidFill>
+                            <a:schemeClr val="tx1"/>
+                          </a:solidFill>
+                        </a:rPr>
+                        <a:t>…</a:t>
+                      </a:r>
+                    </a:p>
+                  </a:txBody>
+                  <a:tcPr vert="eaVert" anchor="ctr">
+                    <a:solidFill>
+                      <a:schemeClr val="accent5">
+                        <a:lumMod val="40000"/>
+                        <a:lumOff val="60000"/>
+                      </a:schemeClr>
+                    </a:solidFill>
+                  </a:tcPr>
+                </a:tc>
+                <a:tc hMerge="1">
+                  <a:txBody>
+                    <a:bodyPr/>
+                    <a:lstStyle/>
+                    <a:p>
+                      <a:pPr algn="ctr"/>
+                      <a:endParaRPr lang="en-US" dirty="0">
+                        <a:solidFill>
+                          <a:schemeClr val="bg1"/>
+                        </a:solidFill>
+                      </a:endParaRPr>
+                    </a:p>
+                  </a:txBody>
+                  <a:tcPr vert="eaVert" anchor="ctr">
+                    <a:solidFill>
+                      <a:schemeClr val="tx2">
+                        <a:lumMod val="60000"/>
+                        <a:lumOff val="40000"/>
+                      </a:schemeClr>
+                    </a:solidFill>
+                  </a:tcPr>
+                </a:tc>
+                <a:extLst>
+                  <a:ext uri="{0D108BD9-81ED-4DB2-BD59-A6C34878D82A}">
+                    <a16:rowId xmlns:a16="http://schemas.microsoft.com/office/drawing/2014/main" val="3941493306"/>
+                  </a:ext>
+                </a:extLst>
+              </a:tr>
+              <a:tr h="308772">
+                <a:tc>
+                  <a:txBody>
+                    <a:bodyPr/>
+                    <a:lstStyle/>
+                    <a:p>
+                      <a:pPr marL="0" marR="0" lvl="0" indent="0" algn="ctr" defTabSz="914400" rtl="0" eaLnBrk="1" fontAlgn="auto" latinLnBrk="0" hangingPunct="1">
+                        <a:lnSpc>
+                          <a:spcPct val="100000"/>
+                        </a:lnSpc>
+                        <a:spcBef>
+                          <a:spcPts val="0"/>
+                        </a:spcBef>
+                        <a:spcAft>
+                          <a:spcPts val="0"/>
+                        </a:spcAft>
+                        <a:buClrTx/>
+                        <a:buSzTx/>
+                        <a:buFontTx/>
+                        <a:buNone/>
+                        <a:tabLst/>
+                        <a:defRPr/>
+                      </a:pPr>
+                      <a:r>
+                        <a:rPr lang="en-US" dirty="0">
+                          <a:solidFill>
+                            <a:schemeClr val="tx1"/>
+                          </a:solidFill>
+                        </a:rPr>
+                        <a:t>T</a:t>
+                      </a:r>
+                      <a:r>
+                        <a:rPr lang="en-US" baseline="-25000" dirty="0">
+                          <a:solidFill>
+                            <a:schemeClr val="tx1"/>
+                          </a:solidFill>
+                        </a:rPr>
+                        <a:t>0</a:t>
+                      </a:r>
+                    </a:p>
+                  </a:txBody>
+                  <a:tcPr>
+                    <a:solidFill>
+                      <a:schemeClr val="accent5">
+                        <a:lumMod val="40000"/>
+                        <a:lumOff val="60000"/>
+                      </a:schemeClr>
+                    </a:solidFill>
+                  </a:tcPr>
+                </a:tc>
+                <a:tc>
+                  <a:txBody>
+                    <a:bodyPr/>
+                    <a:lstStyle/>
+                    <a:p>
+                      <a:pPr marL="0" marR="0" lvl="0" indent="0" algn="ctr" defTabSz="914400" rtl="0" eaLnBrk="1" fontAlgn="auto" latinLnBrk="0" hangingPunct="1">
+                        <a:lnSpc>
+                          <a:spcPct val="100000"/>
+                        </a:lnSpc>
+                        <a:spcBef>
+                          <a:spcPts val="0"/>
+                        </a:spcBef>
+                        <a:spcAft>
+                          <a:spcPts val="0"/>
+                        </a:spcAft>
+                        <a:buClrTx/>
+                        <a:buSzTx/>
+                        <a:buFontTx/>
+                        <a:buNone/>
+                        <a:tabLst/>
+                        <a:defRPr/>
+                      </a:pPr>
+                      <a:r>
+                        <a:rPr lang="en-US" dirty="0">
+                          <a:solidFill>
+                            <a:schemeClr val="tx1"/>
+                          </a:solidFill>
+                        </a:rPr>
+                        <a:t>E</a:t>
+                      </a:r>
+                      <a:r>
+                        <a:rPr lang="en-US" baseline="-25000" dirty="0">
+                          <a:solidFill>
+                            <a:schemeClr val="tx1"/>
+                          </a:solidFill>
+                        </a:rPr>
+                        <a:t>0,m</a:t>
+                      </a:r>
+                      <a:r>
+                        <a:rPr lang="en-US" sz="1400" baseline="-50000" dirty="0">
+                          <a:solidFill>
+                            <a:schemeClr val="tx1"/>
+                          </a:solidFill>
+                        </a:rPr>
+                        <a:t>0</a:t>
+                      </a:r>
+                      <a:endParaRPr lang="en-US" baseline="-50000" dirty="0">
+                        <a:solidFill>
+                          <a:schemeClr val="tx1"/>
+                        </a:solidFill>
+                      </a:endParaRPr>
+                    </a:p>
+                  </a:txBody>
+                  <a:tcPr>
+                    <a:solidFill>
+                      <a:schemeClr val="accent5">
+                        <a:lumMod val="40000"/>
+                        <a:lumOff val="60000"/>
+                      </a:schemeClr>
+                    </a:solidFill>
+                  </a:tcPr>
+                </a:tc>
+                <a:extLst>
+                  <a:ext uri="{0D108BD9-81ED-4DB2-BD59-A6C34878D82A}">
+                    <a16:rowId xmlns:a16="http://schemas.microsoft.com/office/drawing/2014/main" val="347133823"/>
+                  </a:ext>
+                </a:extLst>
+              </a:tr>
+              <a:tr h="308772">
+                <a:tc>
+                  <a:txBody>
+                    <a:bodyPr/>
+                    <a:lstStyle/>
+                    <a:p>
+                      <a:pPr marL="0" marR="0" lvl="0" indent="0" algn="ctr" defTabSz="914400" rtl="0" eaLnBrk="1" fontAlgn="auto" latinLnBrk="0" hangingPunct="1">
+                        <a:lnSpc>
+                          <a:spcPct val="100000"/>
+                        </a:lnSpc>
+                        <a:spcBef>
+                          <a:spcPts val="0"/>
+                        </a:spcBef>
+                        <a:spcAft>
+                          <a:spcPts val="0"/>
+                        </a:spcAft>
+                        <a:buClrTx/>
+                        <a:buSzTx/>
+                        <a:buFontTx/>
+                        <a:buNone/>
+                        <a:tabLst/>
+                        <a:defRPr/>
+                      </a:pPr>
+                      <a:r>
+                        <a:rPr lang="en-US" dirty="0">
+                          <a:solidFill>
+                            <a:schemeClr val="tx1"/>
+                          </a:solidFill>
+                        </a:rPr>
+                        <a:t>T</a:t>
+                      </a:r>
+                      <a:r>
+                        <a:rPr lang="en-US" baseline="-25000" dirty="0">
+                          <a:solidFill>
+                            <a:schemeClr val="tx1"/>
+                          </a:solidFill>
+                        </a:rPr>
+                        <a:t>1</a:t>
+                      </a:r>
+                    </a:p>
+                  </a:txBody>
+                  <a:tcPr>
+                    <a:solidFill>
+                      <a:schemeClr val="accent5">
+                        <a:lumMod val="40000"/>
+                        <a:lumOff val="60000"/>
+                      </a:schemeClr>
+                    </a:solidFill>
+                  </a:tcPr>
+                </a:tc>
+                <a:tc>
+                  <a:txBody>
+                    <a:bodyPr/>
+                    <a:lstStyle/>
+                    <a:p>
+                      <a:pPr marL="0" marR="0" lvl="0" indent="0" algn="ctr" defTabSz="914400" rtl="0" eaLnBrk="1" fontAlgn="auto" latinLnBrk="0" hangingPunct="1">
+                        <a:lnSpc>
+                          <a:spcPct val="100000"/>
+                        </a:lnSpc>
+                        <a:spcBef>
+                          <a:spcPts val="0"/>
+                        </a:spcBef>
+                        <a:spcAft>
+                          <a:spcPts val="0"/>
+                        </a:spcAft>
+                        <a:buClrTx/>
+                        <a:buSzTx/>
+                        <a:buFontTx/>
+                        <a:buNone/>
+                        <a:tabLst/>
+                        <a:defRPr/>
+                      </a:pPr>
+                      <a:r>
+                        <a:rPr lang="en-US" dirty="0">
+                          <a:solidFill>
+                            <a:schemeClr val="tx1"/>
+                          </a:solidFill>
+                        </a:rPr>
+                        <a:t>E</a:t>
+                      </a:r>
+                      <a:r>
+                        <a:rPr lang="en-US" baseline="-25000" dirty="0">
+                          <a:solidFill>
+                            <a:schemeClr val="tx1"/>
+                          </a:solidFill>
+                        </a:rPr>
+                        <a:t>1,0</a:t>
+                      </a:r>
+                    </a:p>
+                  </a:txBody>
+                  <a:tcPr>
+                    <a:solidFill>
+                      <a:schemeClr val="accent5">
+                        <a:lumMod val="40000"/>
+                        <a:lumOff val="60000"/>
+                      </a:schemeClr>
+                    </a:solidFill>
+                  </a:tcPr>
+                </a:tc>
+                <a:extLst>
+                  <a:ext uri="{0D108BD9-81ED-4DB2-BD59-A6C34878D82A}">
+                    <a16:rowId xmlns:a16="http://schemas.microsoft.com/office/drawing/2014/main" val="1241394746"/>
+                  </a:ext>
+                </a:extLst>
+              </a:tr>
+              <a:tr h="344805">
+                <a:tc gridSpan="2">
+                  <a:txBody>
+                    <a:bodyPr/>
+                    <a:lstStyle/>
+                    <a:p>
+                      <a:pPr marL="0" algn="ctr" defTabSz="914400" rtl="0" eaLnBrk="1" latinLnBrk="0" hangingPunct="1"/>
+                      <a:r>
+                        <a:rPr lang="en-US" sz="1800" kern="1200" dirty="0">
+                          <a:solidFill>
+                            <a:schemeClr val="tx1"/>
+                          </a:solidFill>
+                          <a:latin typeface="+mn-lt"/>
+                          <a:ea typeface="+mn-ea"/>
+                          <a:cs typeface="+mn-cs"/>
+                        </a:rPr>
+                        <a:t>…</a:t>
+                      </a:r>
+                    </a:p>
+                  </a:txBody>
+                  <a:tcPr vert="eaVert" anchor="ctr">
+                    <a:solidFill>
+                      <a:schemeClr val="accent5">
+                        <a:lumMod val="40000"/>
+                        <a:lumOff val="60000"/>
+                      </a:schemeClr>
+                    </a:solidFill>
+                  </a:tcPr>
+                </a:tc>
+                <a:tc hMerge="1">
+                  <a:txBody>
+                    <a:bodyPr/>
+                    <a:lstStyle/>
+                    <a:p>
+                      <a:pPr marL="0" algn="ctr" defTabSz="914400" rtl="0" eaLnBrk="1" latinLnBrk="0" hangingPunct="1"/>
+                      <a:endParaRPr lang="en-US" sz="1800" kern="1200" dirty="0">
+                        <a:solidFill>
+                          <a:schemeClr val="bg1"/>
+                        </a:solidFill>
+                        <a:latin typeface="+mn-lt"/>
+                        <a:ea typeface="+mn-ea"/>
+                        <a:cs typeface="+mn-cs"/>
+                      </a:endParaRPr>
+                    </a:p>
+                  </a:txBody>
+                  <a:tcPr vert="eaVert" anchor="ctr">
+                    <a:solidFill>
+                      <a:schemeClr val="tx2">
+                        <a:lumMod val="60000"/>
+                        <a:lumOff val="40000"/>
+                      </a:schemeClr>
+                    </a:solidFill>
+                  </a:tcPr>
+                </a:tc>
+                <a:extLst>
+                  <a:ext uri="{0D108BD9-81ED-4DB2-BD59-A6C34878D82A}">
+                    <a16:rowId xmlns:a16="http://schemas.microsoft.com/office/drawing/2014/main" val="1834483132"/>
+                  </a:ext>
+                </a:extLst>
+              </a:tr>
+              <a:tr h="308772">
+                <a:tc>
+                  <a:txBody>
+                    <a:bodyPr/>
+                    <a:lstStyle/>
+                    <a:p>
+                      <a:pPr marL="0" marR="0" lvl="0" indent="0" algn="ctr" defTabSz="914400" rtl="0" eaLnBrk="1" fontAlgn="auto" latinLnBrk="0" hangingPunct="1">
+                        <a:lnSpc>
+                          <a:spcPct val="100000"/>
+                        </a:lnSpc>
+                        <a:spcBef>
+                          <a:spcPts val="0"/>
+                        </a:spcBef>
+                        <a:spcAft>
+                          <a:spcPts val="0"/>
+                        </a:spcAft>
+                        <a:buClrTx/>
+                        <a:buSzTx/>
+                        <a:buFontTx/>
+                        <a:buNone/>
+                        <a:tabLst/>
+                        <a:defRPr/>
+                      </a:pPr>
+                      <a:r>
+                        <a:rPr lang="en-US" dirty="0">
+                          <a:solidFill>
+                            <a:schemeClr val="tx1"/>
+                          </a:solidFill>
+                        </a:rPr>
+                        <a:t>T</a:t>
+                      </a:r>
+                      <a:r>
+                        <a:rPr lang="en-US" baseline="-25000" dirty="0">
+                          <a:solidFill>
+                            <a:schemeClr val="tx1"/>
+                          </a:solidFill>
+                        </a:rPr>
+                        <a:t>n</a:t>
+                      </a:r>
+                    </a:p>
+                  </a:txBody>
+                  <a:tcPr>
+                    <a:solidFill>
+                      <a:schemeClr val="accent5">
+                        <a:lumMod val="40000"/>
+                        <a:lumOff val="60000"/>
+                      </a:schemeClr>
+                    </a:solidFill>
+                  </a:tcPr>
+                </a:tc>
+                <a:tc>
+                  <a:txBody>
+                    <a:bodyPr/>
+                    <a:lstStyle/>
+                    <a:p>
+                      <a:pPr marL="0" marR="0" lvl="0" indent="0" algn="ctr" defTabSz="914400" rtl="0" eaLnBrk="1" fontAlgn="auto" latinLnBrk="0" hangingPunct="1">
+                        <a:lnSpc>
+                          <a:spcPct val="100000"/>
+                        </a:lnSpc>
+                        <a:spcBef>
+                          <a:spcPts val="0"/>
+                        </a:spcBef>
+                        <a:spcAft>
+                          <a:spcPts val="0"/>
+                        </a:spcAft>
+                        <a:buClrTx/>
+                        <a:buSzTx/>
+                        <a:buFontTx/>
+                        <a:buNone/>
+                        <a:tabLst/>
+                        <a:defRPr/>
+                      </a:pPr>
+                      <a:r>
+                        <a:rPr lang="en-US" dirty="0">
+                          <a:solidFill>
+                            <a:schemeClr val="tx1"/>
+                          </a:solidFill>
+                        </a:rPr>
+                        <a:t>E</a:t>
+                      </a:r>
+                      <a:r>
+                        <a:rPr lang="en-US" baseline="-25000" dirty="0">
+                          <a:solidFill>
+                            <a:schemeClr val="tx1"/>
+                          </a:solidFill>
+                        </a:rPr>
+                        <a:t>n,m</a:t>
+                      </a:r>
+                      <a:r>
+                        <a:rPr lang="en-US" sz="1400" baseline="-50000" dirty="0">
+                          <a:solidFill>
+                            <a:schemeClr val="tx1"/>
+                          </a:solidFill>
+                        </a:rPr>
+                        <a:t>n</a:t>
+                      </a:r>
+                      <a:endParaRPr lang="en-US" baseline="-50000" dirty="0">
+                        <a:solidFill>
+                          <a:schemeClr val="tx1"/>
+                        </a:solidFill>
+                      </a:endParaRPr>
+                    </a:p>
+                  </a:txBody>
+                  <a:tcPr>
+                    <a:solidFill>
+                      <a:schemeClr val="accent5">
+                        <a:lumMod val="40000"/>
+                        <a:lumOff val="60000"/>
+                      </a:schemeClr>
+                    </a:solidFill>
+                  </a:tcPr>
+                </a:tc>
+                <a:extLst>
+                  <a:ext uri="{0D108BD9-81ED-4DB2-BD59-A6C34878D82A}">
+                    <a16:rowId xmlns:a16="http://schemas.microsoft.com/office/drawing/2014/main" val="632472986"/>
+                  </a:ext>
+                </a:extLst>
+              </a:tr>
+            </a:tbl>
+          </a:graphicData>
+        </a:graphic>
+      </p:graphicFrame>
+      <p:graphicFrame>
+        <p:nvGraphicFramePr>
+          <p:cNvPr id="54" name="表格 53">
+            <a:extLst>
+              <a:ext uri="{FF2B5EF4-FFF2-40B4-BE49-F238E27FC236}">
+                <a16:creationId xmlns:a16="http://schemas.microsoft.com/office/drawing/2014/main" id="{78DC10C4-C26C-4A96-B900-0C73B8C0E3C7}"/>
+              </a:ext>
+            </a:extLst>
+          </p:cNvPr>
+          <p:cNvGraphicFramePr>
+            <a:graphicFrameLocks noGrp="1"/>
+          </p:cNvGraphicFramePr>
+          <p:nvPr>
+            <p:extLst>
+              <p:ext uri="{D42A27DB-BD31-4B8C-83A1-F6EECF244321}">
+                <p14:modId xmlns:p14="http://schemas.microsoft.com/office/powerpoint/2010/main" val="2064769630"/>
+              </p:ext>
+            </p:extLst>
+          </p:nvPr>
+        </p:nvGraphicFramePr>
+        <p:xfrm>
+          <a:off x="5514976" y="2548466"/>
+          <a:ext cx="2695576" cy="2827606"/>
+        </p:xfrm>
+        <a:graphic>
+          <a:graphicData uri="http://schemas.openxmlformats.org/drawingml/2006/table">
+            <a:tbl>
+              <a:tblPr firstRow="1" bandRow="1">
+                <a:tableStyleId>{5C22544A-7EE6-4342-B048-85BDC9FD1C3A}</a:tableStyleId>
+              </a:tblPr>
+              <a:tblGrid>
+                <a:gridCol w="1347788">
+                  <a:extLst>
+                    <a:ext uri="{9D8B030D-6E8A-4147-A177-3AD203B41FA5}">
+                      <a16:colId xmlns:a16="http://schemas.microsoft.com/office/drawing/2014/main" val="152305429"/>
+                    </a:ext>
+                  </a:extLst>
+                </a:gridCol>
+                <a:gridCol w="1347788">
+                  <a:extLst>
+                    <a:ext uri="{9D8B030D-6E8A-4147-A177-3AD203B41FA5}">
+                      <a16:colId xmlns:a16="http://schemas.microsoft.com/office/drawing/2014/main" val="230137862"/>
+                    </a:ext>
+                  </a:extLst>
+                </a:gridCol>
+              </a:tblGrid>
+              <a:tr h="308772">
+                <a:tc>
+                  <a:txBody>
+                    <a:bodyPr/>
+                    <a:lstStyle/>
+                    <a:p>
+                      <a:pPr marL="0" marR="0" lvl="0" indent="0" algn="ctr" defTabSz="914400" rtl="0" eaLnBrk="1" fontAlgn="auto" latinLnBrk="0" hangingPunct="1">
+                        <a:lnSpc>
+                          <a:spcPct val="100000"/>
+                        </a:lnSpc>
+                        <a:spcBef>
+                          <a:spcPts val="0"/>
+                        </a:spcBef>
+                        <a:spcAft>
+                          <a:spcPts val="0"/>
+                        </a:spcAft>
+                        <a:buClrTx/>
+                        <a:buSzTx/>
+                        <a:buFontTx/>
+                        <a:buNone/>
+                        <a:tabLst/>
+                        <a:defRPr/>
+                      </a:pPr>
+                      <a:r>
+                        <a:rPr lang="en-US" altLang="zh-CN" sz="1800" b="1" kern="1200" dirty="0">
+                          <a:solidFill>
+                            <a:schemeClr val="lt1"/>
+                          </a:solidFill>
+                          <a:latin typeface="+mn-lt"/>
+                          <a:ea typeface="+mn-ea"/>
+                          <a:cs typeface="+mn-cs"/>
+                        </a:rPr>
+                        <a:t>Time</a:t>
+                      </a:r>
+                      <a:endParaRPr lang="en-US" sz="1800" b="1" kern="1200" dirty="0">
+                        <a:solidFill>
+                          <a:schemeClr val="lt1"/>
+                        </a:solidFill>
+                        <a:latin typeface="+mn-lt"/>
+                        <a:ea typeface="+mn-ea"/>
+                        <a:cs typeface="+mn-cs"/>
+                      </a:endParaRPr>
+                    </a:p>
+                  </a:txBody>
+                  <a:tcPr>
+                    <a:solidFill>
+                      <a:schemeClr val="accent5">
+                        <a:lumMod val="75000"/>
+                      </a:schemeClr>
+                    </a:solidFill>
+                  </a:tcPr>
+                </a:tc>
+                <a:tc>
+                  <a:txBody>
+                    <a:bodyPr/>
+                    <a:lstStyle/>
+                    <a:p>
+                      <a:pPr marL="0" marR="0" lvl="0" indent="0" algn="ctr" defTabSz="914400" rtl="0" eaLnBrk="1" fontAlgn="auto" latinLnBrk="0" hangingPunct="1">
+                        <a:lnSpc>
+                          <a:spcPct val="100000"/>
+                        </a:lnSpc>
+                        <a:spcBef>
+                          <a:spcPts val="0"/>
+                        </a:spcBef>
+                        <a:spcAft>
+                          <a:spcPts val="0"/>
+                        </a:spcAft>
+                        <a:buClrTx/>
+                        <a:buSzTx/>
+                        <a:buFontTx/>
+                        <a:buNone/>
+                        <a:tabLst/>
+                        <a:defRPr/>
+                      </a:pPr>
+                      <a:r>
+                        <a:rPr lang="en-US" sz="1800" b="1" kern="1200" dirty="0">
+                          <a:solidFill>
+                            <a:schemeClr val="lt1"/>
+                          </a:solidFill>
+                          <a:latin typeface="+mn-lt"/>
+                          <a:ea typeface="+mn-ea"/>
+                          <a:cs typeface="+mn-cs"/>
+                        </a:rPr>
+                        <a:t>Event</a:t>
+                      </a:r>
+                    </a:p>
+                  </a:txBody>
+                  <a:tcPr>
+                    <a:solidFill>
+                      <a:schemeClr val="accent5">
+                        <a:lumMod val="75000"/>
+                      </a:schemeClr>
+                    </a:solidFill>
+                  </a:tcPr>
+                </a:tc>
+                <a:extLst>
+                  <a:ext uri="{0D108BD9-81ED-4DB2-BD59-A6C34878D82A}">
+                    <a16:rowId xmlns:a16="http://schemas.microsoft.com/office/drawing/2014/main" val="3514388660"/>
+                  </a:ext>
+                </a:extLst>
+              </a:tr>
+              <a:tr h="308772">
+                <a:tc rowSpan="3">
+                  <a:txBody>
+                    <a:bodyPr/>
+                    <a:lstStyle/>
+                    <a:p>
+                      <a:pPr marL="0" marR="0" lvl="0" indent="0" algn="ctr" defTabSz="914400" rtl="0" eaLnBrk="1" fontAlgn="auto" latinLnBrk="0" hangingPunct="1">
+                        <a:lnSpc>
+                          <a:spcPct val="100000"/>
+                        </a:lnSpc>
+                        <a:spcBef>
+                          <a:spcPts val="0"/>
+                        </a:spcBef>
+                        <a:spcAft>
+                          <a:spcPts val="0"/>
+                        </a:spcAft>
+                        <a:buClrTx/>
+                        <a:buSzTx/>
+                        <a:buFontTx/>
+                        <a:buNone/>
+                        <a:tabLst/>
+                        <a:defRPr/>
+                      </a:pPr>
+                      <a:r>
+                        <a:rPr lang="en-US" dirty="0">
+                          <a:solidFill>
+                            <a:schemeClr val="tx1"/>
+                          </a:solidFill>
+                        </a:rPr>
+                        <a:t>T</a:t>
+                      </a:r>
+                      <a:r>
+                        <a:rPr lang="en-US" baseline="-25000" dirty="0">
+                          <a:solidFill>
+                            <a:schemeClr val="tx1"/>
+                          </a:solidFill>
+                        </a:rPr>
+                        <a:t>0</a:t>
+                      </a:r>
+                    </a:p>
+                  </a:txBody>
+                  <a:tcPr anchor="ctr">
+                    <a:solidFill>
+                      <a:schemeClr val="accent5">
+                        <a:lumMod val="40000"/>
+                        <a:lumOff val="60000"/>
+                      </a:schemeClr>
+                    </a:solidFill>
+                  </a:tcPr>
+                </a:tc>
+                <a:tc>
+                  <a:txBody>
+                    <a:bodyPr/>
+                    <a:lstStyle/>
+                    <a:p>
+                      <a:pPr marL="0" marR="0" lvl="0" indent="0" algn="ctr" defTabSz="914400" rtl="0" eaLnBrk="1" fontAlgn="auto" latinLnBrk="0" hangingPunct="1">
+                        <a:lnSpc>
+                          <a:spcPct val="100000"/>
+                        </a:lnSpc>
+                        <a:spcBef>
+                          <a:spcPts val="0"/>
+                        </a:spcBef>
+                        <a:spcAft>
+                          <a:spcPts val="0"/>
+                        </a:spcAft>
+                        <a:buClrTx/>
+                        <a:buSzTx/>
+                        <a:buFontTx/>
+                        <a:buNone/>
+                        <a:tabLst/>
+                        <a:defRPr/>
+                      </a:pPr>
+                      <a:r>
+                        <a:rPr lang="en-US" dirty="0">
+                          <a:solidFill>
+                            <a:schemeClr val="tx1"/>
+                          </a:solidFill>
+                        </a:rPr>
+                        <a:t>E</a:t>
+                      </a:r>
+                      <a:r>
+                        <a:rPr lang="en-US" baseline="-25000" dirty="0">
+                          <a:solidFill>
+                            <a:schemeClr val="tx1"/>
+                          </a:solidFill>
+                        </a:rPr>
+                        <a:t>0,0</a:t>
+                      </a:r>
+                    </a:p>
+                  </a:txBody>
+                  <a:tcPr>
+                    <a:solidFill>
+                      <a:schemeClr val="accent5">
+                        <a:lumMod val="40000"/>
+                        <a:lumOff val="60000"/>
+                      </a:schemeClr>
+                    </a:solidFill>
+                  </a:tcPr>
+                </a:tc>
+                <a:extLst>
+                  <a:ext uri="{0D108BD9-81ED-4DB2-BD59-A6C34878D82A}">
+                    <a16:rowId xmlns:a16="http://schemas.microsoft.com/office/drawing/2014/main" val="1253097885"/>
+                  </a:ext>
+                </a:extLst>
+              </a:tr>
+              <a:tr h="316654">
+                <a:tc vMerge="1">
+                  <a:txBody>
+                    <a:bodyPr/>
+                    <a:lstStyle/>
+                    <a:p>
+                      <a:pPr algn="ctr"/>
+                      <a:endParaRPr lang="en-US" dirty="0">
+                        <a:solidFill>
+                          <a:schemeClr val="bg1"/>
+                        </a:solidFill>
+                      </a:endParaRPr>
+                    </a:p>
+                  </a:txBody>
+                  <a:tcPr anchor="ctr">
+                    <a:solidFill>
+                      <a:schemeClr val="tx2">
+                        <a:lumMod val="60000"/>
+                        <a:lumOff val="40000"/>
+                      </a:schemeClr>
+                    </a:solidFill>
+                  </a:tcPr>
+                </a:tc>
+                <a:tc>
+                  <a:txBody>
+                    <a:bodyPr/>
+                    <a:lstStyle/>
+                    <a:p>
+                      <a:pPr algn="ctr"/>
+                      <a:r>
+                        <a:rPr lang="en-US" dirty="0">
+                          <a:solidFill>
+                            <a:schemeClr val="tx1"/>
+                          </a:solidFill>
+                        </a:rPr>
+                        <a:t>…</a:t>
+                      </a:r>
+                    </a:p>
+                  </a:txBody>
+                  <a:tcPr vert="eaVert" anchor="ctr">
+                    <a:solidFill>
+                      <a:schemeClr val="accent5">
+                        <a:lumMod val="40000"/>
+                        <a:lumOff val="60000"/>
+                      </a:schemeClr>
+                    </a:solidFill>
+                  </a:tcPr>
+                </a:tc>
+                <a:extLst>
+                  <a:ext uri="{0D108BD9-81ED-4DB2-BD59-A6C34878D82A}">
+                    <a16:rowId xmlns:a16="http://schemas.microsoft.com/office/drawing/2014/main" val="3941493306"/>
+                  </a:ext>
+                </a:extLst>
+              </a:tr>
+              <a:tr h="308772">
+                <a:tc vMerge="1">
+                  <a:txBody>
+                    <a:bodyPr/>
+                    <a:lstStyle/>
+                    <a:p>
+                      <a:pPr marL="0" marR="0" lvl="0" indent="0" algn="ctr" defTabSz="914400" rtl="0" eaLnBrk="1" fontAlgn="auto" latinLnBrk="0" hangingPunct="1">
+                        <a:lnSpc>
+                          <a:spcPct val="100000"/>
+                        </a:lnSpc>
+                        <a:spcBef>
+                          <a:spcPts val="0"/>
+                        </a:spcBef>
+                        <a:spcAft>
+                          <a:spcPts val="0"/>
+                        </a:spcAft>
+                        <a:buClrTx/>
+                        <a:buSzTx/>
+                        <a:buFontTx/>
+                        <a:buNone/>
+                        <a:tabLst/>
+                        <a:defRPr/>
+                      </a:pPr>
+                      <a:endParaRPr lang="en-US" baseline="-25000" dirty="0">
+                        <a:solidFill>
+                          <a:schemeClr val="bg1"/>
+                        </a:solidFill>
+                      </a:endParaRPr>
+                    </a:p>
+                  </a:txBody>
+                  <a:tcPr>
+                    <a:solidFill>
+                      <a:schemeClr val="tx2">
+                        <a:lumMod val="60000"/>
+                        <a:lumOff val="40000"/>
+                      </a:schemeClr>
+                    </a:solidFill>
+                  </a:tcPr>
+                </a:tc>
+                <a:tc>
+                  <a:txBody>
+                    <a:bodyPr/>
+                    <a:lstStyle/>
+                    <a:p>
+                      <a:pPr marL="0" marR="0" lvl="0" indent="0" algn="ctr" defTabSz="914400" rtl="0" eaLnBrk="1" fontAlgn="auto" latinLnBrk="0" hangingPunct="1">
+                        <a:lnSpc>
+                          <a:spcPct val="100000"/>
+                        </a:lnSpc>
+                        <a:spcBef>
+                          <a:spcPts val="0"/>
+                        </a:spcBef>
+                        <a:spcAft>
+                          <a:spcPts val="0"/>
+                        </a:spcAft>
+                        <a:buClrTx/>
+                        <a:buSzTx/>
+                        <a:buFontTx/>
+                        <a:buNone/>
+                        <a:tabLst/>
+                        <a:defRPr/>
+                      </a:pPr>
+                      <a:r>
+                        <a:rPr lang="en-US" dirty="0">
+                          <a:solidFill>
+                            <a:schemeClr val="tx1"/>
+                          </a:solidFill>
+                        </a:rPr>
+                        <a:t>E</a:t>
+                      </a:r>
+                      <a:r>
+                        <a:rPr lang="en-US" baseline="-25000" dirty="0">
+                          <a:solidFill>
+                            <a:schemeClr val="tx1"/>
+                          </a:solidFill>
+                        </a:rPr>
+                        <a:t>0,m</a:t>
+                      </a:r>
+                      <a:r>
+                        <a:rPr lang="en-US" sz="1400" baseline="-50000" dirty="0">
+                          <a:solidFill>
+                            <a:schemeClr val="tx1"/>
+                          </a:solidFill>
+                        </a:rPr>
+                        <a:t>0</a:t>
+                      </a:r>
+                      <a:endParaRPr lang="en-US" baseline="-50000" dirty="0">
+                        <a:solidFill>
+                          <a:schemeClr val="tx1"/>
+                        </a:solidFill>
+                      </a:endParaRPr>
+                    </a:p>
+                  </a:txBody>
+                  <a:tcPr>
+                    <a:solidFill>
+                      <a:schemeClr val="accent5">
+                        <a:lumMod val="40000"/>
+                        <a:lumOff val="60000"/>
+                      </a:schemeClr>
+                    </a:solidFill>
+                  </a:tcPr>
+                </a:tc>
+                <a:extLst>
+                  <a:ext uri="{0D108BD9-81ED-4DB2-BD59-A6C34878D82A}">
+                    <a16:rowId xmlns:a16="http://schemas.microsoft.com/office/drawing/2014/main" val="347133823"/>
+                  </a:ext>
+                </a:extLst>
+              </a:tr>
+              <a:tr h="373380">
+                <a:tc gridSpan="2">
+                  <a:txBody>
+                    <a:bodyPr/>
+                    <a:lstStyle/>
+                    <a:p>
+                      <a:pPr marL="0" algn="ctr" defTabSz="914400" rtl="0" eaLnBrk="1" latinLnBrk="0" hangingPunct="1"/>
+                      <a:r>
+                        <a:rPr lang="en-US" sz="1800" kern="1200" dirty="0">
+                          <a:solidFill>
+                            <a:schemeClr val="tx1"/>
+                          </a:solidFill>
+                          <a:latin typeface="+mn-lt"/>
+                          <a:ea typeface="+mn-ea"/>
+                          <a:cs typeface="+mn-cs"/>
+                        </a:rPr>
+                        <a:t>…</a:t>
+                      </a:r>
+                    </a:p>
+                  </a:txBody>
+                  <a:tcPr vert="eaVert" anchor="ctr">
+                    <a:solidFill>
+                      <a:schemeClr val="accent5">
+                        <a:lumMod val="40000"/>
+                        <a:lumOff val="60000"/>
+                      </a:schemeClr>
+                    </a:solidFill>
+                  </a:tcPr>
+                </a:tc>
+                <a:tc hMerge="1">
+                  <a:txBody>
+                    <a:bodyPr/>
+                    <a:lstStyle/>
+                    <a:p>
+                      <a:pPr marL="0" algn="ctr" defTabSz="914400" rtl="0" eaLnBrk="1" latinLnBrk="0" hangingPunct="1"/>
+                      <a:endParaRPr lang="en-US" sz="1800" kern="1200" dirty="0">
+                        <a:solidFill>
+                          <a:schemeClr val="bg1"/>
+                        </a:solidFill>
+                        <a:latin typeface="+mn-lt"/>
+                        <a:ea typeface="+mn-ea"/>
+                        <a:cs typeface="+mn-cs"/>
+                      </a:endParaRPr>
+                    </a:p>
+                  </a:txBody>
+                  <a:tcPr vert="eaVert" anchor="ctr">
+                    <a:solidFill>
+                      <a:schemeClr val="tx2">
+                        <a:lumMod val="60000"/>
+                        <a:lumOff val="40000"/>
+                      </a:schemeClr>
+                    </a:solidFill>
+                  </a:tcPr>
+                </a:tc>
+                <a:extLst>
+                  <a:ext uri="{0D108BD9-81ED-4DB2-BD59-A6C34878D82A}">
+                    <a16:rowId xmlns:a16="http://schemas.microsoft.com/office/drawing/2014/main" val="1834483132"/>
+                  </a:ext>
+                </a:extLst>
+              </a:tr>
+              <a:tr h="308772">
+                <a:tc rowSpan="3">
+                  <a:txBody>
+                    <a:bodyPr/>
+                    <a:lstStyle/>
+                    <a:p>
+                      <a:pPr marL="0" marR="0" lvl="0" indent="0" algn="ctr" defTabSz="914400" rtl="0" eaLnBrk="1" fontAlgn="auto" latinLnBrk="0" hangingPunct="1">
+                        <a:lnSpc>
+                          <a:spcPct val="100000"/>
+                        </a:lnSpc>
+                        <a:spcBef>
+                          <a:spcPts val="0"/>
+                        </a:spcBef>
+                        <a:spcAft>
+                          <a:spcPts val="0"/>
+                        </a:spcAft>
+                        <a:buClrTx/>
+                        <a:buSzTx/>
+                        <a:buFontTx/>
+                        <a:buNone/>
+                        <a:tabLst/>
+                        <a:defRPr/>
+                      </a:pPr>
+                      <a:r>
+                        <a:rPr lang="en-US" dirty="0">
+                          <a:solidFill>
+                            <a:schemeClr val="tx1"/>
+                          </a:solidFill>
+                        </a:rPr>
+                        <a:t>T</a:t>
+                      </a:r>
+                      <a:r>
+                        <a:rPr lang="en-US" baseline="-25000" dirty="0">
+                          <a:solidFill>
+                            <a:schemeClr val="tx1"/>
+                          </a:solidFill>
+                        </a:rPr>
+                        <a:t>n</a:t>
+                      </a:r>
+                    </a:p>
+                  </a:txBody>
+                  <a:tcPr anchor="ctr">
+                    <a:solidFill>
+                      <a:schemeClr val="accent5">
+                        <a:lumMod val="40000"/>
+                        <a:lumOff val="60000"/>
+                      </a:schemeClr>
+                    </a:solidFill>
+                  </a:tcPr>
+                </a:tc>
+                <a:tc>
+                  <a:txBody>
+                    <a:bodyPr/>
+                    <a:lstStyle/>
+                    <a:p>
+                      <a:pPr marL="0" marR="0" lvl="0" indent="0" algn="ctr" defTabSz="914400" rtl="0" eaLnBrk="1" fontAlgn="auto" latinLnBrk="0" hangingPunct="1">
+                        <a:lnSpc>
+                          <a:spcPct val="100000"/>
+                        </a:lnSpc>
+                        <a:spcBef>
+                          <a:spcPts val="0"/>
+                        </a:spcBef>
+                        <a:spcAft>
+                          <a:spcPts val="0"/>
+                        </a:spcAft>
+                        <a:buClrTx/>
+                        <a:buSzTx/>
+                        <a:buFontTx/>
+                        <a:buNone/>
+                        <a:tabLst/>
+                        <a:defRPr/>
+                      </a:pPr>
+                      <a:r>
+                        <a:rPr lang="en-US" dirty="0">
+                          <a:solidFill>
+                            <a:schemeClr val="tx1"/>
+                          </a:solidFill>
+                        </a:rPr>
+                        <a:t>E</a:t>
+                      </a:r>
+                      <a:r>
+                        <a:rPr lang="en-US" baseline="-25000" dirty="0">
+                          <a:solidFill>
+                            <a:schemeClr val="tx1"/>
+                          </a:solidFill>
+                        </a:rPr>
+                        <a:t>n,0</a:t>
+                      </a:r>
+                      <a:endParaRPr lang="en-US" baseline="-50000" dirty="0">
+                        <a:solidFill>
+                          <a:schemeClr val="tx1"/>
+                        </a:solidFill>
+                      </a:endParaRPr>
+                    </a:p>
+                  </a:txBody>
+                  <a:tcPr>
+                    <a:solidFill>
+                      <a:schemeClr val="accent5">
+                        <a:lumMod val="40000"/>
+                        <a:lumOff val="60000"/>
+                      </a:schemeClr>
+                    </a:solidFill>
+                  </a:tcPr>
+                </a:tc>
+                <a:extLst>
+                  <a:ext uri="{0D108BD9-81ED-4DB2-BD59-A6C34878D82A}">
+                    <a16:rowId xmlns:a16="http://schemas.microsoft.com/office/drawing/2014/main" val="1046440233"/>
+                  </a:ext>
+                </a:extLst>
+              </a:tr>
+              <a:tr h="308772">
+                <a:tc vMerge="1">
+                  <a:txBody>
+                    <a:bodyPr/>
+                    <a:lstStyle/>
+                    <a:p>
+                      <a:pPr marL="0" marR="0" lvl="0" indent="0" algn="ctr" defTabSz="914400" rtl="0" eaLnBrk="1" fontAlgn="auto" latinLnBrk="0" hangingPunct="1">
+                        <a:lnSpc>
+                          <a:spcPct val="100000"/>
+                        </a:lnSpc>
+                        <a:spcBef>
+                          <a:spcPts val="0"/>
+                        </a:spcBef>
+                        <a:spcAft>
+                          <a:spcPts val="0"/>
+                        </a:spcAft>
+                        <a:buClrTx/>
+                        <a:buSzTx/>
+                        <a:buFontTx/>
+                        <a:buNone/>
+                        <a:tabLst/>
+                        <a:defRPr/>
+                      </a:pPr>
+                      <a:endParaRPr lang="en-US" baseline="-25000" dirty="0">
+                        <a:solidFill>
+                          <a:schemeClr val="bg1"/>
+                        </a:solidFill>
+                      </a:endParaRPr>
+                    </a:p>
+                  </a:txBody>
+                  <a:tcPr>
+                    <a:solidFill>
+                      <a:schemeClr val="tx2">
+                        <a:lumMod val="60000"/>
+                        <a:lumOff val="40000"/>
+                      </a:schemeClr>
+                    </a:solidFill>
+                  </a:tcPr>
+                </a:tc>
+                <a:tc>
+                  <a:txBody>
+                    <a:bodyPr/>
+                    <a:lstStyle/>
+                    <a:p>
+                      <a:pPr marL="0" algn="ctr" defTabSz="914400" rtl="0" eaLnBrk="1" latinLnBrk="0" hangingPunct="1"/>
+                      <a:r>
+                        <a:rPr lang="en-US" sz="1800" kern="1200" dirty="0">
+                          <a:solidFill>
+                            <a:schemeClr val="tx1"/>
+                          </a:solidFill>
+                          <a:latin typeface="+mn-lt"/>
+                          <a:ea typeface="+mn-ea"/>
+                          <a:cs typeface="+mn-cs"/>
+                        </a:rPr>
+                        <a:t>…</a:t>
+                      </a:r>
+                    </a:p>
+                  </a:txBody>
+                  <a:tcPr vert="eaVert" anchor="ctr">
+                    <a:solidFill>
+                      <a:schemeClr val="accent5">
+                        <a:lumMod val="40000"/>
+                        <a:lumOff val="60000"/>
+                      </a:schemeClr>
+                    </a:solidFill>
+                  </a:tcPr>
+                </a:tc>
+                <a:extLst>
+                  <a:ext uri="{0D108BD9-81ED-4DB2-BD59-A6C34878D82A}">
+                    <a16:rowId xmlns:a16="http://schemas.microsoft.com/office/drawing/2014/main" val="3811104443"/>
+                  </a:ext>
+                </a:extLst>
+              </a:tr>
+              <a:tr h="308772">
+                <a:tc vMerge="1">
+                  <a:txBody>
+                    <a:bodyPr/>
+                    <a:lstStyle/>
+                    <a:p>
+                      <a:pPr marL="0" marR="0" lvl="0" indent="0" algn="ctr" defTabSz="914400" rtl="0" eaLnBrk="1" fontAlgn="auto" latinLnBrk="0" hangingPunct="1">
+                        <a:lnSpc>
+                          <a:spcPct val="100000"/>
+                        </a:lnSpc>
+                        <a:spcBef>
+                          <a:spcPts val="0"/>
+                        </a:spcBef>
+                        <a:spcAft>
+                          <a:spcPts val="0"/>
+                        </a:spcAft>
+                        <a:buClrTx/>
+                        <a:buSzTx/>
+                        <a:buFontTx/>
+                        <a:buNone/>
+                        <a:tabLst/>
+                        <a:defRPr/>
+                      </a:pPr>
+                      <a:endParaRPr lang="en-US" baseline="-25000" dirty="0">
+                        <a:solidFill>
+                          <a:schemeClr val="bg1"/>
+                        </a:solidFill>
+                      </a:endParaRPr>
+                    </a:p>
+                  </a:txBody>
+                  <a:tcPr>
+                    <a:solidFill>
+                      <a:schemeClr val="tx2">
+                        <a:lumMod val="60000"/>
+                        <a:lumOff val="40000"/>
+                      </a:schemeClr>
+                    </a:solidFill>
+                  </a:tcPr>
+                </a:tc>
+                <a:tc>
+                  <a:txBody>
+                    <a:bodyPr/>
+                    <a:lstStyle/>
+                    <a:p>
+                      <a:pPr marL="0" marR="0" lvl="0" indent="0" algn="ctr" defTabSz="914400" rtl="0" eaLnBrk="1" fontAlgn="auto" latinLnBrk="0" hangingPunct="1">
+                        <a:lnSpc>
+                          <a:spcPct val="100000"/>
+                        </a:lnSpc>
+                        <a:spcBef>
+                          <a:spcPts val="0"/>
+                        </a:spcBef>
+                        <a:spcAft>
+                          <a:spcPts val="0"/>
+                        </a:spcAft>
+                        <a:buClrTx/>
+                        <a:buSzTx/>
+                        <a:buFontTx/>
+                        <a:buNone/>
+                        <a:tabLst/>
+                        <a:defRPr/>
+                      </a:pPr>
+                      <a:r>
+                        <a:rPr lang="en-US" dirty="0">
+                          <a:solidFill>
+                            <a:schemeClr val="tx1"/>
+                          </a:solidFill>
+                        </a:rPr>
+                        <a:t>E</a:t>
+                      </a:r>
+                      <a:r>
+                        <a:rPr lang="en-US" baseline="-25000" dirty="0">
+                          <a:solidFill>
+                            <a:schemeClr val="tx1"/>
+                          </a:solidFill>
+                        </a:rPr>
+                        <a:t>n,m</a:t>
+                      </a:r>
+                      <a:r>
+                        <a:rPr lang="en-US" sz="1400" baseline="-50000" dirty="0">
+                          <a:solidFill>
+                            <a:schemeClr val="tx1"/>
+                          </a:solidFill>
+                        </a:rPr>
+                        <a:t>n</a:t>
+                      </a:r>
+                      <a:endParaRPr lang="en-US" baseline="-50000" dirty="0">
+                        <a:solidFill>
+                          <a:schemeClr val="tx1"/>
+                        </a:solidFill>
+                      </a:endParaRPr>
+                    </a:p>
+                  </a:txBody>
+                  <a:tcPr>
+                    <a:solidFill>
+                      <a:schemeClr val="accent5">
+                        <a:lumMod val="40000"/>
+                        <a:lumOff val="60000"/>
+                      </a:schemeClr>
+                    </a:solidFill>
+                  </a:tcPr>
+                </a:tc>
+                <a:extLst>
+                  <a:ext uri="{0D108BD9-81ED-4DB2-BD59-A6C34878D82A}">
+                    <a16:rowId xmlns:a16="http://schemas.microsoft.com/office/drawing/2014/main" val="632472986"/>
+                  </a:ext>
+                </a:extLst>
+              </a:tr>
+            </a:tbl>
+          </a:graphicData>
+        </a:graphic>
+      </p:graphicFrame>
+      <p:graphicFrame>
+        <p:nvGraphicFramePr>
+          <p:cNvPr id="56" name="表格 53">
+            <a:extLst>
+              <a:ext uri="{FF2B5EF4-FFF2-40B4-BE49-F238E27FC236}">
+                <a16:creationId xmlns:a16="http://schemas.microsoft.com/office/drawing/2014/main" id="{7C76733D-2B58-4152-B1A2-A861AC341650}"/>
+              </a:ext>
+            </a:extLst>
+          </p:cNvPr>
+          <p:cNvGraphicFramePr>
+            <a:graphicFrameLocks noGrp="1"/>
+          </p:cNvGraphicFramePr>
+          <p:nvPr>
+            <p:extLst>
+              <p:ext uri="{D42A27DB-BD31-4B8C-83A1-F6EECF244321}">
+                <p14:modId xmlns:p14="http://schemas.microsoft.com/office/powerpoint/2010/main" val="191241962"/>
+              </p:ext>
+            </p:extLst>
+          </p:nvPr>
+        </p:nvGraphicFramePr>
+        <p:xfrm>
+          <a:off x="8718750" y="2524734"/>
+          <a:ext cx="2695576" cy="1807845"/>
+        </p:xfrm>
+        <a:graphic>
+          <a:graphicData uri="http://schemas.openxmlformats.org/drawingml/2006/table">
+            <a:tbl>
+              <a:tblPr firstRow="1" bandRow="1">
+                <a:tableStyleId>{5C22544A-7EE6-4342-B048-85BDC9FD1C3A}</a:tableStyleId>
+              </a:tblPr>
+              <a:tblGrid>
+                <a:gridCol w="1347788">
+                  <a:extLst>
+                    <a:ext uri="{9D8B030D-6E8A-4147-A177-3AD203B41FA5}">
+                      <a16:colId xmlns:a16="http://schemas.microsoft.com/office/drawing/2014/main" val="152305429"/>
+                    </a:ext>
+                  </a:extLst>
+                </a:gridCol>
+                <a:gridCol w="1347788">
+                  <a:extLst>
+                    <a:ext uri="{9D8B030D-6E8A-4147-A177-3AD203B41FA5}">
+                      <a16:colId xmlns:a16="http://schemas.microsoft.com/office/drawing/2014/main" val="230137862"/>
+                    </a:ext>
+                  </a:extLst>
+                </a:gridCol>
+              </a:tblGrid>
+              <a:tr h="308772">
+                <a:tc>
+                  <a:txBody>
+                    <a:bodyPr/>
+                    <a:lstStyle/>
+                    <a:p>
+                      <a:pPr marL="0" marR="0" lvl="0" indent="0" algn="ctr" defTabSz="914400" rtl="0" eaLnBrk="1" fontAlgn="auto" latinLnBrk="0" hangingPunct="1">
+                        <a:lnSpc>
+                          <a:spcPct val="100000"/>
+                        </a:lnSpc>
+                        <a:spcBef>
+                          <a:spcPts val="0"/>
+                        </a:spcBef>
+                        <a:spcAft>
+                          <a:spcPts val="0"/>
+                        </a:spcAft>
+                        <a:buClrTx/>
+                        <a:buSzTx/>
+                        <a:buFontTx/>
+                        <a:buNone/>
+                        <a:tabLst/>
+                        <a:defRPr/>
+                      </a:pPr>
+                      <a:r>
+                        <a:rPr lang="en-US" altLang="zh-CN" dirty="0"/>
+                        <a:t>Time</a:t>
+                      </a:r>
+                      <a:endParaRPr lang="en-US" dirty="0"/>
+                    </a:p>
+                  </a:txBody>
+                  <a:tcPr>
+                    <a:solidFill>
+                      <a:schemeClr val="accent5">
+                        <a:lumMod val="75000"/>
+                      </a:schemeClr>
+                    </a:solidFill>
+                  </a:tcPr>
+                </a:tc>
+                <a:tc>
+                  <a:txBody>
+                    <a:bodyPr/>
+                    <a:lstStyle/>
+                    <a:p>
+                      <a:pPr marL="0" marR="0" lvl="0" indent="0" algn="ctr" defTabSz="914400" rtl="0" eaLnBrk="1" fontAlgn="auto" latinLnBrk="0" hangingPunct="1">
+                        <a:lnSpc>
+                          <a:spcPct val="100000"/>
+                        </a:lnSpc>
+                        <a:spcBef>
+                          <a:spcPts val="0"/>
+                        </a:spcBef>
+                        <a:spcAft>
+                          <a:spcPts val="0"/>
+                        </a:spcAft>
+                        <a:buClrTx/>
+                        <a:buSzTx/>
+                        <a:buFontTx/>
+                        <a:buNone/>
+                        <a:tabLst/>
+                        <a:defRPr/>
+                      </a:pPr>
+                      <a:r>
+                        <a:rPr lang="en-US" dirty="0"/>
+                        <a:t>Graph</a:t>
+                      </a:r>
+                    </a:p>
+                  </a:txBody>
+                  <a:tcPr>
+                    <a:solidFill>
+                      <a:schemeClr val="accent5">
+                        <a:lumMod val="75000"/>
+                      </a:schemeClr>
+                    </a:solidFill>
+                  </a:tcPr>
+                </a:tc>
+                <a:extLst>
+                  <a:ext uri="{0D108BD9-81ED-4DB2-BD59-A6C34878D82A}">
+                    <a16:rowId xmlns:a16="http://schemas.microsoft.com/office/drawing/2014/main" val="3514388660"/>
+                  </a:ext>
+                </a:extLst>
+              </a:tr>
+              <a:tr h="308772">
+                <a:tc>
+                  <a:txBody>
+                    <a:bodyPr/>
+                    <a:lstStyle/>
+                    <a:p>
+                      <a:pPr marL="0" marR="0" lvl="0" indent="0" algn="ctr" defTabSz="914400" rtl="0" eaLnBrk="1" fontAlgn="auto" latinLnBrk="0" hangingPunct="1">
+                        <a:lnSpc>
+                          <a:spcPct val="100000"/>
+                        </a:lnSpc>
+                        <a:spcBef>
+                          <a:spcPts val="0"/>
+                        </a:spcBef>
+                        <a:spcAft>
+                          <a:spcPts val="0"/>
+                        </a:spcAft>
+                        <a:buClrTx/>
+                        <a:buSzTx/>
+                        <a:buFontTx/>
+                        <a:buNone/>
+                        <a:tabLst/>
+                        <a:defRPr/>
+                      </a:pPr>
+                      <a:r>
+                        <a:rPr lang="en-US" dirty="0">
+                          <a:solidFill>
+                            <a:schemeClr val="tx1"/>
+                          </a:solidFill>
+                        </a:rPr>
+                        <a:t>T</a:t>
+                      </a:r>
+                      <a:r>
+                        <a:rPr lang="en-US" baseline="-25000" dirty="0">
+                          <a:solidFill>
+                            <a:schemeClr val="tx1"/>
+                          </a:solidFill>
+                        </a:rPr>
+                        <a:t>0</a:t>
+                      </a:r>
+                    </a:p>
+                  </a:txBody>
+                  <a:tcPr>
+                    <a:solidFill>
+                      <a:schemeClr val="accent5">
+                        <a:lumMod val="40000"/>
+                        <a:lumOff val="60000"/>
+                      </a:schemeClr>
+                    </a:solidFill>
+                  </a:tcPr>
+                </a:tc>
+                <a:tc>
+                  <a:txBody>
+                    <a:bodyPr/>
+                    <a:lstStyle/>
+                    <a:p>
+                      <a:pPr marL="0" marR="0" lvl="0" indent="0" algn="ctr" defTabSz="914400" rtl="0" eaLnBrk="1" fontAlgn="auto" latinLnBrk="0" hangingPunct="1">
+                        <a:lnSpc>
+                          <a:spcPct val="100000"/>
+                        </a:lnSpc>
+                        <a:spcBef>
+                          <a:spcPts val="0"/>
+                        </a:spcBef>
+                        <a:spcAft>
+                          <a:spcPts val="0"/>
+                        </a:spcAft>
+                        <a:buClrTx/>
+                        <a:buSzTx/>
+                        <a:buFontTx/>
+                        <a:buNone/>
+                        <a:tabLst/>
+                        <a:defRPr/>
+                      </a:pPr>
+                      <a:r>
+                        <a:rPr lang="en-US" dirty="0">
+                          <a:solidFill>
+                            <a:schemeClr val="tx1"/>
+                          </a:solidFill>
+                        </a:rPr>
+                        <a:t>G</a:t>
+                      </a:r>
+                      <a:r>
+                        <a:rPr lang="en-US" baseline="-25000" dirty="0">
+                          <a:solidFill>
+                            <a:schemeClr val="tx1"/>
+                          </a:solidFill>
+                        </a:rPr>
+                        <a:t>0</a:t>
+                      </a:r>
+                    </a:p>
+                  </a:txBody>
+                  <a:tcPr>
+                    <a:solidFill>
+                      <a:schemeClr val="accent5">
+                        <a:lumMod val="40000"/>
+                        <a:lumOff val="60000"/>
+                      </a:schemeClr>
+                    </a:solidFill>
+                  </a:tcPr>
+                </a:tc>
+                <a:extLst>
+                  <a:ext uri="{0D108BD9-81ED-4DB2-BD59-A6C34878D82A}">
+                    <a16:rowId xmlns:a16="http://schemas.microsoft.com/office/drawing/2014/main" val="1253097885"/>
+                  </a:ext>
+                </a:extLst>
+              </a:tr>
+              <a:tr h="308772">
+                <a:tc>
+                  <a:txBody>
+                    <a:bodyPr/>
+                    <a:lstStyle/>
+                    <a:p>
+                      <a:pPr marL="0" marR="0" lvl="0" indent="0" algn="ctr" defTabSz="914400" rtl="0" eaLnBrk="1" fontAlgn="auto" latinLnBrk="0" hangingPunct="1">
+                        <a:lnSpc>
+                          <a:spcPct val="100000"/>
+                        </a:lnSpc>
+                        <a:spcBef>
+                          <a:spcPts val="0"/>
+                        </a:spcBef>
+                        <a:spcAft>
+                          <a:spcPts val="0"/>
+                        </a:spcAft>
+                        <a:buClrTx/>
+                        <a:buSzTx/>
+                        <a:buFontTx/>
+                        <a:buNone/>
+                        <a:tabLst/>
+                        <a:defRPr/>
+                      </a:pPr>
+                      <a:r>
+                        <a:rPr lang="en-US" dirty="0">
+                          <a:solidFill>
+                            <a:schemeClr val="tx1"/>
+                          </a:solidFill>
+                        </a:rPr>
+                        <a:t>T</a:t>
+                      </a:r>
+                      <a:r>
+                        <a:rPr lang="en-US" baseline="-25000" dirty="0">
+                          <a:solidFill>
+                            <a:schemeClr val="tx1"/>
+                          </a:solidFill>
+                        </a:rPr>
+                        <a:t>1</a:t>
+                      </a:r>
+                    </a:p>
+                  </a:txBody>
+                  <a:tcPr>
+                    <a:solidFill>
+                      <a:schemeClr val="accent5">
+                        <a:lumMod val="40000"/>
+                        <a:lumOff val="60000"/>
+                      </a:schemeClr>
+                    </a:solidFill>
+                  </a:tcPr>
+                </a:tc>
+                <a:tc>
+                  <a:txBody>
+                    <a:bodyPr/>
+                    <a:lstStyle/>
+                    <a:p>
+                      <a:pPr marL="0" marR="0" lvl="0" indent="0" algn="ctr" defTabSz="914400" rtl="0" eaLnBrk="1" fontAlgn="auto" latinLnBrk="0" hangingPunct="1">
+                        <a:lnSpc>
+                          <a:spcPct val="100000"/>
+                        </a:lnSpc>
+                        <a:spcBef>
+                          <a:spcPts val="0"/>
+                        </a:spcBef>
+                        <a:spcAft>
+                          <a:spcPts val="0"/>
+                        </a:spcAft>
+                        <a:buClrTx/>
+                        <a:buSzTx/>
+                        <a:buFontTx/>
+                        <a:buNone/>
+                        <a:tabLst/>
+                        <a:defRPr/>
+                      </a:pPr>
+                      <a:r>
+                        <a:rPr lang="en-US" dirty="0">
+                          <a:solidFill>
+                            <a:schemeClr val="tx1"/>
+                          </a:solidFill>
+                        </a:rPr>
+                        <a:t>G</a:t>
+                      </a:r>
+                      <a:r>
+                        <a:rPr lang="en-US" baseline="-25000" dirty="0">
+                          <a:solidFill>
+                            <a:schemeClr val="tx1"/>
+                          </a:solidFill>
+                        </a:rPr>
+                        <a:t>1</a:t>
+                      </a:r>
+                    </a:p>
+                  </a:txBody>
+                  <a:tcPr>
+                    <a:solidFill>
+                      <a:schemeClr val="accent5">
+                        <a:lumMod val="40000"/>
+                        <a:lumOff val="60000"/>
+                      </a:schemeClr>
+                    </a:solidFill>
+                  </a:tcPr>
+                </a:tc>
+                <a:extLst>
+                  <a:ext uri="{0D108BD9-81ED-4DB2-BD59-A6C34878D82A}">
+                    <a16:rowId xmlns:a16="http://schemas.microsoft.com/office/drawing/2014/main" val="2578196755"/>
+                  </a:ext>
+                </a:extLst>
+              </a:tr>
+              <a:tr h="344805">
+                <a:tc gridSpan="2">
+                  <a:txBody>
+                    <a:bodyPr/>
+                    <a:lstStyle/>
+                    <a:p>
+                      <a:pPr marL="0" algn="ctr" defTabSz="914400" rtl="0" eaLnBrk="1" latinLnBrk="0" hangingPunct="1"/>
+                      <a:r>
+                        <a:rPr lang="en-US" sz="1800" kern="1200" dirty="0">
+                          <a:solidFill>
+                            <a:schemeClr val="tx1"/>
+                          </a:solidFill>
+                          <a:latin typeface="+mn-lt"/>
+                          <a:ea typeface="+mn-ea"/>
+                          <a:cs typeface="+mn-cs"/>
+                        </a:rPr>
+                        <a:t>…</a:t>
+                      </a:r>
+                    </a:p>
+                  </a:txBody>
+                  <a:tcPr vert="eaVert" anchor="ctr">
+                    <a:solidFill>
+                      <a:schemeClr val="accent5">
+                        <a:lumMod val="40000"/>
+                        <a:lumOff val="60000"/>
+                      </a:schemeClr>
+                    </a:solidFill>
+                  </a:tcPr>
+                </a:tc>
+                <a:tc hMerge="1">
+                  <a:txBody>
+                    <a:bodyPr/>
+                    <a:lstStyle/>
+                    <a:p>
+                      <a:pPr marL="0" algn="ctr" defTabSz="914400" rtl="0" eaLnBrk="1" latinLnBrk="0" hangingPunct="1"/>
+                      <a:endParaRPr lang="en-US" sz="1800" kern="1200" dirty="0">
+                        <a:solidFill>
+                          <a:schemeClr val="bg1"/>
+                        </a:solidFill>
+                        <a:latin typeface="+mn-lt"/>
+                        <a:ea typeface="+mn-ea"/>
+                        <a:cs typeface="+mn-cs"/>
+                      </a:endParaRPr>
+                    </a:p>
+                  </a:txBody>
+                  <a:tcPr vert="eaVert" anchor="ctr">
+                    <a:solidFill>
+                      <a:schemeClr val="tx2">
+                        <a:lumMod val="60000"/>
+                        <a:lumOff val="40000"/>
+                      </a:schemeClr>
+                    </a:solidFill>
+                  </a:tcPr>
+                </a:tc>
+                <a:extLst>
+                  <a:ext uri="{0D108BD9-81ED-4DB2-BD59-A6C34878D82A}">
+                    <a16:rowId xmlns:a16="http://schemas.microsoft.com/office/drawing/2014/main" val="1834483132"/>
+                  </a:ext>
+                </a:extLst>
+              </a:tr>
+              <a:tr h="308772">
+                <a:tc>
+                  <a:txBody>
+                    <a:bodyPr/>
+                    <a:lstStyle/>
+                    <a:p>
+                      <a:pPr marL="0" marR="0" lvl="0" indent="0" algn="ctr" defTabSz="914400" rtl="0" eaLnBrk="1" fontAlgn="auto" latinLnBrk="0" hangingPunct="1">
+                        <a:lnSpc>
+                          <a:spcPct val="100000"/>
+                        </a:lnSpc>
+                        <a:spcBef>
+                          <a:spcPts val="0"/>
+                        </a:spcBef>
+                        <a:spcAft>
+                          <a:spcPts val="0"/>
+                        </a:spcAft>
+                        <a:buClrTx/>
+                        <a:buSzTx/>
+                        <a:buFontTx/>
+                        <a:buNone/>
+                        <a:tabLst/>
+                        <a:defRPr/>
+                      </a:pPr>
+                      <a:r>
+                        <a:rPr lang="en-US" dirty="0">
+                          <a:solidFill>
+                            <a:schemeClr val="tx1"/>
+                          </a:solidFill>
+                        </a:rPr>
+                        <a:t>T</a:t>
+                      </a:r>
+                      <a:r>
+                        <a:rPr lang="en-US" baseline="-25000" dirty="0">
+                          <a:solidFill>
+                            <a:schemeClr val="tx1"/>
+                          </a:solidFill>
+                        </a:rPr>
+                        <a:t>n</a:t>
+                      </a:r>
+                    </a:p>
+                  </a:txBody>
+                  <a:tcPr>
+                    <a:solidFill>
+                      <a:schemeClr val="accent5">
+                        <a:lumMod val="40000"/>
+                        <a:lumOff val="60000"/>
+                      </a:schemeClr>
+                    </a:solidFill>
+                  </a:tcPr>
+                </a:tc>
+                <a:tc>
+                  <a:txBody>
+                    <a:bodyPr/>
+                    <a:lstStyle/>
+                    <a:p>
+                      <a:pPr marL="0" marR="0" lvl="0" indent="0" algn="ctr" defTabSz="914400" rtl="0" eaLnBrk="1" fontAlgn="auto" latinLnBrk="0" hangingPunct="1">
+                        <a:lnSpc>
+                          <a:spcPct val="100000"/>
+                        </a:lnSpc>
+                        <a:spcBef>
+                          <a:spcPts val="0"/>
+                        </a:spcBef>
+                        <a:spcAft>
+                          <a:spcPts val="0"/>
+                        </a:spcAft>
+                        <a:buClrTx/>
+                        <a:buSzTx/>
+                        <a:buFontTx/>
+                        <a:buNone/>
+                        <a:tabLst/>
+                        <a:defRPr/>
+                      </a:pPr>
+                      <a:r>
+                        <a:rPr lang="en-US" dirty="0" err="1">
+                          <a:solidFill>
+                            <a:schemeClr val="tx1"/>
+                          </a:solidFill>
+                        </a:rPr>
+                        <a:t>G</a:t>
+                      </a:r>
+                      <a:r>
+                        <a:rPr lang="en-US" baseline="-25000" dirty="0" err="1">
+                          <a:solidFill>
+                            <a:schemeClr val="tx1"/>
+                          </a:solidFill>
+                        </a:rPr>
+                        <a:t>n</a:t>
+                      </a:r>
+                      <a:endParaRPr lang="en-US" baseline="-50000" dirty="0">
+                        <a:solidFill>
+                          <a:schemeClr val="tx1"/>
+                        </a:solidFill>
+                      </a:endParaRPr>
+                    </a:p>
+                  </a:txBody>
+                  <a:tcPr>
+                    <a:solidFill>
+                      <a:schemeClr val="accent5">
+                        <a:lumMod val="40000"/>
+                        <a:lumOff val="60000"/>
+                      </a:schemeClr>
+                    </a:solidFill>
+                  </a:tcPr>
+                </a:tc>
+                <a:extLst>
+                  <a:ext uri="{0D108BD9-81ED-4DB2-BD59-A6C34878D82A}">
+                    <a16:rowId xmlns:a16="http://schemas.microsoft.com/office/drawing/2014/main" val="632472986"/>
+                  </a:ext>
+                </a:extLst>
+              </a:tr>
+            </a:tbl>
+          </a:graphicData>
+        </a:graphic>
+      </p:graphicFrame>
     </p:spTree>
     <p:extLst>
       <p:ext uri="{BB962C8B-B14F-4D97-AF65-F5344CB8AC3E}">
@@ -3787,6 +5854,55 @@
           </a:p>
         </p:txBody>
       </p:sp>
+      <p:sp>
+        <p:nvSpPr>
+          <p:cNvPr id="23" name="文本框 22">
+            <a:extLst>
+              <a:ext uri="{FF2B5EF4-FFF2-40B4-BE49-F238E27FC236}">
+                <a16:creationId xmlns:a16="http://schemas.microsoft.com/office/drawing/2014/main" id="{4F6C53D4-99AE-4BB2-8A07-6537BB9F6185}"/>
+              </a:ext>
+            </a:extLst>
+          </p:cNvPr>
+          <p:cNvSpPr txBox="1"/>
+          <p:nvPr/>
+        </p:nvSpPr>
+        <p:spPr>
+          <a:xfrm>
+            <a:off x="732675" y="5094231"/>
+            <a:ext cx="7244547" cy="646331"/>
+          </a:xfrm>
+          <a:prstGeom prst="rect">
+            <a:avLst/>
+          </a:prstGeom>
+          <a:noFill/>
+        </p:spPr>
+        <p:txBody>
+          <a:bodyPr wrap="none" rtlCol="0">
+            <a:spAutoFit/>
+          </a:bodyPr>
+          <a:lstStyle/>
+          <a:p>
+            <a:r>
+              <a:rPr lang="en-US" dirty="0"/>
+              <a:t>Cliques: </a:t>
+            </a:r>
+            <a:r>
+              <a:rPr lang="en-US" dirty="0" err="1"/>
+              <a:t>Bron-Kerbosch</a:t>
+            </a:r>
+            <a:r>
+              <a:rPr lang="en-US" dirty="0"/>
+              <a:t> algorithm(optimized with pivot)</a:t>
+            </a:r>
+          </a:p>
+          <a:p>
+            <a:r>
+              <a:rPr lang="en-US" dirty="0"/>
+              <a:t>Communities (base on betweenness centrality): Girvan–Newman algorithm</a:t>
+            </a:r>
+          </a:p>
+        </p:txBody>
+      </p:sp>
       <p:grpSp>
         <p:nvGrpSpPr>
           <p:cNvPr id="14" name="组合 13">
@@ -3801,7 +5917,7 @@
         </p:nvGrpSpPr>
         <p:grpSpPr>
           <a:xfrm>
-            <a:off x="7346583" y="3520525"/>
+            <a:off x="9994655" y="3451302"/>
             <a:ext cx="1540242" cy="1123748"/>
             <a:chOff x="8198327" y="1959233"/>
             <a:chExt cx="1126648" cy="1004959"/>
@@ -3921,7 +6037,7 @@
                   </a:solidFill>
                   <a:latin typeface="Avenir Next LT Pro" panose="020B0504020202020204" pitchFamily="34" charset="0"/>
                 </a:rPr>
-                <a:t>+id: int</a:t>
+                <a:t>+ id: int</a:t>
               </a:r>
             </a:p>
             <a:p>
@@ -3932,18 +6048,7 @@
                   </a:solidFill>
                   <a:latin typeface="Avenir Next LT Pro" panose="020B0504020202020204" pitchFamily="34" charset="0"/>
                 </a:rPr>
-                <a:t>+class: str</a:t>
-              </a:r>
-            </a:p>
-            <a:p>
-              <a:r>
-                <a:rPr lang="en-US" sz="1200" dirty="0">
-                  <a:solidFill>
-                    <a:schemeClr val="tx1"/>
-                  </a:solidFill>
-                  <a:latin typeface="Avenir Next LT Pro" panose="020B0504020202020204" pitchFamily="34" charset="0"/>
-                </a:rPr>
-                <a:t>+gender: str</a:t>
+                <a:t>+ other features …</a:t>
               </a:r>
             </a:p>
           </p:txBody>
@@ -3963,7 +6068,7 @@
         </p:nvGrpSpPr>
         <p:grpSpPr>
           <a:xfrm>
-            <a:off x="7570420" y="879991"/>
+            <a:off x="8113463" y="583295"/>
             <a:ext cx="3111867" cy="2036375"/>
             <a:chOff x="7315387" y="3432621"/>
             <a:chExt cx="2181036" cy="1680705"/>
@@ -4103,13 +6208,22 @@
               <a:lstStyle/>
               <a:p>
                 <a:r>
+                  <a:rPr lang="en-US" sz="1200">
+                    <a:solidFill>
+                      <a:schemeClr val="tx1"/>
+                    </a:solidFill>
+                    <a:latin typeface="Avenir Next LT Pro" panose="020B0504020202020204" pitchFamily="34" charset="0"/>
+                  </a:rPr>
+                  <a:t>+ relationships</a:t>
+                </a:r>
+                <a:r>
                   <a:rPr lang="en-US" sz="1200" dirty="0">
                     <a:solidFill>
                       <a:schemeClr val="tx1"/>
                     </a:solidFill>
                     <a:latin typeface="Avenir Next LT Pro" panose="020B0504020202020204" pitchFamily="34" charset="0"/>
                   </a:rPr>
-                  <a:t>+relationships: { time : Graph }</a:t>
+                  <a:t>: { time : Graph }</a:t>
                 </a:r>
               </a:p>
             </p:txBody>
@@ -4174,7 +6288,7 @@
                   </a:solidFill>
                   <a:latin typeface="Avenir Next LT Pro" panose="020B0504020202020204" pitchFamily="34" charset="0"/>
                 </a:rPr>
-                <a:t>+</a:t>
+                <a:t>+ </a:t>
               </a:r>
               <a:r>
                 <a:rPr lang="en-US" sz="1200" dirty="0" err="1">
@@ -4192,7 +6306,7 @@
                   </a:solidFill>
                   <a:latin typeface="Avenir Next LT Pro" panose="020B0504020202020204" pitchFamily="34" charset="0"/>
                 </a:rPr>
-                <a:t>([time]): Graph</a:t>
+                <a:t>(time, time): Graph</a:t>
               </a:r>
             </a:p>
             <a:p>
@@ -4208,7 +6322,7 @@
                   </a:solidFill>
                   <a:latin typeface="Avenir Next LT Pro" panose="020B0504020202020204" pitchFamily="34" charset="0"/>
                 </a:rPr>
-                <a:t>+</a:t>
+                <a:t>+ </a:t>
               </a:r>
               <a:r>
                 <a:rPr lang="en-US" altLang="zh-CN" sz="1200" dirty="0" err="1">
@@ -4217,7 +6331,7 @@
                   </a:solidFill>
                   <a:latin typeface="Avenir Next LT Pro" panose="020B0504020202020204" pitchFamily="34" charset="0"/>
                 </a:rPr>
-                <a:t>interactionGraph</a:t>
+                <a:t>intersectionGraph</a:t>
               </a:r>
               <a:r>
                 <a:rPr lang="en-US" altLang="zh-CN" sz="1200" dirty="0">
@@ -4226,7 +6340,7 @@
                   </a:solidFill>
                   <a:latin typeface="Avenir Next LT Pro" panose="020B0504020202020204" pitchFamily="34" charset="0"/>
                 </a:rPr>
-                <a:t>([time]): Graph</a:t>
+                <a:t>(time,  time): Graph</a:t>
               </a:r>
             </a:p>
             <a:p>
@@ -4242,7 +6356,7 @@
                   </a:solidFill>
                   <a:latin typeface="Avenir Next LT Pro" panose="020B0504020202020204" pitchFamily="34" charset="0"/>
                 </a:rPr>
-                <a:t>+</a:t>
+                <a:t>+ </a:t>
               </a:r>
               <a:r>
                 <a:rPr lang="en-US" altLang="zh-CN" sz="1200" dirty="0" err="1">
@@ -4276,7 +6390,7 @@
                   </a:solidFill>
                   <a:latin typeface="Avenir Next LT Pro" panose="020B0504020202020204" pitchFamily="34" charset="0"/>
                 </a:rPr>
-                <a:t>+</a:t>
+                <a:t>+ </a:t>
               </a:r>
               <a:r>
                 <a:rPr lang="en-US" altLang="zh-CN" sz="1200" dirty="0" err="1">
@@ -4302,10 +6416,10 @@
       </p:grpSp>
       <p:grpSp>
         <p:nvGrpSpPr>
-          <p:cNvPr id="18" name="组合 17">
+          <p:cNvPr id="30" name="组合 29">
             <a:extLst>
               <a:ext uri="{FF2B5EF4-FFF2-40B4-BE49-F238E27FC236}">
-                <a16:creationId xmlns:a16="http://schemas.microsoft.com/office/drawing/2014/main" id="{C4888047-318D-46BC-9775-8B0F04D5C419}"/>
+                <a16:creationId xmlns:a16="http://schemas.microsoft.com/office/drawing/2014/main" id="{D6E7EAF7-F7C6-44AB-9A19-2AE52168703A}"/>
               </a:ext>
             </a:extLst>
           </p:cNvPr>
@@ -4314,18 +6428,187 @@
         </p:nvGrpSpPr>
         <p:grpSpPr>
           <a:xfrm>
-            <a:off x="9126354" y="3520525"/>
-            <a:ext cx="1744937" cy="2608206"/>
-            <a:chOff x="7315387" y="3432621"/>
-            <a:chExt cx="2181038" cy="2152661"/>
+            <a:off x="8749773" y="2588962"/>
+            <a:ext cx="2410952" cy="907281"/>
+            <a:chOff x="8781330" y="2886043"/>
+            <a:chExt cx="1792950" cy="1139879"/>
+          </a:xfrm>
+        </p:grpSpPr>
+        <p:cxnSp>
+          <p:nvCxnSpPr>
+            <p:cNvPr id="15" name="直接连接符 14">
+              <a:extLst>
+                <a:ext uri="{FF2B5EF4-FFF2-40B4-BE49-F238E27FC236}">
+                  <a16:creationId xmlns:a16="http://schemas.microsoft.com/office/drawing/2014/main" id="{6B2D16E6-36FF-460C-B7E9-02B4AA993C70}"/>
+                </a:ext>
+              </a:extLst>
+            </p:cNvPr>
+            <p:cNvCxnSpPr>
+              <a:cxnSpLocks/>
+              <a:stCxn id="21" idx="0"/>
+            </p:cNvCxnSpPr>
+            <p:nvPr/>
+          </p:nvCxnSpPr>
+          <p:spPr>
+            <a:xfrm flipV="1">
+              <a:off x="8781330" y="2913784"/>
+              <a:ext cx="5643" cy="1055676"/>
+            </a:xfrm>
+            <a:prstGeom prst="line">
+              <a:avLst/>
+            </a:prstGeom>
+          </p:spPr>
+          <p:style>
+            <a:lnRef idx="1">
+              <a:schemeClr val="accent1"/>
+            </a:lnRef>
+            <a:fillRef idx="0">
+              <a:schemeClr val="accent1"/>
+            </a:fillRef>
+            <a:effectRef idx="0">
+              <a:schemeClr val="accent1"/>
+            </a:effectRef>
+            <a:fontRef idx="minor">
+              <a:schemeClr val="tx1"/>
+            </a:fontRef>
+          </p:style>
+        </p:cxnSp>
+        <p:sp>
+          <p:nvSpPr>
+            <p:cNvPr id="27" name="文本框 26">
+              <a:extLst>
+                <a:ext uri="{FF2B5EF4-FFF2-40B4-BE49-F238E27FC236}">
+                  <a16:creationId xmlns:a16="http://schemas.microsoft.com/office/drawing/2014/main" id="{CAF3D876-4376-4D30-AE0F-E3BD757923E2}"/>
+                </a:ext>
+              </a:extLst>
+            </p:cNvPr>
+            <p:cNvSpPr txBox="1"/>
+            <p:nvPr/>
+          </p:nvSpPr>
+          <p:spPr>
+            <a:xfrm>
+              <a:off x="10274198" y="3656590"/>
+              <a:ext cx="300082" cy="369332"/>
+            </a:xfrm>
+            <a:prstGeom prst="rect">
+              <a:avLst/>
+            </a:prstGeom>
+            <a:noFill/>
+          </p:spPr>
+          <p:txBody>
+            <a:bodyPr vert="horz" wrap="none" rtlCol="0">
+              <a:spAutoFit/>
+            </a:bodyPr>
+            <a:lstStyle/>
+            <a:p>
+              <a:r>
+                <a:rPr lang="en-US" dirty="0"/>
+                <a:t>*</a:t>
+              </a:r>
+            </a:p>
+          </p:txBody>
+        </p:sp>
+        <p:sp>
+          <p:nvSpPr>
+            <p:cNvPr id="29" name="文本框 28">
+              <a:extLst>
+                <a:ext uri="{FF2B5EF4-FFF2-40B4-BE49-F238E27FC236}">
+                  <a16:creationId xmlns:a16="http://schemas.microsoft.com/office/drawing/2014/main" id="{95D9D2B7-C4A3-48DB-BA9A-DAEFCD0D3892}"/>
+                </a:ext>
+              </a:extLst>
+            </p:cNvPr>
+            <p:cNvSpPr txBox="1"/>
+            <p:nvPr/>
+          </p:nvSpPr>
+          <p:spPr>
+            <a:xfrm>
+              <a:off x="10279841" y="2886043"/>
+              <a:ext cx="263214" cy="276999"/>
+            </a:xfrm>
+            <a:prstGeom prst="rect">
+              <a:avLst/>
+            </a:prstGeom>
+            <a:noFill/>
+          </p:spPr>
+          <p:txBody>
+            <a:bodyPr vert="horz" wrap="none" rtlCol="0">
+              <a:spAutoFit/>
+            </a:bodyPr>
+            <a:lstStyle/>
+            <a:p>
+              <a:r>
+                <a:rPr lang="en-US" sz="1200" dirty="0"/>
+                <a:t>1</a:t>
+              </a:r>
+            </a:p>
+          </p:txBody>
+        </p:sp>
+      </p:grpSp>
+      <p:cxnSp>
+        <p:nvCxnSpPr>
+          <p:cNvPr id="32" name="直接连接符 31">
+            <a:extLst>
+              <a:ext uri="{FF2B5EF4-FFF2-40B4-BE49-F238E27FC236}">
+                <a16:creationId xmlns:a16="http://schemas.microsoft.com/office/drawing/2014/main" id="{E87D22B8-3615-408E-8D3D-96A8864665CC}"/>
+              </a:ext>
+            </a:extLst>
+          </p:cNvPr>
+          <p:cNvCxnSpPr>
+            <a:cxnSpLocks/>
+            <a:stCxn id="7" idx="0"/>
+          </p:cNvCxnSpPr>
+          <p:nvPr/>
+        </p:nvCxnSpPr>
+        <p:spPr>
+          <a:xfrm flipH="1" flipV="1">
+            <a:off x="10757187" y="2619670"/>
+            <a:ext cx="7590" cy="831632"/>
+          </a:xfrm>
+          <a:prstGeom prst="line">
+            <a:avLst/>
+          </a:prstGeom>
+        </p:spPr>
+        <p:style>
+          <a:lnRef idx="1">
+            <a:schemeClr val="accent1"/>
+          </a:lnRef>
+          <a:fillRef idx="0">
+            <a:schemeClr val="accent1"/>
+          </a:fillRef>
+          <a:effectRef idx="0">
+            <a:schemeClr val="accent1"/>
+          </a:effectRef>
+          <a:fontRef idx="minor">
+            <a:schemeClr val="tx1"/>
+          </a:fontRef>
+        </p:style>
+      </p:cxnSp>
+      <p:grpSp>
+        <p:nvGrpSpPr>
+          <p:cNvPr id="42" name="组合 41">
+            <a:extLst>
+              <a:ext uri="{FF2B5EF4-FFF2-40B4-BE49-F238E27FC236}">
+                <a16:creationId xmlns:a16="http://schemas.microsoft.com/office/drawing/2014/main" id="{CF7BA2E5-B6D7-4DFA-B6A2-75F98EAE7AF7}"/>
+              </a:ext>
+            </a:extLst>
+          </p:cNvPr>
+          <p:cNvGrpSpPr/>
+          <p:nvPr/>
+        </p:nvGrpSpPr>
+        <p:grpSpPr>
+          <a:xfrm>
+            <a:off x="7631165" y="2596775"/>
+            <a:ext cx="2237201" cy="3677930"/>
+            <a:chOff x="7523013" y="2596775"/>
+            <a:chExt cx="2237201" cy="3677930"/>
           </a:xfrm>
         </p:grpSpPr>
         <p:grpSp>
           <p:nvGrpSpPr>
-            <p:cNvPr id="19" name="组合 18">
+            <p:cNvPr id="18" name="组合 17">
               <a:extLst>
                 <a:ext uri="{FF2B5EF4-FFF2-40B4-BE49-F238E27FC236}">
-                  <a16:creationId xmlns:a16="http://schemas.microsoft.com/office/drawing/2014/main" id="{4ABDFA5C-8313-4955-8349-1B2DD31C46F5}"/>
+                  <a16:creationId xmlns:a16="http://schemas.microsoft.com/office/drawing/2014/main" id="{C4888047-318D-46BC-9775-8B0F04D5C419}"/>
                 </a:ext>
               </a:extLst>
             </p:cNvPr>
@@ -4334,18 +6617,169 @@
           </p:nvGrpSpPr>
           <p:grpSpPr>
             <a:xfrm>
-              <a:off x="7315389" y="3432621"/>
-              <a:ext cx="2181036" cy="747096"/>
-              <a:chOff x="5143690" y="2078772"/>
-              <a:chExt cx="1126648" cy="747096"/>
+              <a:off x="7523013" y="3451306"/>
+              <a:ext cx="2237201" cy="2823399"/>
+              <a:chOff x="7315387" y="3432621"/>
+              <a:chExt cx="2181036" cy="2330269"/>
             </a:xfrm>
           </p:grpSpPr>
+          <p:grpSp>
+            <p:nvGrpSpPr>
+              <p:cNvPr id="19" name="组合 18">
+                <a:extLst>
+                  <a:ext uri="{FF2B5EF4-FFF2-40B4-BE49-F238E27FC236}">
+                    <a16:creationId xmlns:a16="http://schemas.microsoft.com/office/drawing/2014/main" id="{4ABDFA5C-8313-4955-8349-1B2DD31C46F5}"/>
+                  </a:ext>
+                </a:extLst>
+              </p:cNvPr>
+              <p:cNvGrpSpPr/>
+              <p:nvPr/>
+            </p:nvGrpSpPr>
+            <p:grpSpPr>
+              <a:xfrm>
+                <a:off x="7315389" y="3432621"/>
+                <a:ext cx="2181034" cy="747096"/>
+                <a:chOff x="5143690" y="2078772"/>
+                <a:chExt cx="1126647" cy="747096"/>
+              </a:xfrm>
+            </p:grpSpPr>
+            <p:sp>
+              <p:nvSpPr>
+                <p:cNvPr id="21" name="矩形 20">
+                  <a:extLst>
+                    <a:ext uri="{FF2B5EF4-FFF2-40B4-BE49-F238E27FC236}">
+                      <a16:creationId xmlns:a16="http://schemas.microsoft.com/office/drawing/2014/main" id="{3B39236A-8E3A-4CE0-8650-4F4223A0103C}"/>
+                    </a:ext>
+                  </a:extLst>
+                </p:cNvPr>
+                <p:cNvSpPr/>
+                <p:nvPr/>
+              </p:nvSpPr>
+              <p:spPr>
+                <a:xfrm>
+                  <a:off x="5143690" y="2078772"/>
+                  <a:ext cx="1126647" cy="278667"/>
+                </a:xfrm>
+                <a:prstGeom prst="rect">
+                  <a:avLst/>
+                </a:prstGeom>
+                <a:solidFill>
+                  <a:schemeClr val="bg1">
+                    <a:lumMod val="95000"/>
+                  </a:schemeClr>
+                </a:solidFill>
+                <a:ln w="19050"/>
+              </p:spPr>
+              <p:style>
+                <a:lnRef idx="2">
+                  <a:schemeClr val="accent3">
+                    <a:shade val="50000"/>
+                  </a:schemeClr>
+                </a:lnRef>
+                <a:fillRef idx="1">
+                  <a:schemeClr val="accent3"/>
+                </a:fillRef>
+                <a:effectRef idx="0">
+                  <a:schemeClr val="accent3"/>
+                </a:effectRef>
+                <a:fontRef idx="minor">
+                  <a:schemeClr val="lt1"/>
+                </a:fontRef>
+              </p:style>
+              <p:txBody>
+                <a:bodyPr rtlCol="0" anchor="ctr"/>
+                <a:lstStyle/>
+                <a:p>
+                  <a:pPr algn="ctr"/>
+                  <a:r>
+                    <a:rPr lang="en-US" sz="1200" b="1" dirty="0">
+                      <a:solidFill>
+                        <a:schemeClr val="tx1"/>
+                      </a:solidFill>
+                      <a:latin typeface="Avenir Next LT Pro" panose="020B0504020202020204" pitchFamily="34" charset="0"/>
+                    </a:rPr>
+                    <a:t>Graph</a:t>
+                  </a:r>
+                </a:p>
+              </p:txBody>
+            </p:sp>
+            <p:sp>
+              <p:nvSpPr>
+                <p:cNvPr id="22" name="矩形 21">
+                  <a:extLst>
+                    <a:ext uri="{FF2B5EF4-FFF2-40B4-BE49-F238E27FC236}">
+                      <a16:creationId xmlns:a16="http://schemas.microsoft.com/office/drawing/2014/main" id="{9D4FBF60-880B-4593-8A7B-4DAF86ABFF86}"/>
+                    </a:ext>
+                  </a:extLst>
+                </p:cNvPr>
+                <p:cNvSpPr/>
+                <p:nvPr/>
+              </p:nvSpPr>
+              <p:spPr>
+                <a:xfrm>
+                  <a:off x="5143690" y="2357439"/>
+                  <a:ext cx="1126647" cy="468429"/>
+                </a:xfrm>
+                <a:prstGeom prst="rect">
+                  <a:avLst/>
+                </a:prstGeom>
+                <a:solidFill>
+                  <a:schemeClr val="bg1">
+                    <a:lumMod val="95000"/>
+                  </a:schemeClr>
+                </a:solidFill>
+                <a:ln w="19050"/>
+              </p:spPr>
+              <p:style>
+                <a:lnRef idx="2">
+                  <a:schemeClr val="accent3">
+                    <a:shade val="50000"/>
+                  </a:schemeClr>
+                </a:lnRef>
+                <a:fillRef idx="1">
+                  <a:schemeClr val="accent3"/>
+                </a:fillRef>
+                <a:effectRef idx="0">
+                  <a:schemeClr val="accent3"/>
+                </a:effectRef>
+                <a:fontRef idx="minor">
+                  <a:schemeClr val="lt1"/>
+                </a:fontRef>
+              </p:style>
+              <p:txBody>
+                <a:bodyPr rtlCol="0" anchor="ctr"/>
+                <a:lstStyle/>
+                <a:p>
+                  <a:r>
+                    <a:rPr lang="en-US" sz="1200" dirty="0">
+                      <a:solidFill>
+                        <a:schemeClr val="tx1"/>
+                      </a:solidFill>
+                      <a:latin typeface="Avenir Next LT Pro" panose="020B0504020202020204" pitchFamily="34" charset="0"/>
+                    </a:rPr>
+                    <a:t>+ edges: { int : [int] }</a:t>
+                  </a:r>
+                </a:p>
+                <a:p>
+                  <a:r>
+                    <a:rPr lang="en-US" sz="1200" dirty="0">
+                      <a:solidFill>
+                        <a:schemeClr val="tx1"/>
+                      </a:solidFill>
+                      <a:latin typeface="Avenir Next LT Pro" panose="020B0504020202020204" pitchFamily="34" charset="0"/>
+                    </a:rPr>
+                    <a:t>+ directed: bool</a:t>
+                  </a:r>
+                </a:p>
+              </p:txBody>
+            </p:sp>
+          </p:grpSp>
           <p:sp>
             <p:nvSpPr>
-              <p:cNvPr id="21" name="矩形 20">
+              <p:cNvPr id="20" name="矩形 19">
                 <a:extLst>
                   <a:ext uri="{FF2B5EF4-FFF2-40B4-BE49-F238E27FC236}">
-                    <a16:creationId xmlns:a16="http://schemas.microsoft.com/office/drawing/2014/main" id="{3B39236A-8E3A-4CE0-8650-4F4223A0103C}"/>
+                    <a16:creationId xmlns:a16="http://schemas.microsoft.com/office/drawing/2014/main" id="{8037797E-64F7-4F46-BFCE-7562790B40C5}"/>
                   </a:ext>
                 </a:extLst>
               </p:cNvPr>
@@ -4354,8 +6788,8 @@
             </p:nvSpPr>
             <p:spPr>
               <a:xfrm>
-                <a:off x="5143691" y="2078772"/>
-                <a:ext cx="1126647" cy="278667"/>
+                <a:off x="7315387" y="4179718"/>
+                <a:ext cx="2181036" cy="1583172"/>
               </a:xfrm>
               <a:prstGeom prst="rect">
                 <a:avLst/>
@@ -4387,66 +6821,11 @@
               <a:bodyPr rtlCol="0" anchor="ctr"/>
               <a:lstStyle/>
               <a:p>
-                <a:pPr algn="ctr"/>
-                <a:r>
-                  <a:rPr lang="en-US" sz="1200" b="1" dirty="0">
-                    <a:solidFill>
-                      <a:schemeClr val="tx1"/>
-                    </a:solidFill>
-                    <a:latin typeface="Avenir Next LT Pro" panose="020B0504020202020204" pitchFamily="34" charset="0"/>
-                  </a:rPr>
-                  <a:t>Graph</a:t>
-                </a:r>
-              </a:p>
-            </p:txBody>
-          </p:sp>
-          <p:sp>
-            <p:nvSpPr>
-              <p:cNvPr id="22" name="矩形 21">
-                <a:extLst>
-                  <a:ext uri="{FF2B5EF4-FFF2-40B4-BE49-F238E27FC236}">
-                    <a16:creationId xmlns:a16="http://schemas.microsoft.com/office/drawing/2014/main" id="{9D4FBF60-880B-4593-8A7B-4DAF86ABFF86}"/>
-                  </a:ext>
-                </a:extLst>
-              </p:cNvPr>
-              <p:cNvSpPr/>
-              <p:nvPr/>
-            </p:nvSpPr>
-            <p:spPr>
-              <a:xfrm>
-                <a:off x="5143690" y="2357439"/>
-                <a:ext cx="1126647" cy="468429"/>
-              </a:xfrm>
-              <a:prstGeom prst="rect">
-                <a:avLst/>
-              </a:prstGeom>
-              <a:solidFill>
-                <a:schemeClr val="bg1">
-                  <a:lumMod val="95000"/>
-                </a:schemeClr>
-              </a:solidFill>
-              <a:ln w="19050"/>
-            </p:spPr>
-            <p:style>
-              <a:lnRef idx="2">
-                <a:schemeClr val="accent3">
-                  <a:shade val="50000"/>
-                </a:schemeClr>
-              </a:lnRef>
-              <a:fillRef idx="1">
-                <a:schemeClr val="accent3"/>
-              </a:fillRef>
-              <a:effectRef idx="0">
-                <a:schemeClr val="accent3"/>
-              </a:effectRef>
-              <a:fontRef idx="minor">
-                <a:schemeClr val="lt1"/>
-              </a:fontRef>
-            </p:style>
-            <p:txBody>
-              <a:bodyPr rtlCol="0" anchor="ctr"/>
-              <a:lstStyle/>
-              <a:p>
+                <a:pPr>
+                  <a:lnSpc>
+                    <a:spcPct val="120000"/>
+                  </a:lnSpc>
+                </a:pPr>
                 <a:r>
                   <a:rPr lang="en-US" sz="1200" dirty="0">
                     <a:solidFill>
@@ -4454,10 +6833,17 @@
                     </a:solidFill>
                     <a:latin typeface="Avenir Next LT Pro" panose="020B0504020202020204" pitchFamily="34" charset="0"/>
                   </a:rPr>
-                  <a:t>+edges: { int : [int] }</a:t>
+                  <a:t>+ </a:t>
                 </a:r>
-              </a:p>
-              <a:p>
+                <a:r>
+                  <a:rPr lang="en-US" sz="1200" dirty="0" err="1">
+                    <a:solidFill>
+                      <a:schemeClr val="tx1"/>
+                    </a:solidFill>
+                    <a:latin typeface="Avenir Next LT Pro" panose="020B0504020202020204" pitchFamily="34" charset="0"/>
+                  </a:rPr>
+                  <a:t>nrOfVertices</a:t>
+                </a:r>
                 <a:r>
                   <a:rPr lang="en-US" sz="1200" dirty="0">
                     <a:solidFill>
@@ -4465,7 +6851,152 @@
                     </a:solidFill>
                     <a:latin typeface="Avenir Next LT Pro" panose="020B0504020202020204" pitchFamily="34" charset="0"/>
                   </a:rPr>
-                  <a:t>+directed: bool</a:t>
+                  <a:t>(): int</a:t>
+                </a:r>
+              </a:p>
+              <a:p>
+                <a:pPr>
+                  <a:lnSpc>
+                    <a:spcPct val="120000"/>
+                  </a:lnSpc>
+                </a:pPr>
+                <a:r>
+                  <a:rPr lang="en-US" sz="1200" dirty="0">
+                    <a:solidFill>
+                      <a:schemeClr val="tx1"/>
+                    </a:solidFill>
+                    <a:latin typeface="Avenir Next LT Pro" panose="020B0504020202020204" pitchFamily="34" charset="0"/>
+                  </a:rPr>
+                  <a:t>+ </a:t>
+                </a:r>
+                <a:r>
+                  <a:rPr lang="en-US" sz="1200" dirty="0" err="1">
+                    <a:solidFill>
+                      <a:schemeClr val="tx1"/>
+                    </a:solidFill>
+                    <a:latin typeface="Avenir Next LT Pro" panose="020B0504020202020204" pitchFamily="34" charset="0"/>
+                  </a:rPr>
+                  <a:t>nrOfEdges</a:t>
+                </a:r>
+                <a:r>
+                  <a:rPr lang="en-US" sz="1200" dirty="0">
+                    <a:solidFill>
+                      <a:schemeClr val="tx1"/>
+                    </a:solidFill>
+                    <a:latin typeface="Avenir Next LT Pro" panose="020B0504020202020204" pitchFamily="34" charset="0"/>
+                  </a:rPr>
+                  <a:t>(): int</a:t>
+                </a:r>
+              </a:p>
+              <a:p>
+                <a:pPr>
+                  <a:lnSpc>
+                    <a:spcPct val="120000"/>
+                  </a:lnSpc>
+                </a:pPr>
+                <a:r>
+                  <a:rPr lang="en-US" altLang="zh-CN" sz="1200" dirty="0">
+                    <a:solidFill>
+                      <a:schemeClr val="tx1"/>
+                    </a:solidFill>
+                    <a:latin typeface="Avenir Next LT Pro" panose="020B0504020202020204" pitchFamily="34" charset="0"/>
+                  </a:rPr>
+                  <a:t>+ density(): float</a:t>
+                </a:r>
+                <a:endParaRPr lang="en-US" sz="1200" dirty="0">
+                  <a:solidFill>
+                    <a:schemeClr val="tx1"/>
+                  </a:solidFill>
+                  <a:latin typeface="Avenir Next LT Pro" panose="020B0504020202020204" pitchFamily="34" charset="0"/>
+                </a:endParaRPr>
+              </a:p>
+              <a:p>
+                <a:pPr>
+                  <a:lnSpc>
+                    <a:spcPct val="120000"/>
+                  </a:lnSpc>
+                </a:pPr>
+                <a:r>
+                  <a:rPr lang="en-US" sz="1200" dirty="0">
+                    <a:solidFill>
+                      <a:schemeClr val="tx1"/>
+                    </a:solidFill>
+                    <a:latin typeface="Avenir Next LT Pro" panose="020B0504020202020204" pitchFamily="34" charset="0"/>
+                  </a:rPr>
+                  <a:t>+ maximalCliques(): [[int]]</a:t>
+                </a:r>
+              </a:p>
+              <a:p>
+                <a:pPr>
+                  <a:lnSpc>
+                    <a:spcPct val="120000"/>
+                  </a:lnSpc>
+                </a:pPr>
+                <a:r>
+                  <a:rPr lang="en-US" sz="1200" dirty="0">
+                    <a:solidFill>
+                      <a:schemeClr val="tx1"/>
+                    </a:solidFill>
+                    <a:latin typeface="Avenir Next LT Pro" panose="020B0504020202020204" pitchFamily="34" charset="0"/>
+                  </a:rPr>
+                  <a:t>+ betweenness(): [float]</a:t>
+                </a:r>
+              </a:p>
+              <a:p>
+                <a:pPr>
+                  <a:lnSpc>
+                    <a:spcPct val="120000"/>
+                  </a:lnSpc>
+                </a:pPr>
+                <a:r>
+                  <a:rPr lang="en-US" sz="1200" dirty="0">
+                    <a:solidFill>
+                      <a:schemeClr val="tx1"/>
+                    </a:solidFill>
+                    <a:latin typeface="Avenir Next LT Pro" panose="020B0504020202020204" pitchFamily="34" charset="0"/>
+                  </a:rPr>
+                  <a:t>+ </a:t>
+                </a:r>
+                <a:r>
+                  <a:rPr lang="en-US" altLang="zh-CN" sz="1200" dirty="0">
+                    <a:solidFill>
+                      <a:schemeClr val="tx1"/>
+                    </a:solidFill>
+                    <a:latin typeface="Avenir Next LT Pro" panose="020B0504020202020204" pitchFamily="34" charset="0"/>
+                  </a:rPr>
+                  <a:t>communities(): [[int]]</a:t>
+                </a:r>
+              </a:p>
+              <a:p>
+                <a:pPr>
+                  <a:lnSpc>
+                    <a:spcPct val="120000"/>
+                  </a:lnSpc>
+                </a:pPr>
+                <a:r>
+                  <a:rPr lang="en-US" altLang="zh-CN" sz="1200" dirty="0">
+                    <a:solidFill>
+                      <a:schemeClr val="tx1"/>
+                    </a:solidFill>
+                    <a:latin typeface="Avenir Next LT Pro" panose="020B0504020202020204" pitchFamily="34" charset="0"/>
+                  </a:rPr>
+                  <a:t>+ intersection(Graph): Graph</a:t>
+                </a:r>
+              </a:p>
+              <a:p>
+                <a:pPr>
+                  <a:lnSpc>
+                    <a:spcPct val="120000"/>
+                  </a:lnSpc>
+                </a:pPr>
+                <a:r>
+                  <a:rPr lang="en-US" altLang="zh-CN" sz="1200" dirty="0">
+                    <a:solidFill>
+                      <a:schemeClr val="tx1"/>
+                    </a:solidFill>
+                    <a:latin typeface="Avenir Next LT Pro" panose="020B0504020202020204" pitchFamily="34" charset="0"/>
+                  </a:rPr>
+                  <a:t>+ union(Graph): Graph</a:t>
                 </a:r>
               </a:p>
             </p:txBody>
@@ -4473,217 +7004,75 @@
         </p:grpSp>
         <p:sp>
           <p:nvSpPr>
-            <p:cNvPr id="20" name="矩形 19">
+            <p:cNvPr id="33" name="文本框 32">
               <a:extLst>
                 <a:ext uri="{FF2B5EF4-FFF2-40B4-BE49-F238E27FC236}">
-                  <a16:creationId xmlns:a16="http://schemas.microsoft.com/office/drawing/2014/main" id="{8037797E-64F7-4F46-BFCE-7562790B40C5}"/>
+                  <a16:creationId xmlns:a16="http://schemas.microsoft.com/office/drawing/2014/main" id="{B7175AA0-4B0C-43E5-8AC0-C71370B96D12}"/>
                 </a:ext>
               </a:extLst>
             </p:cNvPr>
-            <p:cNvSpPr/>
+            <p:cNvSpPr txBox="1"/>
             <p:nvPr/>
           </p:nvSpPr>
           <p:spPr>
             <a:xfrm>
-              <a:off x="7315387" y="4179718"/>
-              <a:ext cx="2181036" cy="1405564"/>
+              <a:off x="8641614" y="3194766"/>
+              <a:ext cx="403514" cy="293968"/>
             </a:xfrm>
             <a:prstGeom prst="rect">
               <a:avLst/>
             </a:prstGeom>
-            <a:solidFill>
-              <a:schemeClr val="bg1">
-                <a:lumMod val="95000"/>
-              </a:schemeClr>
-            </a:solidFill>
-            <a:ln w="19050"/>
+            <a:noFill/>
           </p:spPr>
-          <p:style>
-            <a:lnRef idx="2">
-              <a:schemeClr val="accent3">
-                <a:shade val="50000"/>
-              </a:schemeClr>
-            </a:lnRef>
-            <a:fillRef idx="1">
-              <a:schemeClr val="accent3"/>
-            </a:fillRef>
-            <a:effectRef idx="0">
-              <a:schemeClr val="accent3"/>
-            </a:effectRef>
-            <a:fontRef idx="minor">
-              <a:schemeClr val="lt1"/>
-            </a:fontRef>
-          </p:style>
           <p:txBody>
-            <a:bodyPr rtlCol="0" anchor="ctr"/>
+            <a:bodyPr vert="horz" wrap="none" rtlCol="0">
+              <a:spAutoFit/>
+            </a:bodyPr>
             <a:lstStyle/>
             <a:p>
-              <a:pPr>
-                <a:lnSpc>
-                  <a:spcPct val="120000"/>
-                </a:lnSpc>
-              </a:pPr>
               <a:r>
-                <a:rPr lang="en-US" sz="1200" dirty="0">
-                  <a:solidFill>
-                    <a:schemeClr val="tx1"/>
-                  </a:solidFill>
-                  <a:latin typeface="Avenir Next LT Pro" panose="020B0504020202020204" pitchFamily="34" charset="0"/>
-                </a:rPr>
-                <a:t>+nrOfVertices(): int</a:t>
+                <a:rPr lang="en-US" dirty="0"/>
+                <a:t>*</a:t>
               </a:r>
             </a:p>
+          </p:txBody>
+        </p:sp>
+        <p:sp>
+          <p:nvSpPr>
+            <p:cNvPr id="34" name="文本框 33">
+              <a:extLst>
+                <a:ext uri="{FF2B5EF4-FFF2-40B4-BE49-F238E27FC236}">
+                  <a16:creationId xmlns:a16="http://schemas.microsoft.com/office/drawing/2014/main" id="{5F7202BB-136E-4F0C-9089-649ECF02C9FC}"/>
+                </a:ext>
+              </a:extLst>
+            </p:cNvPr>
+            <p:cNvSpPr txBox="1"/>
+            <p:nvPr/>
+          </p:nvSpPr>
+          <p:spPr>
+            <a:xfrm>
+              <a:off x="8641614" y="2596775"/>
+              <a:ext cx="353938" cy="220476"/>
+            </a:xfrm>
+            <a:prstGeom prst="rect">
+              <a:avLst/>
+            </a:prstGeom>
+            <a:noFill/>
+          </p:spPr>
+          <p:txBody>
+            <a:bodyPr vert="horz" wrap="none" rtlCol="0">
+              <a:spAutoFit/>
+            </a:bodyPr>
+            <a:lstStyle/>
             <a:p>
-              <a:pPr>
-                <a:lnSpc>
-                  <a:spcPct val="120000"/>
-                </a:lnSpc>
-              </a:pPr>
               <a:r>
-                <a:rPr lang="en-US" sz="1200" dirty="0">
-                  <a:solidFill>
-                    <a:schemeClr val="tx1"/>
-                  </a:solidFill>
-                  <a:latin typeface="Avenir Next LT Pro" panose="020B0504020202020204" pitchFamily="34" charset="0"/>
-                </a:rPr>
-                <a:t>+nrOfEdges(): int</a:t>
-              </a:r>
-            </a:p>
-            <a:p>
-              <a:pPr>
-                <a:lnSpc>
-                  <a:spcPct val="120000"/>
-                </a:lnSpc>
-              </a:pPr>
-              <a:r>
-                <a:rPr lang="en-US" altLang="zh-CN" sz="1200" dirty="0">
-                  <a:solidFill>
-                    <a:schemeClr val="tx1"/>
-                  </a:solidFill>
-                  <a:latin typeface="Avenir Next LT Pro" panose="020B0504020202020204" pitchFamily="34" charset="0"/>
-                </a:rPr>
-                <a:t>+density(): float</a:t>
-              </a:r>
-              <a:endParaRPr lang="en-US" sz="1200" dirty="0">
-                <a:solidFill>
-                  <a:schemeClr val="tx1"/>
-                </a:solidFill>
-                <a:latin typeface="Avenir Next LT Pro" panose="020B0504020202020204" pitchFamily="34" charset="0"/>
-              </a:endParaRPr>
-            </a:p>
-            <a:p>
-              <a:pPr>
-                <a:lnSpc>
-                  <a:spcPct val="120000"/>
-                </a:lnSpc>
-              </a:pPr>
-              <a:r>
-                <a:rPr lang="en-US" sz="1200" dirty="0">
-                  <a:solidFill>
-                    <a:schemeClr val="tx1"/>
-                  </a:solidFill>
-                  <a:latin typeface="Avenir Next LT Pro" panose="020B0504020202020204" pitchFamily="34" charset="0"/>
-                </a:rPr>
-                <a:t>+maxClique(): int</a:t>
-              </a:r>
-            </a:p>
-            <a:p>
-              <a:pPr>
-                <a:lnSpc>
-                  <a:spcPct val="120000"/>
-                </a:lnSpc>
-              </a:pPr>
-              <a:r>
-                <a:rPr lang="en-US" sz="1200" dirty="0">
-                  <a:solidFill>
-                    <a:schemeClr val="tx1"/>
-                  </a:solidFill>
-                  <a:latin typeface="Avenir Next LT Pro" panose="020B0504020202020204" pitchFamily="34" charset="0"/>
-                </a:rPr>
-                <a:t>+getMaxClique(): [int]</a:t>
-              </a:r>
-            </a:p>
-            <a:p>
-              <a:pPr>
-                <a:lnSpc>
-                  <a:spcPct val="120000"/>
-                </a:lnSpc>
-              </a:pPr>
-              <a:r>
-                <a:rPr lang="en-US" sz="1200" dirty="0">
-                  <a:solidFill>
-                    <a:schemeClr val="tx1"/>
-                  </a:solidFill>
-                  <a:latin typeface="Avenir Next LT Pro" panose="020B0504020202020204" pitchFamily="34" charset="0"/>
-                </a:rPr>
-                <a:t>+</a:t>
-              </a:r>
-              <a:r>
-                <a:rPr lang="en-US" altLang="zh-CN" sz="1200" dirty="0">
-                  <a:solidFill>
-                    <a:schemeClr val="tx1"/>
-                  </a:solidFill>
-                  <a:latin typeface="Avenir Next LT Pro" panose="020B0504020202020204" pitchFamily="34" charset="0"/>
-                </a:rPr>
-                <a:t>communities(): [[int]]</a:t>
+                <a:rPr lang="en-US" sz="1200" dirty="0"/>
+                <a:t>1</a:t>
               </a:r>
             </a:p>
           </p:txBody>
         </p:sp>
       </p:grpSp>
-      <p:sp>
-        <p:nvSpPr>
-          <p:cNvPr id="23" name="文本框 22">
-            <a:extLst>
-              <a:ext uri="{FF2B5EF4-FFF2-40B4-BE49-F238E27FC236}">
-                <a16:creationId xmlns:a16="http://schemas.microsoft.com/office/drawing/2014/main" id="{4F6C53D4-99AE-4BB2-8A07-6537BB9F6185}"/>
-              </a:ext>
-            </a:extLst>
-          </p:cNvPr>
-          <p:cNvSpPr txBox="1"/>
-          <p:nvPr/>
-        </p:nvSpPr>
-        <p:spPr>
-          <a:xfrm>
-            <a:off x="732675" y="5094231"/>
-            <a:ext cx="5928226" cy="646331"/>
-          </a:xfrm>
-          <a:prstGeom prst="rect">
-            <a:avLst/>
-          </a:prstGeom>
-          <a:noFill/>
-        </p:spPr>
-        <p:txBody>
-          <a:bodyPr wrap="none" rtlCol="0">
-            <a:spAutoFit/>
-          </a:bodyPr>
-          <a:lstStyle/>
-          <a:p>
-            <a:r>
-              <a:rPr lang="en-US" dirty="0" err="1"/>
-              <a:t>Bron-Kerbosch</a:t>
-            </a:r>
-            <a:r>
-              <a:rPr lang="en-US" dirty="0"/>
-              <a:t> algorithm(independent set in G </a:t>
-            </a:r>
-            <a:r>
-              <a:rPr lang="en-US"/>
-              <a:t>is clique </a:t>
-            </a:r>
-            <a:r>
-              <a:rPr lang="en-US" dirty="0"/>
-              <a:t>in G’)</a:t>
-            </a:r>
-          </a:p>
-          <a:p>
-            <a:r>
-              <a:rPr lang="en-US" dirty="0"/>
-              <a:t>Girvan–Newman algorithm</a:t>
-            </a:r>
-          </a:p>
-        </p:txBody>
-      </p:sp>
     </p:spTree>
     <p:extLst>
       <p:ext uri="{BB962C8B-B14F-4D97-AF65-F5344CB8AC3E}">
@@ -4695,6 +7084,4774 @@
     <a:masterClrMapping/>
   </p:clrMapOvr>
 </p:sld>
+</file>
+
+<file path=ppt/slides/slide5.xml><?xml version="1.0" encoding="utf-8"?>
+<p:sld xmlns:a="http://schemas.openxmlformats.org/drawingml/2006/main" xmlns:r="http://schemas.openxmlformats.org/officeDocument/2006/relationships" xmlns:p="http://schemas.openxmlformats.org/presentationml/2006/main">
+  <p:cSld>
+    <p:spTree>
+      <p:nvGrpSpPr>
+        <p:cNvPr id="1" name=""/>
+        <p:cNvGrpSpPr/>
+        <p:nvPr/>
+      </p:nvGrpSpPr>
+      <p:grpSpPr>
+        <a:xfrm>
+          <a:off x="0" y="0"/>
+          <a:ext cx="0" cy="0"/>
+          <a:chOff x="0" y="0"/>
+          <a:chExt cx="0" cy="0"/>
+        </a:xfrm>
+      </p:grpSpPr>
+      <p:sp>
+        <p:nvSpPr>
+          <p:cNvPr id="2" name="流程图: 接点 1">
+            <a:extLst>
+              <a:ext uri="{FF2B5EF4-FFF2-40B4-BE49-F238E27FC236}">
+                <a16:creationId xmlns:a16="http://schemas.microsoft.com/office/drawing/2014/main" id="{E507BB0E-D74E-446D-80F3-84DB8BFE59CE}"/>
+              </a:ext>
+            </a:extLst>
+          </p:cNvPr>
+          <p:cNvSpPr/>
+          <p:nvPr/>
+        </p:nvSpPr>
+        <p:spPr>
+          <a:xfrm>
+            <a:off x="3959771" y="3823218"/>
+            <a:ext cx="452284" cy="430161"/>
+          </a:xfrm>
+          <a:prstGeom prst="flowChartConnector">
+            <a:avLst/>
+          </a:prstGeom>
+          <a:solidFill>
+            <a:schemeClr val="accent1">
+              <a:lumMod val="20000"/>
+              <a:lumOff val="80000"/>
+            </a:schemeClr>
+          </a:solidFill>
+        </p:spPr>
+        <p:style>
+          <a:lnRef idx="2">
+            <a:schemeClr val="accent1">
+              <a:shade val="50000"/>
+            </a:schemeClr>
+          </a:lnRef>
+          <a:fillRef idx="1">
+            <a:schemeClr val="accent1"/>
+          </a:fillRef>
+          <a:effectRef idx="0">
+            <a:schemeClr val="accent1"/>
+          </a:effectRef>
+          <a:fontRef idx="minor">
+            <a:schemeClr val="lt1"/>
+          </a:fontRef>
+        </p:style>
+        <p:txBody>
+          <a:bodyPr rtlCol="0" anchor="ctr"/>
+          <a:lstStyle/>
+          <a:p>
+            <a:pPr algn="ctr"/>
+            <a:r>
+              <a:rPr lang="en-US" dirty="0">
+                <a:solidFill>
+                  <a:schemeClr val="tx1"/>
+                </a:solidFill>
+              </a:rPr>
+              <a:t>6</a:t>
+            </a:r>
+          </a:p>
+        </p:txBody>
+      </p:sp>
+      <p:sp>
+        <p:nvSpPr>
+          <p:cNvPr id="3" name="流程图: 接点 2">
+            <a:extLst>
+              <a:ext uri="{FF2B5EF4-FFF2-40B4-BE49-F238E27FC236}">
+                <a16:creationId xmlns:a16="http://schemas.microsoft.com/office/drawing/2014/main" id="{9D60C7D1-C6D9-4CB6-B8E6-ED265569EF06}"/>
+              </a:ext>
+            </a:extLst>
+          </p:cNvPr>
+          <p:cNvSpPr/>
+          <p:nvPr/>
+        </p:nvSpPr>
+        <p:spPr>
+          <a:xfrm>
+            <a:off x="2405285" y="3168129"/>
+            <a:ext cx="452284" cy="430161"/>
+          </a:xfrm>
+          <a:prstGeom prst="flowChartConnector">
+            <a:avLst/>
+          </a:prstGeom>
+          <a:solidFill>
+            <a:schemeClr val="accent1">
+              <a:lumMod val="20000"/>
+              <a:lumOff val="80000"/>
+            </a:schemeClr>
+          </a:solidFill>
+        </p:spPr>
+        <p:style>
+          <a:lnRef idx="2">
+            <a:schemeClr val="accent1">
+              <a:shade val="50000"/>
+            </a:schemeClr>
+          </a:lnRef>
+          <a:fillRef idx="1">
+            <a:schemeClr val="accent1"/>
+          </a:fillRef>
+          <a:effectRef idx="0">
+            <a:schemeClr val="accent1"/>
+          </a:effectRef>
+          <a:fontRef idx="minor">
+            <a:schemeClr val="lt1"/>
+          </a:fontRef>
+        </p:style>
+        <p:txBody>
+          <a:bodyPr rtlCol="0" anchor="ctr"/>
+          <a:lstStyle/>
+          <a:p>
+            <a:pPr algn="ctr"/>
+            <a:r>
+              <a:rPr lang="en-US" dirty="0">
+                <a:solidFill>
+                  <a:schemeClr val="tx1"/>
+                </a:solidFill>
+              </a:rPr>
+              <a:t>1</a:t>
+            </a:r>
+          </a:p>
+        </p:txBody>
+      </p:sp>
+      <p:sp>
+        <p:nvSpPr>
+          <p:cNvPr id="4" name="流程图: 接点 3">
+            <a:extLst>
+              <a:ext uri="{FF2B5EF4-FFF2-40B4-BE49-F238E27FC236}">
+                <a16:creationId xmlns:a16="http://schemas.microsoft.com/office/drawing/2014/main" id="{884B2F3D-E308-4224-AA0C-6F37F4FED832}"/>
+              </a:ext>
+            </a:extLst>
+          </p:cNvPr>
+          <p:cNvSpPr/>
+          <p:nvPr/>
+        </p:nvSpPr>
+        <p:spPr>
+          <a:xfrm>
+            <a:off x="2408904" y="4110196"/>
+            <a:ext cx="452284" cy="430161"/>
+          </a:xfrm>
+          <a:prstGeom prst="flowChartConnector">
+            <a:avLst/>
+          </a:prstGeom>
+          <a:solidFill>
+            <a:schemeClr val="accent1">
+              <a:lumMod val="20000"/>
+              <a:lumOff val="80000"/>
+            </a:schemeClr>
+          </a:solidFill>
+        </p:spPr>
+        <p:style>
+          <a:lnRef idx="2">
+            <a:schemeClr val="accent1">
+              <a:shade val="50000"/>
+            </a:schemeClr>
+          </a:lnRef>
+          <a:fillRef idx="1">
+            <a:schemeClr val="accent1"/>
+          </a:fillRef>
+          <a:effectRef idx="0">
+            <a:schemeClr val="accent1"/>
+          </a:effectRef>
+          <a:fontRef idx="minor">
+            <a:schemeClr val="lt1"/>
+          </a:fontRef>
+        </p:style>
+        <p:txBody>
+          <a:bodyPr rtlCol="0" anchor="ctr"/>
+          <a:lstStyle/>
+          <a:p>
+            <a:pPr algn="ctr"/>
+            <a:r>
+              <a:rPr lang="en-US" dirty="0">
+                <a:solidFill>
+                  <a:schemeClr val="tx1"/>
+                </a:solidFill>
+              </a:rPr>
+              <a:t>3</a:t>
+            </a:r>
+          </a:p>
+        </p:txBody>
+      </p:sp>
+      <p:sp>
+        <p:nvSpPr>
+          <p:cNvPr id="5" name="流程图: 接点 4">
+            <a:extLst>
+              <a:ext uri="{FF2B5EF4-FFF2-40B4-BE49-F238E27FC236}">
+                <a16:creationId xmlns:a16="http://schemas.microsoft.com/office/drawing/2014/main" id="{4619440F-D2F2-4D43-BBA3-604B71C411E5}"/>
+              </a:ext>
+            </a:extLst>
+          </p:cNvPr>
+          <p:cNvSpPr/>
+          <p:nvPr/>
+        </p:nvSpPr>
+        <p:spPr>
+          <a:xfrm>
+            <a:off x="3369871" y="4219577"/>
+            <a:ext cx="452284" cy="430161"/>
+          </a:xfrm>
+          <a:prstGeom prst="flowChartConnector">
+            <a:avLst/>
+          </a:prstGeom>
+          <a:solidFill>
+            <a:schemeClr val="accent1">
+              <a:lumMod val="20000"/>
+              <a:lumOff val="80000"/>
+            </a:schemeClr>
+          </a:solidFill>
+        </p:spPr>
+        <p:style>
+          <a:lnRef idx="2">
+            <a:schemeClr val="accent1">
+              <a:shade val="50000"/>
+            </a:schemeClr>
+          </a:lnRef>
+          <a:fillRef idx="1">
+            <a:schemeClr val="accent1"/>
+          </a:fillRef>
+          <a:effectRef idx="0">
+            <a:schemeClr val="accent1"/>
+          </a:effectRef>
+          <a:fontRef idx="minor">
+            <a:schemeClr val="lt1"/>
+          </a:fontRef>
+        </p:style>
+        <p:txBody>
+          <a:bodyPr rtlCol="0" anchor="ctr"/>
+          <a:lstStyle/>
+          <a:p>
+            <a:pPr algn="ctr"/>
+            <a:r>
+              <a:rPr lang="en-US" dirty="0">
+                <a:solidFill>
+                  <a:schemeClr val="tx1"/>
+                </a:solidFill>
+              </a:rPr>
+              <a:t>4</a:t>
+            </a:r>
+          </a:p>
+        </p:txBody>
+      </p:sp>
+      <p:sp>
+        <p:nvSpPr>
+          <p:cNvPr id="6" name="流程图: 接点 5">
+            <a:extLst>
+              <a:ext uri="{FF2B5EF4-FFF2-40B4-BE49-F238E27FC236}">
+                <a16:creationId xmlns:a16="http://schemas.microsoft.com/office/drawing/2014/main" id="{D99D7F7F-392B-4BBD-A1A9-B237C80FA6E3}"/>
+              </a:ext>
+            </a:extLst>
+          </p:cNvPr>
+          <p:cNvSpPr/>
+          <p:nvPr/>
+        </p:nvSpPr>
+        <p:spPr>
+          <a:xfrm>
+            <a:off x="3376084" y="3168128"/>
+            <a:ext cx="452284" cy="430161"/>
+          </a:xfrm>
+          <a:prstGeom prst="flowChartConnector">
+            <a:avLst/>
+          </a:prstGeom>
+          <a:solidFill>
+            <a:schemeClr val="accent1">
+              <a:lumMod val="20000"/>
+              <a:lumOff val="80000"/>
+            </a:schemeClr>
+          </a:solidFill>
+        </p:spPr>
+        <p:style>
+          <a:lnRef idx="2">
+            <a:schemeClr val="accent1">
+              <a:shade val="50000"/>
+            </a:schemeClr>
+          </a:lnRef>
+          <a:fillRef idx="1">
+            <a:schemeClr val="accent1"/>
+          </a:fillRef>
+          <a:effectRef idx="0">
+            <a:schemeClr val="accent1"/>
+          </a:effectRef>
+          <a:fontRef idx="minor">
+            <a:schemeClr val="lt1"/>
+          </a:fontRef>
+        </p:style>
+        <p:txBody>
+          <a:bodyPr rtlCol="0" anchor="ctr"/>
+          <a:lstStyle/>
+          <a:p>
+            <a:pPr algn="ctr"/>
+            <a:r>
+              <a:rPr lang="en-US" dirty="0">
+                <a:solidFill>
+                  <a:schemeClr val="tx1"/>
+                </a:solidFill>
+              </a:rPr>
+              <a:t>2</a:t>
+            </a:r>
+          </a:p>
+        </p:txBody>
+      </p:sp>
+      <p:sp>
+        <p:nvSpPr>
+          <p:cNvPr id="7" name="流程图: 接点 6">
+            <a:extLst>
+              <a:ext uri="{FF2B5EF4-FFF2-40B4-BE49-F238E27FC236}">
+                <a16:creationId xmlns:a16="http://schemas.microsoft.com/office/drawing/2014/main" id="{FDBBF2F0-7A3C-4964-9E5D-C18B4A9033B5}"/>
+              </a:ext>
+            </a:extLst>
+          </p:cNvPr>
+          <p:cNvSpPr/>
+          <p:nvPr/>
+        </p:nvSpPr>
+        <p:spPr>
+          <a:xfrm>
+            <a:off x="1759977" y="3639162"/>
+            <a:ext cx="452284" cy="430161"/>
+          </a:xfrm>
+          <a:prstGeom prst="flowChartConnector">
+            <a:avLst/>
+          </a:prstGeom>
+          <a:solidFill>
+            <a:schemeClr val="accent1">
+              <a:lumMod val="20000"/>
+              <a:lumOff val="80000"/>
+            </a:schemeClr>
+          </a:solidFill>
+        </p:spPr>
+        <p:style>
+          <a:lnRef idx="2">
+            <a:schemeClr val="accent1">
+              <a:shade val="50000"/>
+            </a:schemeClr>
+          </a:lnRef>
+          <a:fillRef idx="1">
+            <a:schemeClr val="accent1"/>
+          </a:fillRef>
+          <a:effectRef idx="0">
+            <a:schemeClr val="accent1"/>
+          </a:effectRef>
+          <a:fontRef idx="minor">
+            <a:schemeClr val="lt1"/>
+          </a:fontRef>
+        </p:style>
+        <p:txBody>
+          <a:bodyPr rtlCol="0" anchor="ctr"/>
+          <a:lstStyle/>
+          <a:p>
+            <a:pPr algn="ctr"/>
+            <a:r>
+              <a:rPr lang="en-US" dirty="0">
+                <a:solidFill>
+                  <a:schemeClr val="tx1"/>
+                </a:solidFill>
+              </a:rPr>
+              <a:t>5</a:t>
+            </a:r>
+          </a:p>
+        </p:txBody>
+      </p:sp>
+      <p:cxnSp>
+        <p:nvCxnSpPr>
+          <p:cNvPr id="9" name="直接连接符 8">
+            <a:extLst>
+              <a:ext uri="{FF2B5EF4-FFF2-40B4-BE49-F238E27FC236}">
+                <a16:creationId xmlns:a16="http://schemas.microsoft.com/office/drawing/2014/main" id="{7899AF91-2654-480F-A9CC-0820FA866DDA}"/>
+              </a:ext>
+            </a:extLst>
+          </p:cNvPr>
+          <p:cNvCxnSpPr>
+            <a:stCxn id="3" idx="6"/>
+            <a:endCxn id="6" idx="2"/>
+          </p:cNvCxnSpPr>
+          <p:nvPr/>
+        </p:nvCxnSpPr>
+        <p:spPr>
+          <a:xfrm flipV="1">
+            <a:off x="2857569" y="3383209"/>
+            <a:ext cx="518515" cy="1"/>
+          </a:xfrm>
+          <a:prstGeom prst="line">
+            <a:avLst/>
+          </a:prstGeom>
+        </p:spPr>
+        <p:style>
+          <a:lnRef idx="1">
+            <a:schemeClr val="accent1"/>
+          </a:lnRef>
+          <a:fillRef idx="0">
+            <a:schemeClr val="accent1"/>
+          </a:fillRef>
+          <a:effectRef idx="0">
+            <a:schemeClr val="accent1"/>
+          </a:effectRef>
+          <a:fontRef idx="minor">
+            <a:schemeClr val="tx1"/>
+          </a:fontRef>
+        </p:style>
+      </p:cxnSp>
+      <p:cxnSp>
+        <p:nvCxnSpPr>
+          <p:cNvPr id="10" name="直接连接符 9">
+            <a:extLst>
+              <a:ext uri="{FF2B5EF4-FFF2-40B4-BE49-F238E27FC236}">
+                <a16:creationId xmlns:a16="http://schemas.microsoft.com/office/drawing/2014/main" id="{15925AF0-171E-423D-84F3-5B8CF9A46CCD}"/>
+              </a:ext>
+            </a:extLst>
+          </p:cNvPr>
+          <p:cNvCxnSpPr>
+            <a:cxnSpLocks/>
+            <a:stCxn id="3" idx="4"/>
+            <a:endCxn id="4" idx="0"/>
+          </p:cNvCxnSpPr>
+          <p:nvPr/>
+        </p:nvCxnSpPr>
+        <p:spPr>
+          <a:xfrm>
+            <a:off x="2631427" y="3598290"/>
+            <a:ext cx="3619" cy="511906"/>
+          </a:xfrm>
+          <a:prstGeom prst="line">
+            <a:avLst/>
+          </a:prstGeom>
+        </p:spPr>
+        <p:style>
+          <a:lnRef idx="1">
+            <a:schemeClr val="accent1"/>
+          </a:lnRef>
+          <a:fillRef idx="0">
+            <a:schemeClr val="accent1"/>
+          </a:fillRef>
+          <a:effectRef idx="0">
+            <a:schemeClr val="accent1"/>
+          </a:effectRef>
+          <a:fontRef idx="minor">
+            <a:schemeClr val="tx1"/>
+          </a:fontRef>
+        </p:style>
+      </p:cxnSp>
+      <p:cxnSp>
+        <p:nvCxnSpPr>
+          <p:cNvPr id="13" name="直接连接符 12">
+            <a:extLst>
+              <a:ext uri="{FF2B5EF4-FFF2-40B4-BE49-F238E27FC236}">
+                <a16:creationId xmlns:a16="http://schemas.microsoft.com/office/drawing/2014/main" id="{14A6035E-C2AA-4C0C-A8AB-FFB86D182362}"/>
+              </a:ext>
+            </a:extLst>
+          </p:cNvPr>
+          <p:cNvCxnSpPr>
+            <a:cxnSpLocks/>
+            <a:stCxn id="3" idx="5"/>
+            <a:endCxn id="5" idx="1"/>
+          </p:cNvCxnSpPr>
+          <p:nvPr/>
+        </p:nvCxnSpPr>
+        <p:spPr>
+          <a:xfrm>
+            <a:off x="2791334" y="3535294"/>
+            <a:ext cx="644772" cy="747279"/>
+          </a:xfrm>
+          <a:prstGeom prst="line">
+            <a:avLst/>
+          </a:prstGeom>
+        </p:spPr>
+        <p:style>
+          <a:lnRef idx="1">
+            <a:schemeClr val="accent1"/>
+          </a:lnRef>
+          <a:fillRef idx="0">
+            <a:schemeClr val="accent1"/>
+          </a:fillRef>
+          <a:effectRef idx="0">
+            <a:schemeClr val="accent1"/>
+          </a:effectRef>
+          <a:fontRef idx="minor">
+            <a:schemeClr val="tx1"/>
+          </a:fontRef>
+        </p:style>
+      </p:cxnSp>
+      <p:cxnSp>
+        <p:nvCxnSpPr>
+          <p:cNvPr id="16" name="直接连接符 15">
+            <a:extLst>
+              <a:ext uri="{FF2B5EF4-FFF2-40B4-BE49-F238E27FC236}">
+                <a16:creationId xmlns:a16="http://schemas.microsoft.com/office/drawing/2014/main" id="{7D140535-F1A5-4040-A04B-C9D35D1E342C}"/>
+              </a:ext>
+            </a:extLst>
+          </p:cNvPr>
+          <p:cNvCxnSpPr>
+            <a:cxnSpLocks/>
+            <a:stCxn id="6" idx="5"/>
+            <a:endCxn id="2" idx="1"/>
+          </p:cNvCxnSpPr>
+          <p:nvPr/>
+        </p:nvCxnSpPr>
+        <p:spPr>
+          <a:xfrm>
+            <a:off x="3762133" y="3535293"/>
+            <a:ext cx="263873" cy="350921"/>
+          </a:xfrm>
+          <a:prstGeom prst="line">
+            <a:avLst/>
+          </a:prstGeom>
+        </p:spPr>
+        <p:style>
+          <a:lnRef idx="1">
+            <a:schemeClr val="accent1"/>
+          </a:lnRef>
+          <a:fillRef idx="0">
+            <a:schemeClr val="accent1"/>
+          </a:fillRef>
+          <a:effectRef idx="0">
+            <a:schemeClr val="accent1"/>
+          </a:effectRef>
+          <a:fontRef idx="minor">
+            <a:schemeClr val="tx1"/>
+          </a:fontRef>
+        </p:style>
+      </p:cxnSp>
+      <p:cxnSp>
+        <p:nvCxnSpPr>
+          <p:cNvPr id="37" name="直接连接符 36">
+            <a:extLst>
+              <a:ext uri="{FF2B5EF4-FFF2-40B4-BE49-F238E27FC236}">
+                <a16:creationId xmlns:a16="http://schemas.microsoft.com/office/drawing/2014/main" id="{4453819F-9997-41D7-9DD1-52539D9CCF02}"/>
+              </a:ext>
+            </a:extLst>
+          </p:cNvPr>
+          <p:cNvCxnSpPr>
+            <a:cxnSpLocks/>
+            <a:stCxn id="6" idx="4"/>
+            <a:endCxn id="5" idx="0"/>
+          </p:cNvCxnSpPr>
+          <p:nvPr/>
+        </p:nvCxnSpPr>
+        <p:spPr>
+          <a:xfrm flipH="1">
+            <a:off x="3596013" y="3598289"/>
+            <a:ext cx="6213" cy="621288"/>
+          </a:xfrm>
+          <a:prstGeom prst="line">
+            <a:avLst/>
+          </a:prstGeom>
+        </p:spPr>
+        <p:style>
+          <a:lnRef idx="1">
+            <a:schemeClr val="accent1"/>
+          </a:lnRef>
+          <a:fillRef idx="0">
+            <a:schemeClr val="accent1"/>
+          </a:fillRef>
+          <a:effectRef idx="0">
+            <a:schemeClr val="accent1"/>
+          </a:effectRef>
+          <a:fontRef idx="minor">
+            <a:schemeClr val="tx1"/>
+          </a:fontRef>
+        </p:style>
+      </p:cxnSp>
+      <p:sp>
+        <p:nvSpPr>
+          <p:cNvPr id="41" name="python-file-symbol_28884">
+            <a:extLst>
+              <a:ext uri="{FF2B5EF4-FFF2-40B4-BE49-F238E27FC236}">
+                <a16:creationId xmlns:a16="http://schemas.microsoft.com/office/drawing/2014/main" id="{D6A2C5B8-6723-47F2-A049-6E79FE7E6A62}"/>
+              </a:ext>
+            </a:extLst>
+          </p:cNvPr>
+          <p:cNvSpPr/>
+          <p:nvPr/>
+        </p:nvSpPr>
+        <p:spPr>
+          <a:xfrm>
+            <a:off x="574885" y="4018892"/>
+            <a:ext cx="443053" cy="609685"/>
+          </a:xfrm>
+          <a:custGeom>
+            <a:avLst/>
+            <a:gdLst>
+              <a:gd name="connsiteX0" fmla="*/ 153811 w 441669"/>
+              <a:gd name="connsiteY0" fmla="*/ 456276 h 607780"/>
+              <a:gd name="connsiteX1" fmla="*/ 177895 w 441669"/>
+              <a:gd name="connsiteY1" fmla="*/ 476252 h 607780"/>
+              <a:gd name="connsiteX2" fmla="*/ 151394 w 441669"/>
+              <a:gd name="connsiteY2" fmla="*/ 498474 h 607780"/>
+              <a:gd name="connsiteX3" fmla="*/ 141060 w 441669"/>
+              <a:gd name="connsiteY3" fmla="*/ 497642 h 607780"/>
+              <a:gd name="connsiteX4" fmla="*/ 141060 w 441669"/>
+              <a:gd name="connsiteY4" fmla="*/ 457441 h 607780"/>
+              <a:gd name="connsiteX5" fmla="*/ 153811 w 441669"/>
+              <a:gd name="connsiteY5" fmla="*/ 456276 h 607780"/>
+              <a:gd name="connsiteX6" fmla="*/ 212507 w 441669"/>
+              <a:gd name="connsiteY6" fmla="*/ 434117 h 607780"/>
+              <a:gd name="connsiteX7" fmla="*/ 255558 w 441669"/>
+              <a:gd name="connsiteY7" fmla="*/ 514423 h 607780"/>
+              <a:gd name="connsiteX8" fmla="*/ 255558 w 441669"/>
+              <a:gd name="connsiteY8" fmla="*/ 570121 h 607780"/>
+              <a:gd name="connsiteX9" fmla="*/ 286285 w 441669"/>
+              <a:gd name="connsiteY9" fmla="*/ 570121 h 607780"/>
+              <a:gd name="connsiteX10" fmla="*/ 286285 w 441669"/>
+              <a:gd name="connsiteY10" fmla="*/ 513425 h 607780"/>
+              <a:gd name="connsiteX11" fmla="*/ 331168 w 441669"/>
+              <a:gd name="connsiteY11" fmla="*/ 434117 h 607780"/>
+              <a:gd name="connsiteX12" fmla="*/ 296611 w 441669"/>
+              <a:gd name="connsiteY12" fmla="*/ 434117 h 607780"/>
+              <a:gd name="connsiteX13" fmla="*/ 282871 w 441669"/>
+              <a:gd name="connsiteY13" fmla="*/ 466788 h 607780"/>
+              <a:gd name="connsiteX14" fmla="*/ 272546 w 441669"/>
+              <a:gd name="connsiteY14" fmla="*/ 492808 h 607780"/>
+              <a:gd name="connsiteX15" fmla="*/ 272129 w 441669"/>
+              <a:gd name="connsiteY15" fmla="*/ 492808 h 607780"/>
+              <a:gd name="connsiteX16" fmla="*/ 261637 w 441669"/>
+              <a:gd name="connsiteY16" fmla="*/ 466788 h 607780"/>
+              <a:gd name="connsiteX17" fmla="*/ 247648 w 441669"/>
+              <a:gd name="connsiteY17" fmla="*/ 434117 h 607780"/>
+              <a:gd name="connsiteX18" fmla="*/ 152219 w 441669"/>
+              <a:gd name="connsiteY18" fmla="*/ 433036 h 607780"/>
+              <a:gd name="connsiteX19" fmla="*/ 110584 w 441669"/>
+              <a:gd name="connsiteY19" fmla="*/ 435863 h 607780"/>
+              <a:gd name="connsiteX20" fmla="*/ 110584 w 441669"/>
+              <a:gd name="connsiteY20" fmla="*/ 570121 h 607780"/>
+              <a:gd name="connsiteX21" fmla="*/ 141061 w 441669"/>
+              <a:gd name="connsiteY21" fmla="*/ 570121 h 607780"/>
+              <a:gd name="connsiteX22" fmla="*/ 141061 w 441669"/>
+              <a:gd name="connsiteY22" fmla="*/ 521489 h 607780"/>
+              <a:gd name="connsiteX23" fmla="*/ 151636 w 441669"/>
+              <a:gd name="connsiteY23" fmla="*/ 522071 h 607780"/>
+              <a:gd name="connsiteX24" fmla="*/ 195853 w 441669"/>
+              <a:gd name="connsiteY24" fmla="*/ 507772 h 607780"/>
+              <a:gd name="connsiteX25" fmla="*/ 208427 w 441669"/>
+              <a:gd name="connsiteY25" fmla="*/ 475434 h 607780"/>
+              <a:gd name="connsiteX26" fmla="*/ 193855 w 441669"/>
+              <a:gd name="connsiteY26" fmla="*/ 443927 h 607780"/>
+              <a:gd name="connsiteX27" fmla="*/ 152219 w 441669"/>
+              <a:gd name="connsiteY27" fmla="*/ 433036 h 607780"/>
+              <a:gd name="connsiteX28" fmla="*/ 243888 w 441669"/>
+              <a:gd name="connsiteY28" fmla="*/ 314203 h 607780"/>
+              <a:gd name="connsiteX29" fmla="*/ 232564 w 441669"/>
+              <a:gd name="connsiteY29" fmla="*/ 325675 h 607780"/>
+              <a:gd name="connsiteX30" fmla="*/ 243888 w 441669"/>
+              <a:gd name="connsiteY30" fmla="*/ 336814 h 607780"/>
+              <a:gd name="connsiteX31" fmla="*/ 255212 w 441669"/>
+              <a:gd name="connsiteY31" fmla="*/ 325176 h 607780"/>
+              <a:gd name="connsiteX32" fmla="*/ 243888 w 441669"/>
+              <a:gd name="connsiteY32" fmla="*/ 314203 h 607780"/>
+              <a:gd name="connsiteX33" fmla="*/ 280524 w 441669"/>
+              <a:gd name="connsiteY33" fmla="*/ 180038 h 607780"/>
+              <a:gd name="connsiteX34" fmla="*/ 297509 w 441669"/>
+              <a:gd name="connsiteY34" fmla="*/ 180204 h 607780"/>
+              <a:gd name="connsiteX35" fmla="*/ 319491 w 441669"/>
+              <a:gd name="connsiteY35" fmla="*/ 194585 h 607780"/>
+              <a:gd name="connsiteX36" fmla="*/ 328400 w 441669"/>
+              <a:gd name="connsiteY36" fmla="*/ 230080 h 607780"/>
+              <a:gd name="connsiteX37" fmla="*/ 324736 w 441669"/>
+              <a:gd name="connsiteY37" fmla="*/ 264660 h 607780"/>
+              <a:gd name="connsiteX38" fmla="*/ 289350 w 441669"/>
+              <a:gd name="connsiteY38" fmla="*/ 292508 h 607780"/>
+              <a:gd name="connsiteX39" fmla="*/ 217244 w 441669"/>
+              <a:gd name="connsiteY39" fmla="*/ 292508 h 607780"/>
+              <a:gd name="connsiteX40" fmla="*/ 211332 w 441669"/>
+              <a:gd name="connsiteY40" fmla="*/ 296414 h 607780"/>
+              <a:gd name="connsiteX41" fmla="*/ 215828 w 441669"/>
+              <a:gd name="connsiteY41" fmla="*/ 301070 h 607780"/>
+              <a:gd name="connsiteX42" fmla="*/ 261873 w 441669"/>
+              <a:gd name="connsiteY42" fmla="*/ 300986 h 607780"/>
+              <a:gd name="connsiteX43" fmla="*/ 267951 w 441669"/>
+              <a:gd name="connsiteY43" fmla="*/ 306805 h 607780"/>
+              <a:gd name="connsiteX44" fmla="*/ 267618 w 441669"/>
+              <a:gd name="connsiteY44" fmla="*/ 326257 h 607780"/>
+              <a:gd name="connsiteX45" fmla="*/ 251881 w 441669"/>
+              <a:gd name="connsiteY45" fmla="*/ 347288 h 607780"/>
+              <a:gd name="connsiteX46" fmla="*/ 227485 w 441669"/>
+              <a:gd name="connsiteY46" fmla="*/ 351943 h 607780"/>
+              <a:gd name="connsiteX47" fmla="*/ 182690 w 441669"/>
+              <a:gd name="connsiteY47" fmla="*/ 350031 h 607780"/>
+              <a:gd name="connsiteX48" fmla="*/ 156878 w 441669"/>
+              <a:gd name="connsiteY48" fmla="*/ 328667 h 607780"/>
+              <a:gd name="connsiteX49" fmla="*/ 156046 w 441669"/>
+              <a:gd name="connsiteY49" fmla="*/ 322267 h 607780"/>
+              <a:gd name="connsiteX50" fmla="*/ 155962 w 441669"/>
+              <a:gd name="connsiteY50" fmla="*/ 294752 h 607780"/>
+              <a:gd name="connsiteX51" fmla="*/ 156046 w 441669"/>
+              <a:gd name="connsiteY51" fmla="*/ 267320 h 607780"/>
+              <a:gd name="connsiteX52" fmla="*/ 181441 w 441669"/>
+              <a:gd name="connsiteY52" fmla="*/ 240886 h 607780"/>
+              <a:gd name="connsiteX53" fmla="*/ 236977 w 441669"/>
+              <a:gd name="connsiteY53" fmla="*/ 240720 h 607780"/>
+              <a:gd name="connsiteX54" fmla="*/ 270699 w 441669"/>
+              <a:gd name="connsiteY54" fmla="*/ 223762 h 607780"/>
+              <a:gd name="connsiteX55" fmla="*/ 276361 w 441669"/>
+              <a:gd name="connsiteY55" fmla="*/ 205474 h 607780"/>
+              <a:gd name="connsiteX56" fmla="*/ 276277 w 441669"/>
+              <a:gd name="connsiteY56" fmla="*/ 184526 h 607780"/>
+              <a:gd name="connsiteX57" fmla="*/ 280524 w 441669"/>
+              <a:gd name="connsiteY57" fmla="*/ 180038 h 607780"/>
+              <a:gd name="connsiteX58" fmla="*/ 176887 w 441669"/>
+              <a:gd name="connsiteY58" fmla="*/ 133227 h 607780"/>
+              <a:gd name="connsiteX59" fmla="*/ 165647 w 441669"/>
+              <a:gd name="connsiteY59" fmla="*/ 144869 h 607780"/>
+              <a:gd name="connsiteX60" fmla="*/ 176887 w 441669"/>
+              <a:gd name="connsiteY60" fmla="*/ 155845 h 607780"/>
+              <a:gd name="connsiteX61" fmla="*/ 188210 w 441669"/>
+              <a:gd name="connsiteY61" fmla="*/ 144370 h 607780"/>
+              <a:gd name="connsiteX62" fmla="*/ 176887 w 441669"/>
+              <a:gd name="connsiteY62" fmla="*/ 133227 h 607780"/>
+              <a:gd name="connsiteX63" fmla="*/ 193289 w 441669"/>
+              <a:gd name="connsiteY63" fmla="*/ 118093 h 607780"/>
+              <a:gd name="connsiteX64" fmla="*/ 238164 w 441669"/>
+              <a:gd name="connsiteY64" fmla="*/ 120006 h 607780"/>
+              <a:gd name="connsiteX65" fmla="*/ 263974 w 441669"/>
+              <a:gd name="connsiteY65" fmla="*/ 141376 h 607780"/>
+              <a:gd name="connsiteX66" fmla="*/ 264806 w 441669"/>
+              <a:gd name="connsiteY66" fmla="*/ 147779 h 607780"/>
+              <a:gd name="connsiteX67" fmla="*/ 264806 w 441669"/>
+              <a:gd name="connsiteY67" fmla="*/ 175303 h 607780"/>
+              <a:gd name="connsiteX68" fmla="*/ 264806 w 441669"/>
+              <a:gd name="connsiteY68" fmla="*/ 202745 h 607780"/>
+              <a:gd name="connsiteX69" fmla="*/ 239413 w 441669"/>
+              <a:gd name="connsiteY69" fmla="*/ 229188 h 607780"/>
+              <a:gd name="connsiteX70" fmla="*/ 183797 w 441669"/>
+              <a:gd name="connsiteY70" fmla="*/ 229354 h 607780"/>
+              <a:gd name="connsiteX71" fmla="*/ 150078 w 441669"/>
+              <a:gd name="connsiteY71" fmla="*/ 246318 h 607780"/>
+              <a:gd name="connsiteX72" fmla="*/ 144500 w 441669"/>
+              <a:gd name="connsiteY72" fmla="*/ 264612 h 607780"/>
+              <a:gd name="connsiteX73" fmla="*/ 144583 w 441669"/>
+              <a:gd name="connsiteY73" fmla="*/ 285650 h 607780"/>
+              <a:gd name="connsiteX74" fmla="*/ 140337 w 441669"/>
+              <a:gd name="connsiteY74" fmla="*/ 290057 h 607780"/>
+              <a:gd name="connsiteX75" fmla="*/ 123269 w 441669"/>
+              <a:gd name="connsiteY75" fmla="*/ 289974 h 607780"/>
+              <a:gd name="connsiteX76" fmla="*/ 101373 w 441669"/>
+              <a:gd name="connsiteY76" fmla="*/ 275505 h 607780"/>
+              <a:gd name="connsiteX77" fmla="*/ 92381 w 441669"/>
+              <a:gd name="connsiteY77" fmla="*/ 239998 h 607780"/>
+              <a:gd name="connsiteX78" fmla="*/ 96128 w 441669"/>
+              <a:gd name="connsiteY78" fmla="*/ 205406 h 607780"/>
+              <a:gd name="connsiteX79" fmla="*/ 131512 w 441669"/>
+              <a:gd name="connsiteY79" fmla="*/ 177549 h 607780"/>
+              <a:gd name="connsiteX80" fmla="*/ 203613 w 441669"/>
+              <a:gd name="connsiteY80" fmla="*/ 177549 h 607780"/>
+              <a:gd name="connsiteX81" fmla="*/ 209441 w 441669"/>
+              <a:gd name="connsiteY81" fmla="*/ 173640 h 607780"/>
+              <a:gd name="connsiteX82" fmla="*/ 204945 w 441669"/>
+              <a:gd name="connsiteY82" fmla="*/ 168984 h 607780"/>
+              <a:gd name="connsiteX83" fmla="*/ 158903 w 441669"/>
+              <a:gd name="connsiteY83" fmla="*/ 169150 h 607780"/>
+              <a:gd name="connsiteX84" fmla="*/ 152826 w 441669"/>
+              <a:gd name="connsiteY84" fmla="*/ 163246 h 607780"/>
+              <a:gd name="connsiteX85" fmla="*/ 153242 w 441669"/>
+              <a:gd name="connsiteY85" fmla="*/ 143788 h 607780"/>
+              <a:gd name="connsiteX86" fmla="*/ 168894 w 441669"/>
+              <a:gd name="connsiteY86" fmla="*/ 122750 h 607780"/>
+              <a:gd name="connsiteX87" fmla="*/ 193289 w 441669"/>
+              <a:gd name="connsiteY87" fmla="*/ 118093 h 607780"/>
+              <a:gd name="connsiteX88" fmla="*/ 23899 w 441669"/>
+              <a:gd name="connsiteY88" fmla="*/ 23859 h 607780"/>
+              <a:gd name="connsiteX89" fmla="*/ 23899 w 441669"/>
+              <a:gd name="connsiteY89" fmla="*/ 404688 h 607780"/>
+              <a:gd name="connsiteX90" fmla="*/ 417853 w 441669"/>
+              <a:gd name="connsiteY90" fmla="*/ 404688 h 607780"/>
+              <a:gd name="connsiteX91" fmla="*/ 417770 w 441669"/>
+              <a:gd name="connsiteY91" fmla="*/ 157702 h 607780"/>
+              <a:gd name="connsiteX92" fmla="*/ 312349 w 441669"/>
+              <a:gd name="connsiteY92" fmla="*/ 157702 h 607780"/>
+              <a:gd name="connsiteX93" fmla="*/ 300441 w 441669"/>
+              <a:gd name="connsiteY93" fmla="*/ 145814 h 607780"/>
+              <a:gd name="connsiteX94" fmla="*/ 300441 w 441669"/>
+              <a:gd name="connsiteY94" fmla="*/ 23859 h 607780"/>
+              <a:gd name="connsiteX95" fmla="*/ 23899 w 441669"/>
+              <a:gd name="connsiteY95" fmla="*/ 0 h 607780"/>
+              <a:gd name="connsiteX96" fmla="*/ 312349 w 441669"/>
+              <a:gd name="connsiteY96" fmla="*/ 0 h 607780"/>
+              <a:gd name="connsiteX97" fmla="*/ 315097 w 441669"/>
+              <a:gd name="connsiteY97" fmla="*/ 332 h 607780"/>
+              <a:gd name="connsiteX98" fmla="*/ 315763 w 441669"/>
+              <a:gd name="connsiteY98" fmla="*/ 582 h 607780"/>
+              <a:gd name="connsiteX99" fmla="*/ 318095 w 441669"/>
+              <a:gd name="connsiteY99" fmla="*/ 1496 h 607780"/>
+              <a:gd name="connsiteX100" fmla="*/ 318928 w 441669"/>
+              <a:gd name="connsiteY100" fmla="*/ 1995 h 607780"/>
+              <a:gd name="connsiteX101" fmla="*/ 321259 w 441669"/>
+              <a:gd name="connsiteY101" fmla="*/ 3990 h 607780"/>
+              <a:gd name="connsiteX102" fmla="*/ 321343 w 441669"/>
+              <a:gd name="connsiteY102" fmla="*/ 4073 h 607780"/>
+              <a:gd name="connsiteX103" fmla="*/ 438755 w 441669"/>
+              <a:gd name="connsiteY103" fmla="*/ 137916 h 607780"/>
+              <a:gd name="connsiteX104" fmla="*/ 441586 w 441669"/>
+              <a:gd name="connsiteY104" fmla="*/ 145647 h 607780"/>
+              <a:gd name="connsiteX105" fmla="*/ 441669 w 441669"/>
+              <a:gd name="connsiteY105" fmla="*/ 146978 h 607780"/>
+              <a:gd name="connsiteX106" fmla="*/ 441669 w 441669"/>
+              <a:gd name="connsiteY106" fmla="*/ 583921 h 607780"/>
+              <a:gd name="connsiteX107" fmla="*/ 417770 w 441669"/>
+              <a:gd name="connsiteY107" fmla="*/ 607780 h 607780"/>
+              <a:gd name="connsiteX108" fmla="*/ 23899 w 441669"/>
+              <a:gd name="connsiteY108" fmla="*/ 607780 h 607780"/>
+              <a:gd name="connsiteX109" fmla="*/ 0 w 441669"/>
+              <a:gd name="connsiteY109" fmla="*/ 583921 h 607780"/>
+              <a:gd name="connsiteX110" fmla="*/ 0 w 441669"/>
+              <a:gd name="connsiteY110" fmla="*/ 23859 h 607780"/>
+              <a:gd name="connsiteX111" fmla="*/ 23899 w 441669"/>
+              <a:gd name="connsiteY111" fmla="*/ 0 h 607780"/>
+            </a:gdLst>
+            <a:ahLst/>
+            <a:cxnLst>
+              <a:cxn ang="0">
+                <a:pos x="connsiteX0" y="connsiteY0"/>
+              </a:cxn>
+              <a:cxn ang="0">
+                <a:pos x="connsiteX1" y="connsiteY1"/>
+              </a:cxn>
+              <a:cxn ang="0">
+                <a:pos x="connsiteX2" y="connsiteY2"/>
+              </a:cxn>
+              <a:cxn ang="0">
+                <a:pos x="connsiteX3" y="connsiteY3"/>
+              </a:cxn>
+              <a:cxn ang="0">
+                <a:pos x="connsiteX4" y="connsiteY4"/>
+              </a:cxn>
+              <a:cxn ang="0">
+                <a:pos x="connsiteX5" y="connsiteY5"/>
+              </a:cxn>
+              <a:cxn ang="0">
+                <a:pos x="connsiteX6" y="connsiteY6"/>
+              </a:cxn>
+              <a:cxn ang="0">
+                <a:pos x="connsiteX7" y="connsiteY7"/>
+              </a:cxn>
+              <a:cxn ang="0">
+                <a:pos x="connsiteX8" y="connsiteY8"/>
+              </a:cxn>
+              <a:cxn ang="0">
+                <a:pos x="connsiteX9" y="connsiteY9"/>
+              </a:cxn>
+              <a:cxn ang="0">
+                <a:pos x="connsiteX10" y="connsiteY10"/>
+              </a:cxn>
+              <a:cxn ang="0">
+                <a:pos x="connsiteX11" y="connsiteY11"/>
+              </a:cxn>
+              <a:cxn ang="0">
+                <a:pos x="connsiteX12" y="connsiteY12"/>
+              </a:cxn>
+              <a:cxn ang="0">
+                <a:pos x="connsiteX13" y="connsiteY13"/>
+              </a:cxn>
+              <a:cxn ang="0">
+                <a:pos x="connsiteX14" y="connsiteY14"/>
+              </a:cxn>
+              <a:cxn ang="0">
+                <a:pos x="connsiteX15" y="connsiteY15"/>
+              </a:cxn>
+              <a:cxn ang="0">
+                <a:pos x="connsiteX16" y="connsiteY16"/>
+              </a:cxn>
+              <a:cxn ang="0">
+                <a:pos x="connsiteX17" y="connsiteY17"/>
+              </a:cxn>
+              <a:cxn ang="0">
+                <a:pos x="connsiteX18" y="connsiteY18"/>
+              </a:cxn>
+              <a:cxn ang="0">
+                <a:pos x="connsiteX19" y="connsiteY19"/>
+              </a:cxn>
+              <a:cxn ang="0">
+                <a:pos x="connsiteX20" y="connsiteY20"/>
+              </a:cxn>
+              <a:cxn ang="0">
+                <a:pos x="connsiteX21" y="connsiteY21"/>
+              </a:cxn>
+              <a:cxn ang="0">
+                <a:pos x="connsiteX22" y="connsiteY22"/>
+              </a:cxn>
+              <a:cxn ang="0">
+                <a:pos x="connsiteX23" y="connsiteY23"/>
+              </a:cxn>
+              <a:cxn ang="0">
+                <a:pos x="connsiteX24" y="connsiteY24"/>
+              </a:cxn>
+              <a:cxn ang="0">
+                <a:pos x="connsiteX25" y="connsiteY25"/>
+              </a:cxn>
+              <a:cxn ang="0">
+                <a:pos x="connsiteX26" y="connsiteY26"/>
+              </a:cxn>
+              <a:cxn ang="0">
+                <a:pos x="connsiteX27" y="connsiteY27"/>
+              </a:cxn>
+              <a:cxn ang="0">
+                <a:pos x="connsiteX28" y="connsiteY28"/>
+              </a:cxn>
+              <a:cxn ang="0">
+                <a:pos x="connsiteX29" y="connsiteY29"/>
+              </a:cxn>
+              <a:cxn ang="0">
+                <a:pos x="connsiteX30" y="connsiteY30"/>
+              </a:cxn>
+              <a:cxn ang="0">
+                <a:pos x="connsiteX31" y="connsiteY31"/>
+              </a:cxn>
+              <a:cxn ang="0">
+                <a:pos x="connsiteX32" y="connsiteY32"/>
+              </a:cxn>
+              <a:cxn ang="0">
+                <a:pos x="connsiteX33" y="connsiteY33"/>
+              </a:cxn>
+              <a:cxn ang="0">
+                <a:pos x="connsiteX34" y="connsiteY34"/>
+              </a:cxn>
+              <a:cxn ang="0">
+                <a:pos x="connsiteX35" y="connsiteY35"/>
+              </a:cxn>
+              <a:cxn ang="0">
+                <a:pos x="connsiteX36" y="connsiteY36"/>
+              </a:cxn>
+              <a:cxn ang="0">
+                <a:pos x="connsiteX37" y="connsiteY37"/>
+              </a:cxn>
+              <a:cxn ang="0">
+                <a:pos x="connsiteX38" y="connsiteY38"/>
+              </a:cxn>
+              <a:cxn ang="0">
+                <a:pos x="connsiteX39" y="connsiteY39"/>
+              </a:cxn>
+              <a:cxn ang="0">
+                <a:pos x="connsiteX40" y="connsiteY40"/>
+              </a:cxn>
+              <a:cxn ang="0">
+                <a:pos x="connsiteX41" y="connsiteY41"/>
+              </a:cxn>
+              <a:cxn ang="0">
+                <a:pos x="connsiteX42" y="connsiteY42"/>
+              </a:cxn>
+              <a:cxn ang="0">
+                <a:pos x="connsiteX43" y="connsiteY43"/>
+              </a:cxn>
+              <a:cxn ang="0">
+                <a:pos x="connsiteX44" y="connsiteY44"/>
+              </a:cxn>
+              <a:cxn ang="0">
+                <a:pos x="connsiteX45" y="connsiteY45"/>
+              </a:cxn>
+              <a:cxn ang="0">
+                <a:pos x="connsiteX46" y="connsiteY46"/>
+              </a:cxn>
+              <a:cxn ang="0">
+                <a:pos x="connsiteX47" y="connsiteY47"/>
+              </a:cxn>
+              <a:cxn ang="0">
+                <a:pos x="connsiteX48" y="connsiteY48"/>
+              </a:cxn>
+              <a:cxn ang="0">
+                <a:pos x="connsiteX49" y="connsiteY49"/>
+              </a:cxn>
+              <a:cxn ang="0">
+                <a:pos x="connsiteX50" y="connsiteY50"/>
+              </a:cxn>
+              <a:cxn ang="0">
+                <a:pos x="connsiteX51" y="connsiteY51"/>
+              </a:cxn>
+              <a:cxn ang="0">
+                <a:pos x="connsiteX52" y="connsiteY52"/>
+              </a:cxn>
+              <a:cxn ang="0">
+                <a:pos x="connsiteX53" y="connsiteY53"/>
+              </a:cxn>
+              <a:cxn ang="0">
+                <a:pos x="connsiteX54" y="connsiteY54"/>
+              </a:cxn>
+              <a:cxn ang="0">
+                <a:pos x="connsiteX55" y="connsiteY55"/>
+              </a:cxn>
+              <a:cxn ang="0">
+                <a:pos x="connsiteX56" y="connsiteY56"/>
+              </a:cxn>
+              <a:cxn ang="0">
+                <a:pos x="connsiteX57" y="connsiteY57"/>
+              </a:cxn>
+              <a:cxn ang="0">
+                <a:pos x="connsiteX58" y="connsiteY58"/>
+              </a:cxn>
+              <a:cxn ang="0">
+                <a:pos x="connsiteX59" y="connsiteY59"/>
+              </a:cxn>
+              <a:cxn ang="0">
+                <a:pos x="connsiteX60" y="connsiteY60"/>
+              </a:cxn>
+              <a:cxn ang="0">
+                <a:pos x="connsiteX61" y="connsiteY61"/>
+              </a:cxn>
+              <a:cxn ang="0">
+                <a:pos x="connsiteX62" y="connsiteY62"/>
+              </a:cxn>
+              <a:cxn ang="0">
+                <a:pos x="connsiteX63" y="connsiteY63"/>
+              </a:cxn>
+              <a:cxn ang="0">
+                <a:pos x="connsiteX64" y="connsiteY64"/>
+              </a:cxn>
+              <a:cxn ang="0">
+                <a:pos x="connsiteX65" y="connsiteY65"/>
+              </a:cxn>
+              <a:cxn ang="0">
+                <a:pos x="connsiteX66" y="connsiteY66"/>
+              </a:cxn>
+              <a:cxn ang="0">
+                <a:pos x="connsiteX67" y="connsiteY67"/>
+              </a:cxn>
+              <a:cxn ang="0">
+                <a:pos x="connsiteX68" y="connsiteY68"/>
+              </a:cxn>
+              <a:cxn ang="0">
+                <a:pos x="connsiteX69" y="connsiteY69"/>
+              </a:cxn>
+              <a:cxn ang="0">
+                <a:pos x="connsiteX70" y="connsiteY70"/>
+              </a:cxn>
+              <a:cxn ang="0">
+                <a:pos x="connsiteX71" y="connsiteY71"/>
+              </a:cxn>
+              <a:cxn ang="0">
+                <a:pos x="connsiteX72" y="connsiteY72"/>
+              </a:cxn>
+              <a:cxn ang="0">
+                <a:pos x="connsiteX73" y="connsiteY73"/>
+              </a:cxn>
+              <a:cxn ang="0">
+                <a:pos x="connsiteX74" y="connsiteY74"/>
+              </a:cxn>
+              <a:cxn ang="0">
+                <a:pos x="connsiteX75" y="connsiteY75"/>
+              </a:cxn>
+              <a:cxn ang="0">
+                <a:pos x="connsiteX76" y="connsiteY76"/>
+              </a:cxn>
+              <a:cxn ang="0">
+                <a:pos x="connsiteX77" y="connsiteY77"/>
+              </a:cxn>
+              <a:cxn ang="0">
+                <a:pos x="connsiteX78" y="connsiteY78"/>
+              </a:cxn>
+              <a:cxn ang="0">
+                <a:pos x="connsiteX79" y="connsiteY79"/>
+              </a:cxn>
+              <a:cxn ang="0">
+                <a:pos x="connsiteX80" y="connsiteY80"/>
+              </a:cxn>
+              <a:cxn ang="0">
+                <a:pos x="connsiteX81" y="connsiteY81"/>
+              </a:cxn>
+              <a:cxn ang="0">
+                <a:pos x="connsiteX82" y="connsiteY82"/>
+              </a:cxn>
+              <a:cxn ang="0">
+                <a:pos x="connsiteX83" y="connsiteY83"/>
+              </a:cxn>
+              <a:cxn ang="0">
+                <a:pos x="connsiteX84" y="connsiteY84"/>
+              </a:cxn>
+              <a:cxn ang="0">
+                <a:pos x="connsiteX85" y="connsiteY85"/>
+              </a:cxn>
+              <a:cxn ang="0">
+                <a:pos x="connsiteX86" y="connsiteY86"/>
+              </a:cxn>
+              <a:cxn ang="0">
+                <a:pos x="connsiteX87" y="connsiteY87"/>
+              </a:cxn>
+              <a:cxn ang="0">
+                <a:pos x="connsiteX88" y="connsiteY88"/>
+              </a:cxn>
+              <a:cxn ang="0">
+                <a:pos x="connsiteX89" y="connsiteY89"/>
+              </a:cxn>
+              <a:cxn ang="0">
+                <a:pos x="connsiteX90" y="connsiteY90"/>
+              </a:cxn>
+              <a:cxn ang="0">
+                <a:pos x="connsiteX91" y="connsiteY91"/>
+              </a:cxn>
+              <a:cxn ang="0">
+                <a:pos x="connsiteX92" y="connsiteY92"/>
+              </a:cxn>
+              <a:cxn ang="0">
+                <a:pos x="connsiteX93" y="connsiteY93"/>
+              </a:cxn>
+              <a:cxn ang="0">
+                <a:pos x="connsiteX94" y="connsiteY94"/>
+              </a:cxn>
+              <a:cxn ang="0">
+                <a:pos x="connsiteX95" y="connsiteY95"/>
+              </a:cxn>
+              <a:cxn ang="0">
+                <a:pos x="connsiteX96" y="connsiteY96"/>
+              </a:cxn>
+              <a:cxn ang="0">
+                <a:pos x="connsiteX97" y="connsiteY97"/>
+              </a:cxn>
+              <a:cxn ang="0">
+                <a:pos x="connsiteX98" y="connsiteY98"/>
+              </a:cxn>
+              <a:cxn ang="0">
+                <a:pos x="connsiteX99" y="connsiteY99"/>
+              </a:cxn>
+              <a:cxn ang="0">
+                <a:pos x="connsiteX100" y="connsiteY100"/>
+              </a:cxn>
+              <a:cxn ang="0">
+                <a:pos x="connsiteX101" y="connsiteY101"/>
+              </a:cxn>
+              <a:cxn ang="0">
+                <a:pos x="connsiteX102" y="connsiteY102"/>
+              </a:cxn>
+              <a:cxn ang="0">
+                <a:pos x="connsiteX103" y="connsiteY103"/>
+              </a:cxn>
+              <a:cxn ang="0">
+                <a:pos x="connsiteX104" y="connsiteY104"/>
+              </a:cxn>
+              <a:cxn ang="0">
+                <a:pos x="connsiteX105" y="connsiteY105"/>
+              </a:cxn>
+              <a:cxn ang="0">
+                <a:pos x="connsiteX106" y="connsiteY106"/>
+              </a:cxn>
+              <a:cxn ang="0">
+                <a:pos x="connsiteX107" y="connsiteY107"/>
+              </a:cxn>
+              <a:cxn ang="0">
+                <a:pos x="connsiteX108" y="connsiteY108"/>
+              </a:cxn>
+              <a:cxn ang="0">
+                <a:pos x="connsiteX109" y="connsiteY109"/>
+              </a:cxn>
+              <a:cxn ang="0">
+                <a:pos x="connsiteX110" y="connsiteY110"/>
+              </a:cxn>
+              <a:cxn ang="0">
+                <a:pos x="connsiteX111" y="connsiteY111"/>
+              </a:cxn>
+            </a:cxnLst>
+            <a:rect l="l" t="t" r="r" b="b"/>
+            <a:pathLst>
+              <a:path w="441669" h="607780">
+                <a:moveTo>
+                  <a:pt x="153811" y="456276"/>
+                </a:moveTo>
+                <a:cubicBezTo>
+                  <a:pt x="169228" y="456276"/>
+                  <a:pt x="177895" y="463767"/>
+                  <a:pt x="177895" y="476252"/>
+                </a:cubicBezTo>
+                <a:cubicBezTo>
+                  <a:pt x="177895" y="490234"/>
+                  <a:pt x="167811" y="498474"/>
+                  <a:pt x="151394" y="498474"/>
+                </a:cubicBezTo>
+                <a:cubicBezTo>
+                  <a:pt x="146977" y="498474"/>
+                  <a:pt x="143727" y="498308"/>
+                  <a:pt x="141060" y="497642"/>
+                </a:cubicBezTo>
+                <a:lnTo>
+                  <a:pt x="141060" y="457441"/>
+                </a:lnTo>
+                <a:cubicBezTo>
+                  <a:pt x="143310" y="456859"/>
+                  <a:pt x="147560" y="456276"/>
+                  <a:pt x="153811" y="456276"/>
+                </a:cubicBezTo>
+                <a:close/>
+                <a:moveTo>
+                  <a:pt x="212507" y="434117"/>
+                </a:moveTo>
+                <a:lnTo>
+                  <a:pt x="255558" y="514423"/>
+                </a:lnTo>
+                <a:lnTo>
+                  <a:pt x="255558" y="570121"/>
+                </a:lnTo>
+                <a:lnTo>
+                  <a:pt x="286285" y="570121"/>
+                </a:lnTo>
+                <a:lnTo>
+                  <a:pt x="286285" y="513425"/>
+                </a:lnTo>
+                <a:lnTo>
+                  <a:pt x="331168" y="434117"/>
+                </a:lnTo>
+                <a:lnTo>
+                  <a:pt x="296611" y="434117"/>
+                </a:lnTo>
+                <a:lnTo>
+                  <a:pt x="282871" y="466788"/>
+                </a:lnTo>
+                <a:cubicBezTo>
+                  <a:pt x="278791" y="476431"/>
+                  <a:pt x="275543" y="484329"/>
+                  <a:pt x="272546" y="492808"/>
+                </a:cubicBezTo>
+                <a:lnTo>
+                  <a:pt x="272129" y="492808"/>
+                </a:lnTo>
+                <a:cubicBezTo>
+                  <a:pt x="268715" y="483913"/>
+                  <a:pt x="265884" y="476681"/>
+                  <a:pt x="261637" y="466788"/>
+                </a:cubicBezTo>
+                <a:lnTo>
+                  <a:pt x="247648" y="434117"/>
+                </a:lnTo>
+                <a:close/>
+                <a:moveTo>
+                  <a:pt x="152219" y="433036"/>
+                </a:moveTo>
+                <a:cubicBezTo>
+                  <a:pt x="133400" y="433036"/>
+                  <a:pt x="120077" y="434283"/>
+                  <a:pt x="110584" y="435863"/>
+                </a:cubicBezTo>
+                <a:lnTo>
+                  <a:pt x="110584" y="570121"/>
+                </a:lnTo>
+                <a:lnTo>
+                  <a:pt x="141061" y="570121"/>
+                </a:lnTo>
+                <a:lnTo>
+                  <a:pt x="141061" y="521489"/>
+                </a:lnTo>
+                <a:cubicBezTo>
+                  <a:pt x="143892" y="521905"/>
+                  <a:pt x="147556" y="522071"/>
+                  <a:pt x="151636" y="522071"/>
+                </a:cubicBezTo>
+                <a:cubicBezTo>
+                  <a:pt x="169789" y="522071"/>
+                  <a:pt x="185361" y="517665"/>
+                  <a:pt x="195853" y="507772"/>
+                </a:cubicBezTo>
+                <a:cubicBezTo>
+                  <a:pt x="203931" y="500041"/>
+                  <a:pt x="208427" y="488735"/>
+                  <a:pt x="208427" y="475434"/>
+                </a:cubicBezTo>
+                <a:cubicBezTo>
+                  <a:pt x="208427" y="462133"/>
+                  <a:pt x="202515" y="450827"/>
+                  <a:pt x="193855" y="443927"/>
+                </a:cubicBezTo>
+                <a:cubicBezTo>
+                  <a:pt x="184778" y="436694"/>
+                  <a:pt x="171205" y="433036"/>
+                  <a:pt x="152219" y="433036"/>
+                </a:cubicBezTo>
+                <a:close/>
+                <a:moveTo>
+                  <a:pt x="243888" y="314203"/>
+                </a:moveTo>
+                <a:cubicBezTo>
+                  <a:pt x="237643" y="314203"/>
+                  <a:pt x="232398" y="319440"/>
+                  <a:pt x="232564" y="325675"/>
+                </a:cubicBezTo>
+                <a:cubicBezTo>
+                  <a:pt x="232731" y="331494"/>
+                  <a:pt x="238143" y="336814"/>
+                  <a:pt x="243888" y="336814"/>
+                </a:cubicBezTo>
+                <a:cubicBezTo>
+                  <a:pt x="249966" y="336814"/>
+                  <a:pt x="255295" y="331328"/>
+                  <a:pt x="255212" y="325176"/>
+                </a:cubicBezTo>
+                <a:cubicBezTo>
+                  <a:pt x="255128" y="319191"/>
+                  <a:pt x="250049" y="314203"/>
+                  <a:pt x="243888" y="314203"/>
+                </a:cubicBezTo>
+                <a:close/>
+                <a:moveTo>
+                  <a:pt x="280524" y="180038"/>
+                </a:moveTo>
+                <a:cubicBezTo>
+                  <a:pt x="286186" y="180204"/>
+                  <a:pt x="291847" y="179871"/>
+                  <a:pt x="297509" y="180204"/>
+                </a:cubicBezTo>
+                <a:cubicBezTo>
+                  <a:pt x="307501" y="180786"/>
+                  <a:pt x="314745" y="186023"/>
+                  <a:pt x="319491" y="194585"/>
+                </a:cubicBezTo>
+                <a:cubicBezTo>
+                  <a:pt x="325652" y="205557"/>
+                  <a:pt x="327317" y="217860"/>
+                  <a:pt x="328400" y="230080"/>
+                </a:cubicBezTo>
+                <a:cubicBezTo>
+                  <a:pt x="329399" y="241800"/>
+                  <a:pt x="327401" y="253272"/>
+                  <a:pt x="324736" y="264660"/>
+                </a:cubicBezTo>
+                <a:cubicBezTo>
+                  <a:pt x="321073" y="280288"/>
+                  <a:pt x="307667" y="292840"/>
+                  <a:pt x="289350" y="292508"/>
+                </a:cubicBezTo>
+                <a:cubicBezTo>
+                  <a:pt x="265287" y="292009"/>
+                  <a:pt x="241224" y="292424"/>
+                  <a:pt x="217244" y="292508"/>
+                </a:cubicBezTo>
+                <a:cubicBezTo>
+                  <a:pt x="214496" y="292508"/>
+                  <a:pt x="211332" y="291759"/>
+                  <a:pt x="211332" y="296414"/>
+                </a:cubicBezTo>
+                <a:cubicBezTo>
+                  <a:pt x="211332" y="299739"/>
+                  <a:pt x="212248" y="301070"/>
+                  <a:pt x="215828" y="301070"/>
+                </a:cubicBezTo>
+                <a:cubicBezTo>
+                  <a:pt x="231232" y="300903"/>
+                  <a:pt x="246552" y="301153"/>
+                  <a:pt x="261873" y="300986"/>
+                </a:cubicBezTo>
+                <a:cubicBezTo>
+                  <a:pt x="266452" y="300903"/>
+                  <a:pt x="268284" y="302067"/>
+                  <a:pt x="267951" y="306805"/>
+                </a:cubicBezTo>
+                <a:cubicBezTo>
+                  <a:pt x="267618" y="313289"/>
+                  <a:pt x="267868" y="319773"/>
+                  <a:pt x="267618" y="326257"/>
+                </a:cubicBezTo>
+                <a:cubicBezTo>
+                  <a:pt x="267202" y="337645"/>
+                  <a:pt x="262872" y="343963"/>
+                  <a:pt x="251881" y="347288"/>
+                </a:cubicBezTo>
+                <a:cubicBezTo>
+                  <a:pt x="243971" y="349615"/>
+                  <a:pt x="235645" y="351777"/>
+                  <a:pt x="227485" y="351943"/>
+                </a:cubicBezTo>
+                <a:cubicBezTo>
+                  <a:pt x="212581" y="352192"/>
+                  <a:pt x="197510" y="351777"/>
+                  <a:pt x="182690" y="350031"/>
+                </a:cubicBezTo>
+                <a:cubicBezTo>
+                  <a:pt x="170283" y="348452"/>
+                  <a:pt x="160792" y="341386"/>
+                  <a:pt x="156878" y="328667"/>
+                </a:cubicBezTo>
+                <a:cubicBezTo>
+                  <a:pt x="156212" y="326589"/>
+                  <a:pt x="156046" y="324428"/>
+                  <a:pt x="156046" y="322267"/>
+                </a:cubicBezTo>
+                <a:cubicBezTo>
+                  <a:pt x="155879" y="313123"/>
+                  <a:pt x="155962" y="303979"/>
+                  <a:pt x="155962" y="294752"/>
+                </a:cubicBezTo>
+                <a:cubicBezTo>
+                  <a:pt x="155962" y="285608"/>
+                  <a:pt x="155879" y="276464"/>
+                  <a:pt x="156046" y="267320"/>
+                </a:cubicBezTo>
+                <a:cubicBezTo>
+                  <a:pt x="156212" y="253106"/>
+                  <a:pt x="167203" y="241302"/>
+                  <a:pt x="181441" y="240886"/>
+                </a:cubicBezTo>
+                <a:cubicBezTo>
+                  <a:pt x="199925" y="240387"/>
+                  <a:pt x="218493" y="240720"/>
+                  <a:pt x="236977" y="240720"/>
+                </a:cubicBezTo>
+                <a:cubicBezTo>
+                  <a:pt x="251132" y="240720"/>
+                  <a:pt x="262705" y="235732"/>
+                  <a:pt x="270699" y="223762"/>
+                </a:cubicBezTo>
+                <a:cubicBezTo>
+                  <a:pt x="274362" y="218276"/>
+                  <a:pt x="276444" y="212207"/>
+                  <a:pt x="276361" y="205474"/>
+                </a:cubicBezTo>
+                <a:cubicBezTo>
+                  <a:pt x="276194" y="198492"/>
+                  <a:pt x="276444" y="191509"/>
+                  <a:pt x="276277" y="184526"/>
+                </a:cubicBezTo>
+                <a:cubicBezTo>
+                  <a:pt x="276194" y="181368"/>
+                  <a:pt x="277110" y="179871"/>
+                  <a:pt x="280524" y="180038"/>
+                </a:cubicBezTo>
+                <a:close/>
+                <a:moveTo>
+                  <a:pt x="176887" y="133227"/>
+                </a:moveTo>
+                <a:cubicBezTo>
+                  <a:pt x="170809" y="133227"/>
+                  <a:pt x="165564" y="138715"/>
+                  <a:pt x="165647" y="144869"/>
+                </a:cubicBezTo>
+                <a:cubicBezTo>
+                  <a:pt x="165731" y="150856"/>
+                  <a:pt x="170809" y="155845"/>
+                  <a:pt x="176887" y="155845"/>
+                </a:cubicBezTo>
+                <a:cubicBezTo>
+                  <a:pt x="183215" y="155845"/>
+                  <a:pt x="188376" y="150607"/>
+                  <a:pt x="188210" y="144370"/>
+                </a:cubicBezTo>
+                <a:cubicBezTo>
+                  <a:pt x="188127" y="138549"/>
+                  <a:pt x="182632" y="133227"/>
+                  <a:pt x="176887" y="133227"/>
+                </a:cubicBezTo>
+                <a:close/>
+                <a:moveTo>
+                  <a:pt x="193289" y="118093"/>
+                </a:moveTo>
+                <a:cubicBezTo>
+                  <a:pt x="208275" y="117844"/>
+                  <a:pt x="223344" y="118260"/>
+                  <a:pt x="238164" y="120006"/>
+                </a:cubicBezTo>
+                <a:cubicBezTo>
+                  <a:pt x="250570" y="121586"/>
+                  <a:pt x="260061" y="128654"/>
+                  <a:pt x="263974" y="141376"/>
+                </a:cubicBezTo>
+                <a:cubicBezTo>
+                  <a:pt x="264557" y="143455"/>
+                  <a:pt x="264806" y="145617"/>
+                  <a:pt x="264806" y="147779"/>
+                </a:cubicBezTo>
+                <a:cubicBezTo>
+                  <a:pt x="264890" y="156926"/>
+                  <a:pt x="264806" y="166073"/>
+                  <a:pt x="264806" y="175303"/>
+                </a:cubicBezTo>
+                <a:cubicBezTo>
+                  <a:pt x="264806" y="184451"/>
+                  <a:pt x="264973" y="193598"/>
+                  <a:pt x="264806" y="202745"/>
+                </a:cubicBezTo>
+                <a:cubicBezTo>
+                  <a:pt x="264557" y="216964"/>
+                  <a:pt x="253567" y="228772"/>
+                  <a:pt x="239413" y="229188"/>
+                </a:cubicBezTo>
+                <a:cubicBezTo>
+                  <a:pt x="220847" y="229687"/>
+                  <a:pt x="202364" y="229354"/>
+                  <a:pt x="183797" y="229354"/>
+                </a:cubicBezTo>
+                <a:cubicBezTo>
+                  <a:pt x="169727" y="229354"/>
+                  <a:pt x="158071" y="234343"/>
+                  <a:pt x="150078" y="246318"/>
+                </a:cubicBezTo>
+                <a:cubicBezTo>
+                  <a:pt x="146415" y="251806"/>
+                  <a:pt x="144333" y="257876"/>
+                  <a:pt x="144500" y="264612"/>
+                </a:cubicBezTo>
+                <a:cubicBezTo>
+                  <a:pt x="144583" y="271597"/>
+                  <a:pt x="144417" y="278665"/>
+                  <a:pt x="144583" y="285650"/>
+                </a:cubicBezTo>
+                <a:cubicBezTo>
+                  <a:pt x="144667" y="288726"/>
+                  <a:pt x="143667" y="290223"/>
+                  <a:pt x="140337" y="290057"/>
+                </a:cubicBezTo>
+                <a:cubicBezTo>
+                  <a:pt x="134676" y="289890"/>
+                  <a:pt x="128931" y="290306"/>
+                  <a:pt x="123269" y="289974"/>
+                </a:cubicBezTo>
+                <a:cubicBezTo>
+                  <a:pt x="113279" y="289392"/>
+                  <a:pt x="106119" y="284070"/>
+                  <a:pt x="101373" y="275505"/>
+                </a:cubicBezTo>
+                <a:cubicBezTo>
+                  <a:pt x="95212" y="264528"/>
+                  <a:pt x="93463" y="252305"/>
+                  <a:pt x="92381" y="239998"/>
+                </a:cubicBezTo>
+                <a:cubicBezTo>
+                  <a:pt x="91382" y="228273"/>
+                  <a:pt x="93380" y="216798"/>
+                  <a:pt x="96128" y="205406"/>
+                </a:cubicBezTo>
+                <a:cubicBezTo>
+                  <a:pt x="99791" y="189773"/>
+                  <a:pt x="113195" y="177216"/>
+                  <a:pt x="131512" y="177549"/>
+                </a:cubicBezTo>
+                <a:cubicBezTo>
+                  <a:pt x="155573" y="178047"/>
+                  <a:pt x="179551" y="177632"/>
+                  <a:pt x="203613" y="177549"/>
+                </a:cubicBezTo>
+                <a:cubicBezTo>
+                  <a:pt x="206277" y="177549"/>
+                  <a:pt x="209441" y="178297"/>
+                  <a:pt x="209441" y="173640"/>
+                </a:cubicBezTo>
+                <a:cubicBezTo>
+                  <a:pt x="209441" y="170314"/>
+                  <a:pt x="208608" y="168984"/>
+                  <a:pt x="204945" y="168984"/>
+                </a:cubicBezTo>
+                <a:cubicBezTo>
+                  <a:pt x="189625" y="169150"/>
+                  <a:pt x="174306" y="168900"/>
+                  <a:pt x="158903" y="169150"/>
+                </a:cubicBezTo>
+                <a:cubicBezTo>
+                  <a:pt x="154408" y="169150"/>
+                  <a:pt x="152576" y="167986"/>
+                  <a:pt x="152826" y="163246"/>
+                </a:cubicBezTo>
+                <a:cubicBezTo>
+                  <a:pt x="153242" y="156760"/>
+                  <a:pt x="152992" y="150274"/>
+                  <a:pt x="153242" y="143788"/>
+                </a:cubicBezTo>
+                <a:cubicBezTo>
+                  <a:pt x="153658" y="132396"/>
+                  <a:pt x="157904" y="126076"/>
+                  <a:pt x="168894" y="122750"/>
+                </a:cubicBezTo>
+                <a:cubicBezTo>
+                  <a:pt x="176804" y="120422"/>
+                  <a:pt x="185129" y="118260"/>
+                  <a:pt x="193289" y="118093"/>
+                </a:cubicBezTo>
+                <a:close/>
+                <a:moveTo>
+                  <a:pt x="23899" y="23859"/>
+                </a:moveTo>
+                <a:lnTo>
+                  <a:pt x="23899" y="404688"/>
+                </a:lnTo>
+                <a:lnTo>
+                  <a:pt x="417853" y="404688"/>
+                </a:lnTo>
+                <a:lnTo>
+                  <a:pt x="417770" y="157702"/>
+                </a:lnTo>
+                <a:lnTo>
+                  <a:pt x="312349" y="157702"/>
+                </a:lnTo>
+                <a:cubicBezTo>
+                  <a:pt x="305771" y="157702"/>
+                  <a:pt x="300441" y="152381"/>
+                  <a:pt x="300441" y="145814"/>
+                </a:cubicBezTo>
+                <a:lnTo>
+                  <a:pt x="300441" y="23859"/>
+                </a:lnTo>
+                <a:close/>
+                <a:moveTo>
+                  <a:pt x="23899" y="0"/>
+                </a:moveTo>
+                <a:lnTo>
+                  <a:pt x="312349" y="0"/>
+                </a:lnTo>
+                <a:cubicBezTo>
+                  <a:pt x="313265" y="0"/>
+                  <a:pt x="314181" y="166"/>
+                  <a:pt x="315097" y="332"/>
+                </a:cubicBezTo>
+                <a:cubicBezTo>
+                  <a:pt x="315347" y="415"/>
+                  <a:pt x="315514" y="499"/>
+                  <a:pt x="315763" y="582"/>
+                </a:cubicBezTo>
+                <a:cubicBezTo>
+                  <a:pt x="316596" y="831"/>
+                  <a:pt x="317345" y="1164"/>
+                  <a:pt x="318095" y="1496"/>
+                </a:cubicBezTo>
+                <a:cubicBezTo>
+                  <a:pt x="318345" y="1662"/>
+                  <a:pt x="318595" y="1829"/>
+                  <a:pt x="318928" y="1995"/>
+                </a:cubicBezTo>
+                <a:cubicBezTo>
+                  <a:pt x="319760" y="2577"/>
+                  <a:pt x="320593" y="3242"/>
+                  <a:pt x="321259" y="3990"/>
+                </a:cubicBezTo>
+                <a:cubicBezTo>
+                  <a:pt x="321259" y="3990"/>
+                  <a:pt x="321343" y="4073"/>
+                  <a:pt x="321343" y="4073"/>
+                </a:cubicBezTo>
+                <a:lnTo>
+                  <a:pt x="438755" y="137916"/>
+                </a:lnTo>
+                <a:cubicBezTo>
+                  <a:pt x="440670" y="140078"/>
+                  <a:pt x="441502" y="142821"/>
+                  <a:pt x="441586" y="145647"/>
+                </a:cubicBezTo>
+                <a:cubicBezTo>
+                  <a:pt x="441586" y="146063"/>
+                  <a:pt x="441669" y="146562"/>
+                  <a:pt x="441669" y="146978"/>
+                </a:cubicBezTo>
+                <a:lnTo>
+                  <a:pt x="441669" y="583921"/>
+                </a:lnTo>
+                <a:cubicBezTo>
+                  <a:pt x="441669" y="597056"/>
+                  <a:pt x="431010" y="607780"/>
+                  <a:pt x="417770" y="607780"/>
+                </a:cubicBezTo>
+                <a:lnTo>
+                  <a:pt x="23899" y="607780"/>
+                </a:lnTo>
+                <a:cubicBezTo>
+                  <a:pt x="10742" y="607780"/>
+                  <a:pt x="0" y="597056"/>
+                  <a:pt x="0" y="583921"/>
+                </a:cubicBezTo>
+                <a:lnTo>
+                  <a:pt x="0" y="23859"/>
+                </a:lnTo>
+                <a:cubicBezTo>
+                  <a:pt x="0" y="10724"/>
+                  <a:pt x="10742" y="0"/>
+                  <a:pt x="23899" y="0"/>
+                </a:cubicBezTo>
+                <a:close/>
+              </a:path>
+            </a:pathLst>
+          </a:custGeom>
+          <a:solidFill>
+            <a:schemeClr val="accent1"/>
+          </a:solidFill>
+          <a:ln>
+            <a:noFill/>
+          </a:ln>
+        </p:spPr>
+        <p:style>
+          <a:lnRef idx="2">
+            <a:schemeClr val="accent1">
+              <a:shade val="50000"/>
+            </a:schemeClr>
+          </a:lnRef>
+          <a:fillRef idx="1">
+            <a:schemeClr val="accent1"/>
+          </a:fillRef>
+          <a:effectRef idx="0">
+            <a:schemeClr val="accent1"/>
+          </a:effectRef>
+          <a:fontRef idx="minor">
+            <a:schemeClr val="lt1"/>
+          </a:fontRef>
+        </p:style>
+        <p:txBody>
+          <a:bodyPr rtlCol="0" anchor="ctr"/>
+          <a:lstStyle/>
+          <a:p>
+            <a:pPr algn="ctr"/>
+            <a:endParaRPr lang="en-US"/>
+          </a:p>
+        </p:txBody>
+      </p:sp>
+    </p:spTree>
+    <p:extLst>
+      <p:ext uri="{BB962C8B-B14F-4D97-AF65-F5344CB8AC3E}">
+        <p14:creationId xmlns:p14="http://schemas.microsoft.com/office/powerpoint/2010/main" val="983101651"/>
+      </p:ext>
+    </p:extLst>
+  </p:cSld>
+  <p:clrMapOvr>
+    <a:masterClrMapping/>
+  </p:clrMapOvr>
+</p:sld>
+</file>
+
+<file path=ppt/slides/slide6.xml><?xml version="1.0" encoding="utf-8"?>
+<p:sld xmlns:a="http://schemas.openxmlformats.org/drawingml/2006/main" xmlns:r="http://schemas.openxmlformats.org/officeDocument/2006/relationships" xmlns:p="http://schemas.openxmlformats.org/presentationml/2006/main">
+  <p:cSld>
+    <p:spTree>
+      <p:nvGrpSpPr>
+        <p:cNvPr id="1" name=""/>
+        <p:cNvGrpSpPr/>
+        <p:nvPr/>
+      </p:nvGrpSpPr>
+      <p:grpSpPr>
+        <a:xfrm>
+          <a:off x="0" y="0"/>
+          <a:ext cx="0" cy="0"/>
+          <a:chOff x="0" y="0"/>
+          <a:chExt cx="0" cy="0"/>
+        </a:xfrm>
+      </p:grpSpPr>
+      <p:sp>
+        <p:nvSpPr>
+          <p:cNvPr id="9" name="矩形: 圆角 8">
+            <a:extLst>
+              <a:ext uri="{FF2B5EF4-FFF2-40B4-BE49-F238E27FC236}">
+                <a16:creationId xmlns:a16="http://schemas.microsoft.com/office/drawing/2014/main" id="{8D0D8097-2EB0-4FC5-AAC5-8FD5EBFA3D69}"/>
+              </a:ext>
+            </a:extLst>
+          </p:cNvPr>
+          <p:cNvSpPr/>
+          <p:nvPr/>
+        </p:nvSpPr>
+        <p:spPr>
+          <a:xfrm>
+            <a:off x="1140542" y="1484671"/>
+            <a:ext cx="10559845" cy="4050890"/>
+          </a:xfrm>
+          <a:prstGeom prst="roundRect">
+            <a:avLst/>
+          </a:prstGeom>
+          <a:noFill/>
+        </p:spPr>
+        <p:style>
+          <a:lnRef idx="2">
+            <a:schemeClr val="accent1">
+              <a:shade val="50000"/>
+            </a:schemeClr>
+          </a:lnRef>
+          <a:fillRef idx="1">
+            <a:schemeClr val="accent1"/>
+          </a:fillRef>
+          <a:effectRef idx="0">
+            <a:schemeClr val="accent1"/>
+          </a:effectRef>
+          <a:fontRef idx="minor">
+            <a:schemeClr val="lt1"/>
+          </a:fontRef>
+        </p:style>
+        <p:txBody>
+          <a:bodyPr rtlCol="0" anchor="ctr"/>
+          <a:lstStyle/>
+          <a:p>
+            <a:pPr algn="ctr"/>
+            <a:endParaRPr lang="en-US"/>
+          </a:p>
+        </p:txBody>
+      </p:sp>
+      <p:sp>
+        <p:nvSpPr>
+          <p:cNvPr id="5" name="Rectangle 1">
+            <a:extLst>
+              <a:ext uri="{FF2B5EF4-FFF2-40B4-BE49-F238E27FC236}">
+                <a16:creationId xmlns:a16="http://schemas.microsoft.com/office/drawing/2014/main" id="{6A1F5164-00B0-4914-B99B-1C84700C5B49}"/>
+              </a:ext>
+            </a:extLst>
+          </p:cNvPr>
+          <p:cNvSpPr/>
+          <p:nvPr/>
+        </p:nvSpPr>
+        <p:spPr>
+          <a:xfrm>
+            <a:off x="2454425" y="3888658"/>
+            <a:ext cx="918040" cy="870155"/>
+          </a:xfrm>
+          <a:custGeom>
+            <a:avLst/>
+            <a:gdLst>
+              <a:gd name="connsiteX0" fmla="*/ 50466 w 578072"/>
+              <a:gd name="connsiteY0" fmla="*/ 523866 h 605028"/>
+              <a:gd name="connsiteX1" fmla="*/ 70402 w 578072"/>
+              <a:gd name="connsiteY1" fmla="*/ 533587 h 605028"/>
+              <a:gd name="connsiteX2" fmla="*/ 100893 w 578072"/>
+              <a:gd name="connsiteY2" fmla="*/ 567785 h 605028"/>
+              <a:gd name="connsiteX3" fmla="*/ 146747 w 578072"/>
+              <a:gd name="connsiteY3" fmla="*/ 570361 h 605028"/>
+              <a:gd name="connsiteX4" fmla="*/ 166683 w 578072"/>
+              <a:gd name="connsiteY4" fmla="*/ 579965 h 605028"/>
+              <a:gd name="connsiteX5" fmla="*/ 156950 w 578072"/>
+              <a:gd name="connsiteY5" fmla="*/ 599875 h 605028"/>
+              <a:gd name="connsiteX6" fmla="*/ 126928 w 578072"/>
+              <a:gd name="connsiteY6" fmla="*/ 605028 h 605028"/>
+              <a:gd name="connsiteX7" fmla="*/ 87290 w 578072"/>
+              <a:gd name="connsiteY7" fmla="*/ 595893 h 605028"/>
+              <a:gd name="connsiteX8" fmla="*/ 40849 w 578072"/>
+              <a:gd name="connsiteY8" fmla="*/ 543776 h 605028"/>
+              <a:gd name="connsiteX9" fmla="*/ 50466 w 578072"/>
+              <a:gd name="connsiteY9" fmla="*/ 523866 h 605028"/>
+              <a:gd name="connsiteX10" fmla="*/ 240154 w 578072"/>
+              <a:gd name="connsiteY10" fmla="*/ 345233 h 605028"/>
+              <a:gd name="connsiteX11" fmla="*/ 240154 w 578072"/>
+              <a:gd name="connsiteY11" fmla="*/ 530515 h 605028"/>
+              <a:gd name="connsiteX12" fmla="*/ 517059 w 578072"/>
+              <a:gd name="connsiteY12" fmla="*/ 530515 h 605028"/>
+              <a:gd name="connsiteX13" fmla="*/ 517059 w 578072"/>
+              <a:gd name="connsiteY13" fmla="*/ 345233 h 605028"/>
+              <a:gd name="connsiteX14" fmla="*/ 218683 w 578072"/>
+              <a:gd name="connsiteY14" fmla="*/ 312323 h 605028"/>
+              <a:gd name="connsiteX15" fmla="*/ 538414 w 578072"/>
+              <a:gd name="connsiteY15" fmla="*/ 312323 h 605028"/>
+              <a:gd name="connsiteX16" fmla="*/ 553667 w 578072"/>
+              <a:gd name="connsiteY16" fmla="*/ 327431 h 605028"/>
+              <a:gd name="connsiteX17" fmla="*/ 553667 w 578072"/>
+              <a:gd name="connsiteY17" fmla="*/ 527704 h 605028"/>
+              <a:gd name="connsiteX18" fmla="*/ 559651 w 578072"/>
+              <a:gd name="connsiteY18" fmla="*/ 529109 h 605028"/>
+              <a:gd name="connsiteX19" fmla="*/ 578072 w 578072"/>
+              <a:gd name="connsiteY19" fmla="*/ 552416 h 605028"/>
+              <a:gd name="connsiteX20" fmla="*/ 554136 w 578072"/>
+              <a:gd name="connsiteY20" fmla="*/ 576308 h 605028"/>
+              <a:gd name="connsiteX21" fmla="*/ 203077 w 578072"/>
+              <a:gd name="connsiteY21" fmla="*/ 576308 h 605028"/>
+              <a:gd name="connsiteX22" fmla="*/ 179024 w 578072"/>
+              <a:gd name="connsiteY22" fmla="*/ 552416 h 605028"/>
+              <a:gd name="connsiteX23" fmla="*/ 197445 w 578072"/>
+              <a:gd name="connsiteY23" fmla="*/ 529109 h 605028"/>
+              <a:gd name="connsiteX24" fmla="*/ 203547 w 578072"/>
+              <a:gd name="connsiteY24" fmla="*/ 527704 h 605028"/>
+              <a:gd name="connsiteX25" fmla="*/ 203547 w 578072"/>
+              <a:gd name="connsiteY25" fmla="*/ 327431 h 605028"/>
+              <a:gd name="connsiteX26" fmla="*/ 218683 w 578072"/>
+              <a:gd name="connsiteY26" fmla="*/ 312323 h 605028"/>
+              <a:gd name="connsiteX27" fmla="*/ 395646 w 578072"/>
+              <a:gd name="connsiteY27" fmla="*/ 182059 h 605028"/>
+              <a:gd name="connsiteX28" fmla="*/ 395763 w 578072"/>
+              <a:gd name="connsiteY28" fmla="*/ 182059 h 605028"/>
+              <a:gd name="connsiteX29" fmla="*/ 486220 w 578072"/>
+              <a:gd name="connsiteY29" fmla="*/ 273861 h 605028"/>
+              <a:gd name="connsiteX30" fmla="*/ 470616 w 578072"/>
+              <a:gd name="connsiteY30" fmla="*/ 289318 h 605028"/>
+              <a:gd name="connsiteX31" fmla="*/ 470498 w 578072"/>
+              <a:gd name="connsiteY31" fmla="*/ 289318 h 605028"/>
+              <a:gd name="connsiteX32" fmla="*/ 455012 w 578072"/>
+              <a:gd name="connsiteY32" fmla="*/ 273627 h 605028"/>
+              <a:gd name="connsiteX33" fmla="*/ 395528 w 578072"/>
+              <a:gd name="connsiteY33" fmla="*/ 213206 h 605028"/>
+              <a:gd name="connsiteX34" fmla="*/ 379924 w 578072"/>
+              <a:gd name="connsiteY34" fmla="*/ 197515 h 605028"/>
+              <a:gd name="connsiteX35" fmla="*/ 395646 w 578072"/>
+              <a:gd name="connsiteY35" fmla="*/ 182059 h 605028"/>
+              <a:gd name="connsiteX36" fmla="*/ 48693 w 578072"/>
+              <a:gd name="connsiteY36" fmla="*/ 177340 h 605028"/>
+              <a:gd name="connsiteX37" fmla="*/ 39658 w 578072"/>
+              <a:gd name="connsiteY37" fmla="*/ 190225 h 605028"/>
+              <a:gd name="connsiteX38" fmla="*/ 179872 w 578072"/>
+              <a:gd name="connsiteY38" fmla="*/ 234385 h 605028"/>
+              <a:gd name="connsiteX39" fmla="*/ 320202 w 578072"/>
+              <a:gd name="connsiteY39" fmla="*/ 190225 h 605028"/>
+              <a:gd name="connsiteX40" fmla="*/ 311050 w 578072"/>
+              <a:gd name="connsiteY40" fmla="*/ 177340 h 605028"/>
+              <a:gd name="connsiteX41" fmla="*/ 179872 w 578072"/>
+              <a:gd name="connsiteY41" fmla="*/ 202290 h 605028"/>
+              <a:gd name="connsiteX42" fmla="*/ 48693 w 578072"/>
+              <a:gd name="connsiteY42" fmla="*/ 177340 h 605028"/>
+              <a:gd name="connsiteX43" fmla="*/ 179872 w 578072"/>
+              <a:gd name="connsiteY43" fmla="*/ 39591 h 605028"/>
+              <a:gd name="connsiteX44" fmla="*/ 39658 w 578072"/>
+              <a:gd name="connsiteY44" fmla="*/ 83751 h 605028"/>
+              <a:gd name="connsiteX45" fmla="*/ 179872 w 578072"/>
+              <a:gd name="connsiteY45" fmla="*/ 127793 h 605028"/>
+              <a:gd name="connsiteX46" fmla="*/ 320202 w 578072"/>
+              <a:gd name="connsiteY46" fmla="*/ 83751 h 605028"/>
+              <a:gd name="connsiteX47" fmla="*/ 179872 w 578072"/>
+              <a:gd name="connsiteY47" fmla="*/ 39591 h 605028"/>
+              <a:gd name="connsiteX48" fmla="*/ 179872 w 578072"/>
+              <a:gd name="connsiteY48" fmla="*/ 0 h 605028"/>
+              <a:gd name="connsiteX49" fmla="*/ 359743 w 578072"/>
+              <a:gd name="connsiteY49" fmla="*/ 83751 h 605028"/>
+              <a:gd name="connsiteX50" fmla="*/ 359743 w 578072"/>
+              <a:gd name="connsiteY50" fmla="*/ 127793 h 605028"/>
+              <a:gd name="connsiteX51" fmla="*/ 344490 w 578072"/>
+              <a:gd name="connsiteY51" fmla="*/ 154851 h 605028"/>
+              <a:gd name="connsiteX52" fmla="*/ 359743 w 578072"/>
+              <a:gd name="connsiteY52" fmla="*/ 190225 h 605028"/>
+              <a:gd name="connsiteX53" fmla="*/ 359743 w 578072"/>
+              <a:gd name="connsiteY53" fmla="*/ 234267 h 605028"/>
+              <a:gd name="connsiteX54" fmla="*/ 344490 w 578072"/>
+              <a:gd name="connsiteY54" fmla="*/ 261325 h 605028"/>
+              <a:gd name="connsiteX55" fmla="*/ 359626 w 578072"/>
+              <a:gd name="connsiteY55" fmla="*/ 292717 h 605028"/>
+              <a:gd name="connsiteX56" fmla="*/ 319029 w 578072"/>
+              <a:gd name="connsiteY56" fmla="*/ 292717 h 605028"/>
+              <a:gd name="connsiteX57" fmla="*/ 311050 w 578072"/>
+              <a:gd name="connsiteY57" fmla="*/ 283815 h 605028"/>
+              <a:gd name="connsiteX58" fmla="*/ 288522 w 578072"/>
+              <a:gd name="connsiteY58" fmla="*/ 292717 h 605028"/>
+              <a:gd name="connsiteX59" fmla="*/ 218709 w 578072"/>
+              <a:gd name="connsiteY59" fmla="*/ 292717 h 605028"/>
+              <a:gd name="connsiteX60" fmla="*/ 189493 w 578072"/>
+              <a:gd name="connsiteY60" fmla="*/ 308765 h 605028"/>
+              <a:gd name="connsiteX61" fmla="*/ 179872 w 578072"/>
+              <a:gd name="connsiteY61" fmla="*/ 308882 h 605028"/>
+              <a:gd name="connsiteX62" fmla="*/ 48693 w 578072"/>
+              <a:gd name="connsiteY62" fmla="*/ 283815 h 605028"/>
+              <a:gd name="connsiteX63" fmla="*/ 39658 w 578072"/>
+              <a:gd name="connsiteY63" fmla="*/ 296817 h 605028"/>
+              <a:gd name="connsiteX64" fmla="*/ 179872 w 578072"/>
+              <a:gd name="connsiteY64" fmla="*/ 340977 h 605028"/>
+              <a:gd name="connsiteX65" fmla="*/ 183978 w 578072"/>
+              <a:gd name="connsiteY65" fmla="*/ 340859 h 605028"/>
+              <a:gd name="connsiteX66" fmla="*/ 183978 w 578072"/>
+              <a:gd name="connsiteY66" fmla="*/ 415356 h 605028"/>
+              <a:gd name="connsiteX67" fmla="*/ 179872 w 578072"/>
+              <a:gd name="connsiteY67" fmla="*/ 415356 h 605028"/>
+              <a:gd name="connsiteX68" fmla="*/ 48693 w 578072"/>
+              <a:gd name="connsiteY68" fmla="*/ 390407 h 605028"/>
+              <a:gd name="connsiteX69" fmla="*/ 39658 w 578072"/>
+              <a:gd name="connsiteY69" fmla="*/ 403292 h 605028"/>
+              <a:gd name="connsiteX70" fmla="*/ 179872 w 578072"/>
+              <a:gd name="connsiteY70" fmla="*/ 447451 h 605028"/>
+              <a:gd name="connsiteX71" fmla="*/ 183978 w 578072"/>
+              <a:gd name="connsiteY71" fmla="*/ 447451 h 605028"/>
+              <a:gd name="connsiteX72" fmla="*/ 183978 w 578072"/>
+              <a:gd name="connsiteY72" fmla="*/ 513397 h 605028"/>
+              <a:gd name="connsiteX73" fmla="*/ 172245 w 578072"/>
+              <a:gd name="connsiteY73" fmla="*/ 521831 h 605028"/>
+              <a:gd name="connsiteX74" fmla="*/ 117 w 578072"/>
+              <a:gd name="connsiteY74" fmla="*/ 447334 h 605028"/>
+              <a:gd name="connsiteX75" fmla="*/ 0 w 578072"/>
+              <a:gd name="connsiteY75" fmla="*/ 446514 h 605028"/>
+              <a:gd name="connsiteX76" fmla="*/ 0 w 578072"/>
+              <a:gd name="connsiteY76" fmla="*/ 403292 h 605028"/>
+              <a:gd name="connsiteX77" fmla="*/ 15370 w 578072"/>
+              <a:gd name="connsiteY77" fmla="*/ 367800 h 605028"/>
+              <a:gd name="connsiteX78" fmla="*/ 117 w 578072"/>
+              <a:gd name="connsiteY78" fmla="*/ 340859 h 605028"/>
+              <a:gd name="connsiteX79" fmla="*/ 0 w 578072"/>
+              <a:gd name="connsiteY79" fmla="*/ 339922 h 605028"/>
+              <a:gd name="connsiteX80" fmla="*/ 0 w 578072"/>
+              <a:gd name="connsiteY80" fmla="*/ 296817 h 605028"/>
+              <a:gd name="connsiteX81" fmla="*/ 15370 w 578072"/>
+              <a:gd name="connsiteY81" fmla="*/ 261325 h 605028"/>
+              <a:gd name="connsiteX82" fmla="*/ 117 w 578072"/>
+              <a:gd name="connsiteY82" fmla="*/ 234267 h 605028"/>
+              <a:gd name="connsiteX83" fmla="*/ 0 w 578072"/>
+              <a:gd name="connsiteY83" fmla="*/ 233330 h 605028"/>
+              <a:gd name="connsiteX84" fmla="*/ 0 w 578072"/>
+              <a:gd name="connsiteY84" fmla="*/ 190225 h 605028"/>
+              <a:gd name="connsiteX85" fmla="*/ 15370 w 578072"/>
+              <a:gd name="connsiteY85" fmla="*/ 154734 h 605028"/>
+              <a:gd name="connsiteX86" fmla="*/ 117 w 578072"/>
+              <a:gd name="connsiteY86" fmla="*/ 127793 h 605028"/>
+              <a:gd name="connsiteX87" fmla="*/ 0 w 578072"/>
+              <a:gd name="connsiteY87" fmla="*/ 126856 h 605028"/>
+              <a:gd name="connsiteX88" fmla="*/ 0 w 578072"/>
+              <a:gd name="connsiteY88" fmla="*/ 83751 h 605028"/>
+              <a:gd name="connsiteX89" fmla="*/ 179872 w 578072"/>
+              <a:gd name="connsiteY89" fmla="*/ 0 h 605028"/>
+            </a:gdLst>
+            <a:ahLst/>
+            <a:cxnLst>
+              <a:cxn ang="0">
+                <a:pos x="connsiteX0" y="connsiteY0"/>
+              </a:cxn>
+              <a:cxn ang="0">
+                <a:pos x="connsiteX1" y="connsiteY1"/>
+              </a:cxn>
+              <a:cxn ang="0">
+                <a:pos x="connsiteX2" y="connsiteY2"/>
+              </a:cxn>
+              <a:cxn ang="0">
+                <a:pos x="connsiteX3" y="connsiteY3"/>
+              </a:cxn>
+              <a:cxn ang="0">
+                <a:pos x="connsiteX4" y="connsiteY4"/>
+              </a:cxn>
+              <a:cxn ang="0">
+                <a:pos x="connsiteX5" y="connsiteY5"/>
+              </a:cxn>
+              <a:cxn ang="0">
+                <a:pos x="connsiteX6" y="connsiteY6"/>
+              </a:cxn>
+              <a:cxn ang="0">
+                <a:pos x="connsiteX7" y="connsiteY7"/>
+              </a:cxn>
+              <a:cxn ang="0">
+                <a:pos x="connsiteX8" y="connsiteY8"/>
+              </a:cxn>
+              <a:cxn ang="0">
+                <a:pos x="connsiteX9" y="connsiteY9"/>
+              </a:cxn>
+              <a:cxn ang="0">
+                <a:pos x="connsiteX10" y="connsiteY10"/>
+              </a:cxn>
+              <a:cxn ang="0">
+                <a:pos x="connsiteX11" y="connsiteY11"/>
+              </a:cxn>
+              <a:cxn ang="0">
+                <a:pos x="connsiteX12" y="connsiteY12"/>
+              </a:cxn>
+              <a:cxn ang="0">
+                <a:pos x="connsiteX13" y="connsiteY13"/>
+              </a:cxn>
+              <a:cxn ang="0">
+                <a:pos x="connsiteX14" y="connsiteY14"/>
+              </a:cxn>
+              <a:cxn ang="0">
+                <a:pos x="connsiteX15" y="connsiteY15"/>
+              </a:cxn>
+              <a:cxn ang="0">
+                <a:pos x="connsiteX16" y="connsiteY16"/>
+              </a:cxn>
+              <a:cxn ang="0">
+                <a:pos x="connsiteX17" y="connsiteY17"/>
+              </a:cxn>
+              <a:cxn ang="0">
+                <a:pos x="connsiteX18" y="connsiteY18"/>
+              </a:cxn>
+              <a:cxn ang="0">
+                <a:pos x="connsiteX19" y="connsiteY19"/>
+              </a:cxn>
+              <a:cxn ang="0">
+                <a:pos x="connsiteX20" y="connsiteY20"/>
+              </a:cxn>
+              <a:cxn ang="0">
+                <a:pos x="connsiteX21" y="connsiteY21"/>
+              </a:cxn>
+              <a:cxn ang="0">
+                <a:pos x="connsiteX22" y="connsiteY22"/>
+              </a:cxn>
+              <a:cxn ang="0">
+                <a:pos x="connsiteX23" y="connsiteY23"/>
+              </a:cxn>
+              <a:cxn ang="0">
+                <a:pos x="connsiteX24" y="connsiteY24"/>
+              </a:cxn>
+              <a:cxn ang="0">
+                <a:pos x="connsiteX25" y="connsiteY25"/>
+              </a:cxn>
+              <a:cxn ang="0">
+                <a:pos x="connsiteX26" y="connsiteY26"/>
+              </a:cxn>
+              <a:cxn ang="0">
+                <a:pos x="connsiteX27" y="connsiteY27"/>
+              </a:cxn>
+              <a:cxn ang="0">
+                <a:pos x="connsiteX28" y="connsiteY28"/>
+              </a:cxn>
+              <a:cxn ang="0">
+                <a:pos x="connsiteX29" y="connsiteY29"/>
+              </a:cxn>
+              <a:cxn ang="0">
+                <a:pos x="connsiteX30" y="connsiteY30"/>
+              </a:cxn>
+              <a:cxn ang="0">
+                <a:pos x="connsiteX31" y="connsiteY31"/>
+              </a:cxn>
+              <a:cxn ang="0">
+                <a:pos x="connsiteX32" y="connsiteY32"/>
+              </a:cxn>
+              <a:cxn ang="0">
+                <a:pos x="connsiteX33" y="connsiteY33"/>
+              </a:cxn>
+              <a:cxn ang="0">
+                <a:pos x="connsiteX34" y="connsiteY34"/>
+              </a:cxn>
+              <a:cxn ang="0">
+                <a:pos x="connsiteX35" y="connsiteY35"/>
+              </a:cxn>
+              <a:cxn ang="0">
+                <a:pos x="connsiteX36" y="connsiteY36"/>
+              </a:cxn>
+              <a:cxn ang="0">
+                <a:pos x="connsiteX37" y="connsiteY37"/>
+              </a:cxn>
+              <a:cxn ang="0">
+                <a:pos x="connsiteX38" y="connsiteY38"/>
+              </a:cxn>
+              <a:cxn ang="0">
+                <a:pos x="connsiteX39" y="connsiteY39"/>
+              </a:cxn>
+              <a:cxn ang="0">
+                <a:pos x="connsiteX40" y="connsiteY40"/>
+              </a:cxn>
+              <a:cxn ang="0">
+                <a:pos x="connsiteX41" y="connsiteY41"/>
+              </a:cxn>
+              <a:cxn ang="0">
+                <a:pos x="connsiteX42" y="connsiteY42"/>
+              </a:cxn>
+              <a:cxn ang="0">
+                <a:pos x="connsiteX43" y="connsiteY43"/>
+              </a:cxn>
+              <a:cxn ang="0">
+                <a:pos x="connsiteX44" y="connsiteY44"/>
+              </a:cxn>
+              <a:cxn ang="0">
+                <a:pos x="connsiteX45" y="connsiteY45"/>
+              </a:cxn>
+              <a:cxn ang="0">
+                <a:pos x="connsiteX46" y="connsiteY46"/>
+              </a:cxn>
+              <a:cxn ang="0">
+                <a:pos x="connsiteX47" y="connsiteY47"/>
+              </a:cxn>
+              <a:cxn ang="0">
+                <a:pos x="connsiteX48" y="connsiteY48"/>
+              </a:cxn>
+              <a:cxn ang="0">
+                <a:pos x="connsiteX49" y="connsiteY49"/>
+              </a:cxn>
+              <a:cxn ang="0">
+                <a:pos x="connsiteX50" y="connsiteY50"/>
+              </a:cxn>
+              <a:cxn ang="0">
+                <a:pos x="connsiteX51" y="connsiteY51"/>
+              </a:cxn>
+              <a:cxn ang="0">
+                <a:pos x="connsiteX52" y="connsiteY52"/>
+              </a:cxn>
+              <a:cxn ang="0">
+                <a:pos x="connsiteX53" y="connsiteY53"/>
+              </a:cxn>
+              <a:cxn ang="0">
+                <a:pos x="connsiteX54" y="connsiteY54"/>
+              </a:cxn>
+              <a:cxn ang="0">
+                <a:pos x="connsiteX55" y="connsiteY55"/>
+              </a:cxn>
+              <a:cxn ang="0">
+                <a:pos x="connsiteX56" y="connsiteY56"/>
+              </a:cxn>
+              <a:cxn ang="0">
+                <a:pos x="connsiteX57" y="connsiteY57"/>
+              </a:cxn>
+              <a:cxn ang="0">
+                <a:pos x="connsiteX58" y="connsiteY58"/>
+              </a:cxn>
+              <a:cxn ang="0">
+                <a:pos x="connsiteX59" y="connsiteY59"/>
+              </a:cxn>
+              <a:cxn ang="0">
+                <a:pos x="connsiteX60" y="connsiteY60"/>
+              </a:cxn>
+              <a:cxn ang="0">
+                <a:pos x="connsiteX61" y="connsiteY61"/>
+              </a:cxn>
+              <a:cxn ang="0">
+                <a:pos x="connsiteX62" y="connsiteY62"/>
+              </a:cxn>
+              <a:cxn ang="0">
+                <a:pos x="connsiteX63" y="connsiteY63"/>
+              </a:cxn>
+              <a:cxn ang="0">
+                <a:pos x="connsiteX64" y="connsiteY64"/>
+              </a:cxn>
+              <a:cxn ang="0">
+                <a:pos x="connsiteX65" y="connsiteY65"/>
+              </a:cxn>
+              <a:cxn ang="0">
+                <a:pos x="connsiteX66" y="connsiteY66"/>
+              </a:cxn>
+              <a:cxn ang="0">
+                <a:pos x="connsiteX67" y="connsiteY67"/>
+              </a:cxn>
+              <a:cxn ang="0">
+                <a:pos x="connsiteX68" y="connsiteY68"/>
+              </a:cxn>
+              <a:cxn ang="0">
+                <a:pos x="connsiteX69" y="connsiteY69"/>
+              </a:cxn>
+              <a:cxn ang="0">
+                <a:pos x="connsiteX70" y="connsiteY70"/>
+              </a:cxn>
+              <a:cxn ang="0">
+                <a:pos x="connsiteX71" y="connsiteY71"/>
+              </a:cxn>
+              <a:cxn ang="0">
+                <a:pos x="connsiteX72" y="connsiteY72"/>
+              </a:cxn>
+              <a:cxn ang="0">
+                <a:pos x="connsiteX73" y="connsiteY73"/>
+              </a:cxn>
+              <a:cxn ang="0">
+                <a:pos x="connsiteX74" y="connsiteY74"/>
+              </a:cxn>
+              <a:cxn ang="0">
+                <a:pos x="connsiteX75" y="connsiteY75"/>
+              </a:cxn>
+              <a:cxn ang="0">
+                <a:pos x="connsiteX76" y="connsiteY76"/>
+              </a:cxn>
+              <a:cxn ang="0">
+                <a:pos x="connsiteX77" y="connsiteY77"/>
+              </a:cxn>
+              <a:cxn ang="0">
+                <a:pos x="connsiteX78" y="connsiteY78"/>
+              </a:cxn>
+              <a:cxn ang="0">
+                <a:pos x="connsiteX79" y="connsiteY79"/>
+              </a:cxn>
+              <a:cxn ang="0">
+                <a:pos x="connsiteX80" y="connsiteY80"/>
+              </a:cxn>
+              <a:cxn ang="0">
+                <a:pos x="connsiteX81" y="connsiteY81"/>
+              </a:cxn>
+              <a:cxn ang="0">
+                <a:pos x="connsiteX82" y="connsiteY82"/>
+              </a:cxn>
+              <a:cxn ang="0">
+                <a:pos x="connsiteX83" y="connsiteY83"/>
+              </a:cxn>
+              <a:cxn ang="0">
+                <a:pos x="connsiteX84" y="connsiteY84"/>
+              </a:cxn>
+              <a:cxn ang="0">
+                <a:pos x="connsiteX85" y="connsiteY85"/>
+              </a:cxn>
+              <a:cxn ang="0">
+                <a:pos x="connsiteX86" y="connsiteY86"/>
+              </a:cxn>
+              <a:cxn ang="0">
+                <a:pos x="connsiteX87" y="connsiteY87"/>
+              </a:cxn>
+              <a:cxn ang="0">
+                <a:pos x="connsiteX88" y="connsiteY88"/>
+              </a:cxn>
+              <a:cxn ang="0">
+                <a:pos x="connsiteX89" y="connsiteY89"/>
+              </a:cxn>
+            </a:cxnLst>
+            <a:rect l="l" t="t" r="r" b="b"/>
+            <a:pathLst>
+              <a:path w="578072" h="605028">
+                <a:moveTo>
+                  <a:pt x="50466" y="523866"/>
+                </a:moveTo>
+                <a:cubicBezTo>
+                  <a:pt x="58675" y="521055"/>
+                  <a:pt x="67588" y="525388"/>
+                  <a:pt x="70402" y="533587"/>
+                </a:cubicBezTo>
+                <a:cubicBezTo>
+                  <a:pt x="75679" y="548578"/>
+                  <a:pt x="86469" y="560758"/>
+                  <a:pt x="100893" y="567785"/>
+                </a:cubicBezTo>
+                <a:cubicBezTo>
+                  <a:pt x="115318" y="574695"/>
+                  <a:pt x="131619" y="575632"/>
+                  <a:pt x="146747" y="570361"/>
+                </a:cubicBezTo>
+                <a:cubicBezTo>
+                  <a:pt x="154839" y="567551"/>
+                  <a:pt x="163751" y="571884"/>
+                  <a:pt x="166683" y="579965"/>
+                </a:cubicBezTo>
+                <a:cubicBezTo>
+                  <a:pt x="169498" y="588163"/>
+                  <a:pt x="165159" y="597064"/>
+                  <a:pt x="156950" y="599875"/>
+                </a:cubicBezTo>
+                <a:cubicBezTo>
+                  <a:pt x="147216" y="603271"/>
+                  <a:pt x="137013" y="605028"/>
+                  <a:pt x="126928" y="605028"/>
+                </a:cubicBezTo>
+                <a:cubicBezTo>
+                  <a:pt x="113441" y="605028"/>
+                  <a:pt x="99838" y="601983"/>
+                  <a:pt x="87290" y="595893"/>
+                </a:cubicBezTo>
+                <a:cubicBezTo>
+                  <a:pt x="65359" y="585235"/>
+                  <a:pt x="48824" y="566731"/>
+                  <a:pt x="40849" y="543776"/>
+                </a:cubicBezTo>
+                <a:cubicBezTo>
+                  <a:pt x="38035" y="535695"/>
+                  <a:pt x="42374" y="526794"/>
+                  <a:pt x="50466" y="523866"/>
+                </a:cubicBezTo>
+                <a:close/>
+                <a:moveTo>
+                  <a:pt x="240154" y="345233"/>
+                </a:moveTo>
+                <a:lnTo>
+                  <a:pt x="240154" y="530515"/>
+                </a:lnTo>
+                <a:lnTo>
+                  <a:pt x="517059" y="530515"/>
+                </a:lnTo>
+                <a:lnTo>
+                  <a:pt x="517059" y="345233"/>
+                </a:lnTo>
+                <a:close/>
+                <a:moveTo>
+                  <a:pt x="218683" y="312323"/>
+                </a:moveTo>
+                <a:lnTo>
+                  <a:pt x="538414" y="312323"/>
+                </a:lnTo>
+                <a:cubicBezTo>
+                  <a:pt x="546862" y="312323"/>
+                  <a:pt x="553667" y="319116"/>
+                  <a:pt x="553667" y="327431"/>
+                </a:cubicBezTo>
+                <a:lnTo>
+                  <a:pt x="553667" y="527704"/>
+                </a:lnTo>
+                <a:lnTo>
+                  <a:pt x="559651" y="529109"/>
+                </a:lnTo>
+                <a:cubicBezTo>
+                  <a:pt x="570446" y="531686"/>
+                  <a:pt x="578072" y="541290"/>
+                  <a:pt x="578072" y="552416"/>
+                </a:cubicBezTo>
+                <a:cubicBezTo>
+                  <a:pt x="578072" y="565650"/>
+                  <a:pt x="567278" y="576308"/>
+                  <a:pt x="554136" y="576308"/>
+                </a:cubicBezTo>
+                <a:lnTo>
+                  <a:pt x="203077" y="576308"/>
+                </a:lnTo>
+                <a:cubicBezTo>
+                  <a:pt x="189819" y="576308"/>
+                  <a:pt x="179024" y="565650"/>
+                  <a:pt x="179024" y="552416"/>
+                </a:cubicBezTo>
+                <a:cubicBezTo>
+                  <a:pt x="179024" y="541290"/>
+                  <a:pt x="186651" y="531686"/>
+                  <a:pt x="197445" y="529109"/>
+                </a:cubicBezTo>
+                <a:lnTo>
+                  <a:pt x="203547" y="527704"/>
+                </a:lnTo>
+                <a:lnTo>
+                  <a:pt x="203547" y="327431"/>
+                </a:lnTo>
+                <a:cubicBezTo>
+                  <a:pt x="203547" y="319116"/>
+                  <a:pt x="210352" y="312323"/>
+                  <a:pt x="218683" y="312323"/>
+                </a:cubicBezTo>
+                <a:close/>
+                <a:moveTo>
+                  <a:pt x="395646" y="182059"/>
+                </a:moveTo>
+                <a:lnTo>
+                  <a:pt x="395763" y="182059"/>
+                </a:lnTo>
+                <a:cubicBezTo>
+                  <a:pt x="446095" y="182410"/>
+                  <a:pt x="486689" y="223628"/>
+                  <a:pt x="486220" y="273861"/>
+                </a:cubicBezTo>
+                <a:cubicBezTo>
+                  <a:pt x="486220" y="282409"/>
+                  <a:pt x="479180" y="289318"/>
+                  <a:pt x="470616" y="289318"/>
+                </a:cubicBezTo>
+                <a:lnTo>
+                  <a:pt x="470498" y="289318"/>
+                </a:lnTo>
+                <a:cubicBezTo>
+                  <a:pt x="461816" y="289318"/>
+                  <a:pt x="454894" y="282175"/>
+                  <a:pt x="455012" y="273627"/>
+                </a:cubicBezTo>
+                <a:cubicBezTo>
+                  <a:pt x="455246" y="240606"/>
+                  <a:pt x="428614" y="213557"/>
+                  <a:pt x="395528" y="213206"/>
+                </a:cubicBezTo>
+                <a:cubicBezTo>
+                  <a:pt x="386846" y="213206"/>
+                  <a:pt x="379924" y="206181"/>
+                  <a:pt x="379924" y="197515"/>
+                </a:cubicBezTo>
+                <a:cubicBezTo>
+                  <a:pt x="380041" y="188968"/>
+                  <a:pt x="387081" y="182059"/>
+                  <a:pt x="395646" y="182059"/>
+                </a:cubicBezTo>
+                <a:close/>
+                <a:moveTo>
+                  <a:pt x="48693" y="177340"/>
+                </a:moveTo>
+                <a:cubicBezTo>
+                  <a:pt x="42826" y="182026"/>
+                  <a:pt x="39658" y="186477"/>
+                  <a:pt x="39658" y="190225"/>
+                </a:cubicBezTo>
+                <a:cubicBezTo>
+                  <a:pt x="39658" y="205804"/>
+                  <a:pt x="92928" y="234385"/>
+                  <a:pt x="179872" y="234385"/>
+                </a:cubicBezTo>
+                <a:cubicBezTo>
+                  <a:pt x="266933" y="234385"/>
+                  <a:pt x="320202" y="205804"/>
+                  <a:pt x="320202" y="190225"/>
+                </a:cubicBezTo>
+                <a:cubicBezTo>
+                  <a:pt x="320202" y="186477"/>
+                  <a:pt x="317034" y="182026"/>
+                  <a:pt x="311050" y="177340"/>
+                </a:cubicBezTo>
+                <a:cubicBezTo>
+                  <a:pt x="275967" y="193856"/>
+                  <a:pt x="226805" y="202290"/>
+                  <a:pt x="179872" y="202290"/>
+                </a:cubicBezTo>
+                <a:cubicBezTo>
+                  <a:pt x="132938" y="202290"/>
+                  <a:pt x="83893" y="193856"/>
+                  <a:pt x="48693" y="177340"/>
+                </a:cubicBezTo>
+                <a:close/>
+                <a:moveTo>
+                  <a:pt x="179872" y="39591"/>
+                </a:moveTo>
+                <a:cubicBezTo>
+                  <a:pt x="92928" y="39591"/>
+                  <a:pt x="39658" y="68172"/>
+                  <a:pt x="39658" y="83751"/>
+                </a:cubicBezTo>
+                <a:cubicBezTo>
+                  <a:pt x="39658" y="99329"/>
+                  <a:pt x="92928" y="127793"/>
+                  <a:pt x="179872" y="127793"/>
+                </a:cubicBezTo>
+                <a:cubicBezTo>
+                  <a:pt x="266933" y="127793"/>
+                  <a:pt x="320202" y="99329"/>
+                  <a:pt x="320202" y="83751"/>
+                </a:cubicBezTo>
+                <a:cubicBezTo>
+                  <a:pt x="320202" y="68172"/>
+                  <a:pt x="266933" y="39591"/>
+                  <a:pt x="179872" y="39591"/>
+                </a:cubicBezTo>
+                <a:close/>
+                <a:moveTo>
+                  <a:pt x="179872" y="0"/>
+                </a:moveTo>
+                <a:cubicBezTo>
+                  <a:pt x="267050" y="0"/>
+                  <a:pt x="359743" y="29283"/>
+                  <a:pt x="359743" y="83751"/>
+                </a:cubicBezTo>
+                <a:lnTo>
+                  <a:pt x="359743" y="127793"/>
+                </a:lnTo>
+                <a:cubicBezTo>
+                  <a:pt x="357748" y="137749"/>
+                  <a:pt x="352351" y="146769"/>
+                  <a:pt x="344490" y="154851"/>
+                </a:cubicBezTo>
+                <a:cubicBezTo>
+                  <a:pt x="354228" y="165041"/>
+                  <a:pt x="359743" y="176872"/>
+                  <a:pt x="359743" y="190225"/>
+                </a:cubicBezTo>
+                <a:lnTo>
+                  <a:pt x="359743" y="234267"/>
+                </a:lnTo>
+                <a:cubicBezTo>
+                  <a:pt x="357748" y="244341"/>
+                  <a:pt x="352351" y="253360"/>
+                  <a:pt x="344490" y="261325"/>
+                </a:cubicBezTo>
+                <a:cubicBezTo>
+                  <a:pt x="353172" y="270579"/>
+                  <a:pt x="358570" y="281004"/>
+                  <a:pt x="359626" y="292717"/>
+                </a:cubicBezTo>
+                <a:lnTo>
+                  <a:pt x="319029" y="292717"/>
+                </a:lnTo>
+                <a:cubicBezTo>
+                  <a:pt x="317621" y="289906"/>
+                  <a:pt x="315039" y="286978"/>
+                  <a:pt x="311050" y="283815"/>
+                </a:cubicBezTo>
+                <a:cubicBezTo>
+                  <a:pt x="304127" y="287095"/>
+                  <a:pt x="296501" y="290140"/>
+                  <a:pt x="288522" y="292717"/>
+                </a:cubicBezTo>
+                <a:lnTo>
+                  <a:pt x="218709" y="292717"/>
+                </a:lnTo>
+                <a:cubicBezTo>
+                  <a:pt x="206506" y="292717"/>
+                  <a:pt x="195712" y="299160"/>
+                  <a:pt x="189493" y="308765"/>
+                </a:cubicBezTo>
+                <a:cubicBezTo>
+                  <a:pt x="186325" y="308765"/>
+                  <a:pt x="183040" y="308882"/>
+                  <a:pt x="179872" y="308882"/>
+                </a:cubicBezTo>
+                <a:cubicBezTo>
+                  <a:pt x="132938" y="308882"/>
+                  <a:pt x="83893" y="300331"/>
+                  <a:pt x="48693" y="283815"/>
+                </a:cubicBezTo>
+                <a:cubicBezTo>
+                  <a:pt x="42826" y="288500"/>
+                  <a:pt x="39658" y="293069"/>
+                  <a:pt x="39658" y="296817"/>
+                </a:cubicBezTo>
+                <a:cubicBezTo>
+                  <a:pt x="39658" y="312396"/>
+                  <a:pt x="92928" y="340977"/>
+                  <a:pt x="179872" y="340977"/>
+                </a:cubicBezTo>
+                <a:cubicBezTo>
+                  <a:pt x="181280" y="340977"/>
+                  <a:pt x="182570" y="340859"/>
+                  <a:pt x="183978" y="340859"/>
+                </a:cubicBezTo>
+                <a:lnTo>
+                  <a:pt x="183978" y="415356"/>
+                </a:lnTo>
+                <a:cubicBezTo>
+                  <a:pt x="182570" y="415356"/>
+                  <a:pt x="181280" y="415356"/>
+                  <a:pt x="179872" y="415356"/>
+                </a:cubicBezTo>
+                <a:cubicBezTo>
+                  <a:pt x="132938" y="415356"/>
+                  <a:pt x="83893" y="406923"/>
+                  <a:pt x="48693" y="390407"/>
+                </a:cubicBezTo>
+                <a:cubicBezTo>
+                  <a:pt x="42826" y="395092"/>
+                  <a:pt x="39658" y="399543"/>
+                  <a:pt x="39658" y="403292"/>
+                </a:cubicBezTo>
+                <a:cubicBezTo>
+                  <a:pt x="39658" y="418870"/>
+                  <a:pt x="92928" y="447451"/>
+                  <a:pt x="179872" y="447451"/>
+                </a:cubicBezTo>
+                <a:cubicBezTo>
+                  <a:pt x="181280" y="447451"/>
+                  <a:pt x="182570" y="447451"/>
+                  <a:pt x="183978" y="447451"/>
+                </a:cubicBezTo>
+                <a:lnTo>
+                  <a:pt x="183978" y="513397"/>
+                </a:lnTo>
+                <a:cubicBezTo>
+                  <a:pt x="179637" y="515506"/>
+                  <a:pt x="175647" y="518434"/>
+                  <a:pt x="172245" y="521831"/>
+                </a:cubicBezTo>
+                <a:cubicBezTo>
+                  <a:pt x="92810" y="520308"/>
+                  <a:pt x="9973" y="494773"/>
+                  <a:pt x="117" y="447334"/>
+                </a:cubicBezTo>
+                <a:lnTo>
+                  <a:pt x="0" y="446514"/>
+                </a:lnTo>
+                <a:lnTo>
+                  <a:pt x="0" y="403292"/>
+                </a:lnTo>
+                <a:cubicBezTo>
+                  <a:pt x="0" y="389938"/>
+                  <a:pt x="5632" y="378108"/>
+                  <a:pt x="15370" y="367800"/>
+                </a:cubicBezTo>
+                <a:cubicBezTo>
+                  <a:pt x="7509" y="359835"/>
+                  <a:pt x="2229" y="350816"/>
+                  <a:pt x="117" y="340859"/>
+                </a:cubicBezTo>
+                <a:lnTo>
+                  <a:pt x="0" y="339922"/>
+                </a:lnTo>
+                <a:lnTo>
+                  <a:pt x="0" y="296817"/>
+                </a:lnTo>
+                <a:cubicBezTo>
+                  <a:pt x="0" y="283464"/>
+                  <a:pt x="5632" y="271633"/>
+                  <a:pt x="15370" y="261325"/>
+                </a:cubicBezTo>
+                <a:cubicBezTo>
+                  <a:pt x="7509" y="253243"/>
+                  <a:pt x="2229" y="244341"/>
+                  <a:pt x="117" y="234267"/>
+                </a:cubicBezTo>
+                <a:lnTo>
+                  <a:pt x="0" y="233330"/>
+                </a:lnTo>
+                <a:lnTo>
+                  <a:pt x="0" y="190225"/>
+                </a:lnTo>
+                <a:cubicBezTo>
+                  <a:pt x="0" y="176872"/>
+                  <a:pt x="5632" y="165041"/>
+                  <a:pt x="15370" y="154734"/>
+                </a:cubicBezTo>
+                <a:cubicBezTo>
+                  <a:pt x="7509" y="146769"/>
+                  <a:pt x="2229" y="137749"/>
+                  <a:pt x="117" y="127793"/>
+                </a:cubicBezTo>
+                <a:lnTo>
+                  <a:pt x="0" y="126856"/>
+                </a:lnTo>
+                <a:lnTo>
+                  <a:pt x="0" y="83751"/>
+                </a:lnTo>
+                <a:cubicBezTo>
+                  <a:pt x="0" y="29283"/>
+                  <a:pt x="92693" y="0"/>
+                  <a:pt x="179872" y="0"/>
+                </a:cubicBezTo>
+                <a:close/>
+              </a:path>
+            </a:pathLst>
+          </a:custGeom>
+        </p:spPr>
+        <p:style>
+          <a:lnRef idx="2">
+            <a:schemeClr val="accent1">
+              <a:shade val="50000"/>
+            </a:schemeClr>
+          </a:lnRef>
+          <a:fillRef idx="1">
+            <a:schemeClr val="accent1"/>
+          </a:fillRef>
+          <a:effectRef idx="0">
+            <a:schemeClr val="accent1"/>
+          </a:effectRef>
+          <a:fontRef idx="minor">
+            <a:schemeClr val="lt1"/>
+          </a:fontRef>
+        </p:style>
+        <p:txBody>
+          <a:bodyPr rtlCol="0" anchor="ctr"/>
+          <a:lstStyle>
+            <a:defPPr>
+              <a:defRPr lang="en-US"/>
+            </a:defPPr>
+            <a:lvl1pPr marL="0" algn="l" defTabSz="914400" rtl="0" eaLnBrk="1" latinLnBrk="0" hangingPunct="1">
+              <a:defRPr sz="1800" kern="1200">
+                <a:solidFill>
+                  <a:schemeClr val="lt1"/>
+                </a:solidFill>
+                <a:latin typeface="+mn-lt"/>
+                <a:ea typeface="+mn-ea"/>
+                <a:cs typeface="+mn-cs"/>
+              </a:defRPr>
+            </a:lvl1pPr>
+            <a:lvl2pPr marL="457200" algn="l" defTabSz="914400" rtl="0" eaLnBrk="1" latinLnBrk="0" hangingPunct="1">
+              <a:defRPr sz="1800" kern="1200">
+                <a:solidFill>
+                  <a:schemeClr val="lt1"/>
+                </a:solidFill>
+                <a:latin typeface="+mn-lt"/>
+                <a:ea typeface="+mn-ea"/>
+                <a:cs typeface="+mn-cs"/>
+              </a:defRPr>
+            </a:lvl2pPr>
+            <a:lvl3pPr marL="914400" algn="l" defTabSz="914400" rtl="0" eaLnBrk="1" latinLnBrk="0" hangingPunct="1">
+              <a:defRPr sz="1800" kern="1200">
+                <a:solidFill>
+                  <a:schemeClr val="lt1"/>
+                </a:solidFill>
+                <a:latin typeface="+mn-lt"/>
+                <a:ea typeface="+mn-ea"/>
+                <a:cs typeface="+mn-cs"/>
+              </a:defRPr>
+            </a:lvl3pPr>
+            <a:lvl4pPr marL="1371600" algn="l" defTabSz="914400" rtl="0" eaLnBrk="1" latinLnBrk="0" hangingPunct="1">
+              <a:defRPr sz="1800" kern="1200">
+                <a:solidFill>
+                  <a:schemeClr val="lt1"/>
+                </a:solidFill>
+                <a:latin typeface="+mn-lt"/>
+                <a:ea typeface="+mn-ea"/>
+                <a:cs typeface="+mn-cs"/>
+              </a:defRPr>
+            </a:lvl4pPr>
+            <a:lvl5pPr marL="1828800" algn="l" defTabSz="914400" rtl="0" eaLnBrk="1" latinLnBrk="0" hangingPunct="1">
+              <a:defRPr sz="1800" kern="1200">
+                <a:solidFill>
+                  <a:schemeClr val="lt1"/>
+                </a:solidFill>
+                <a:latin typeface="+mn-lt"/>
+                <a:ea typeface="+mn-ea"/>
+                <a:cs typeface="+mn-cs"/>
+              </a:defRPr>
+            </a:lvl5pPr>
+            <a:lvl6pPr marL="2286000" algn="l" defTabSz="914400" rtl="0" eaLnBrk="1" latinLnBrk="0" hangingPunct="1">
+              <a:defRPr sz="1800" kern="1200">
+                <a:solidFill>
+                  <a:schemeClr val="lt1"/>
+                </a:solidFill>
+                <a:latin typeface="+mn-lt"/>
+                <a:ea typeface="+mn-ea"/>
+                <a:cs typeface="+mn-cs"/>
+              </a:defRPr>
+            </a:lvl6pPr>
+            <a:lvl7pPr marL="2743200" algn="l" defTabSz="914400" rtl="0" eaLnBrk="1" latinLnBrk="0" hangingPunct="1">
+              <a:defRPr sz="1800" kern="1200">
+                <a:solidFill>
+                  <a:schemeClr val="lt1"/>
+                </a:solidFill>
+                <a:latin typeface="+mn-lt"/>
+                <a:ea typeface="+mn-ea"/>
+                <a:cs typeface="+mn-cs"/>
+              </a:defRPr>
+            </a:lvl7pPr>
+            <a:lvl8pPr marL="3200400" algn="l" defTabSz="914400" rtl="0" eaLnBrk="1" latinLnBrk="0" hangingPunct="1">
+              <a:defRPr sz="1800" kern="1200">
+                <a:solidFill>
+                  <a:schemeClr val="lt1"/>
+                </a:solidFill>
+                <a:latin typeface="+mn-lt"/>
+                <a:ea typeface="+mn-ea"/>
+                <a:cs typeface="+mn-cs"/>
+              </a:defRPr>
+            </a:lvl8pPr>
+            <a:lvl9pPr marL="3657600" algn="l" defTabSz="914400" rtl="0" eaLnBrk="1" latinLnBrk="0" hangingPunct="1">
+              <a:defRPr sz="1800" kern="1200">
+                <a:solidFill>
+                  <a:schemeClr val="lt1"/>
+                </a:solidFill>
+                <a:latin typeface="+mn-lt"/>
+                <a:ea typeface="+mn-ea"/>
+                <a:cs typeface="+mn-cs"/>
+              </a:defRPr>
+            </a:lvl9pPr>
+          </a:lstStyle>
+          <a:p>
+            <a:pPr algn="ctr"/>
+            <a:endParaRPr lang="en-US" dirty="0"/>
+          </a:p>
+        </p:txBody>
+      </p:sp>
+      <p:sp>
+        <p:nvSpPr>
+          <p:cNvPr id="3" name="矩形: 圆角 2">
+            <a:extLst>
+              <a:ext uri="{FF2B5EF4-FFF2-40B4-BE49-F238E27FC236}">
+                <a16:creationId xmlns:a16="http://schemas.microsoft.com/office/drawing/2014/main" id="{7211D3A6-2CD8-4A95-B2DE-230CD48F9C06}"/>
+              </a:ext>
+            </a:extLst>
+          </p:cNvPr>
+          <p:cNvSpPr/>
+          <p:nvPr/>
+        </p:nvSpPr>
+        <p:spPr>
+          <a:xfrm>
+            <a:off x="3982064" y="1735393"/>
+            <a:ext cx="4227871" cy="973394"/>
+          </a:xfrm>
+          <a:prstGeom prst="roundRect">
+            <a:avLst/>
+          </a:prstGeom>
+        </p:spPr>
+        <p:style>
+          <a:lnRef idx="2">
+            <a:schemeClr val="accent1">
+              <a:shade val="50000"/>
+            </a:schemeClr>
+          </a:lnRef>
+          <a:fillRef idx="1">
+            <a:schemeClr val="accent1"/>
+          </a:fillRef>
+          <a:effectRef idx="0">
+            <a:schemeClr val="accent1"/>
+          </a:effectRef>
+          <a:fontRef idx="minor">
+            <a:schemeClr val="lt1"/>
+          </a:fontRef>
+        </p:style>
+        <p:txBody>
+          <a:bodyPr rtlCol="0" anchor="ctr"/>
+          <a:lstStyle/>
+          <a:p>
+            <a:pPr algn="ctr"/>
+            <a:r>
+              <a:rPr lang="en-US" dirty="0"/>
+              <a:t>server</a:t>
+            </a:r>
+          </a:p>
+        </p:txBody>
+      </p:sp>
+      <p:sp>
+        <p:nvSpPr>
+          <p:cNvPr id="6" name="矩形: 圆角 5">
+            <a:extLst>
+              <a:ext uri="{FF2B5EF4-FFF2-40B4-BE49-F238E27FC236}">
+                <a16:creationId xmlns:a16="http://schemas.microsoft.com/office/drawing/2014/main" id="{1FDE4251-B6CA-47E7-86EE-5590EFC97D90}"/>
+              </a:ext>
+            </a:extLst>
+          </p:cNvPr>
+          <p:cNvSpPr/>
+          <p:nvPr/>
+        </p:nvSpPr>
+        <p:spPr>
+          <a:xfrm>
+            <a:off x="2300748" y="747252"/>
+            <a:ext cx="8298426" cy="353961"/>
+          </a:xfrm>
+          <a:prstGeom prst="roundRect">
+            <a:avLst/>
+          </a:prstGeom>
+        </p:spPr>
+        <p:style>
+          <a:lnRef idx="2">
+            <a:schemeClr val="accent1">
+              <a:shade val="50000"/>
+            </a:schemeClr>
+          </a:lnRef>
+          <a:fillRef idx="1">
+            <a:schemeClr val="accent1"/>
+          </a:fillRef>
+          <a:effectRef idx="0">
+            <a:schemeClr val="accent1"/>
+          </a:effectRef>
+          <a:fontRef idx="minor">
+            <a:schemeClr val="lt1"/>
+          </a:fontRef>
+        </p:style>
+        <p:txBody>
+          <a:bodyPr rtlCol="0" anchor="ctr"/>
+          <a:lstStyle/>
+          <a:p>
+            <a:pPr algn="ctr"/>
+            <a:r>
+              <a:rPr lang="en-US" dirty="0"/>
+              <a:t>Browser</a:t>
+            </a:r>
+          </a:p>
+        </p:txBody>
+      </p:sp>
+      <p:sp>
+        <p:nvSpPr>
+          <p:cNvPr id="8" name="python-file-symbol_28884">
+            <a:extLst>
+              <a:ext uri="{FF2B5EF4-FFF2-40B4-BE49-F238E27FC236}">
+                <a16:creationId xmlns:a16="http://schemas.microsoft.com/office/drawing/2014/main" id="{2DDFF315-792B-4150-8605-39C6B226F42F}"/>
+              </a:ext>
+            </a:extLst>
+          </p:cNvPr>
+          <p:cNvSpPr/>
+          <p:nvPr/>
+        </p:nvSpPr>
+        <p:spPr>
+          <a:xfrm>
+            <a:off x="4686348" y="3429001"/>
+            <a:ext cx="623072" cy="808746"/>
+          </a:xfrm>
+          <a:custGeom>
+            <a:avLst/>
+            <a:gdLst>
+              <a:gd name="connsiteX0" fmla="*/ 153811 w 441669"/>
+              <a:gd name="connsiteY0" fmla="*/ 456276 h 607780"/>
+              <a:gd name="connsiteX1" fmla="*/ 177895 w 441669"/>
+              <a:gd name="connsiteY1" fmla="*/ 476252 h 607780"/>
+              <a:gd name="connsiteX2" fmla="*/ 151394 w 441669"/>
+              <a:gd name="connsiteY2" fmla="*/ 498474 h 607780"/>
+              <a:gd name="connsiteX3" fmla="*/ 141060 w 441669"/>
+              <a:gd name="connsiteY3" fmla="*/ 497642 h 607780"/>
+              <a:gd name="connsiteX4" fmla="*/ 141060 w 441669"/>
+              <a:gd name="connsiteY4" fmla="*/ 457441 h 607780"/>
+              <a:gd name="connsiteX5" fmla="*/ 153811 w 441669"/>
+              <a:gd name="connsiteY5" fmla="*/ 456276 h 607780"/>
+              <a:gd name="connsiteX6" fmla="*/ 212507 w 441669"/>
+              <a:gd name="connsiteY6" fmla="*/ 434117 h 607780"/>
+              <a:gd name="connsiteX7" fmla="*/ 255558 w 441669"/>
+              <a:gd name="connsiteY7" fmla="*/ 514423 h 607780"/>
+              <a:gd name="connsiteX8" fmla="*/ 255558 w 441669"/>
+              <a:gd name="connsiteY8" fmla="*/ 570121 h 607780"/>
+              <a:gd name="connsiteX9" fmla="*/ 286285 w 441669"/>
+              <a:gd name="connsiteY9" fmla="*/ 570121 h 607780"/>
+              <a:gd name="connsiteX10" fmla="*/ 286285 w 441669"/>
+              <a:gd name="connsiteY10" fmla="*/ 513425 h 607780"/>
+              <a:gd name="connsiteX11" fmla="*/ 331168 w 441669"/>
+              <a:gd name="connsiteY11" fmla="*/ 434117 h 607780"/>
+              <a:gd name="connsiteX12" fmla="*/ 296611 w 441669"/>
+              <a:gd name="connsiteY12" fmla="*/ 434117 h 607780"/>
+              <a:gd name="connsiteX13" fmla="*/ 282871 w 441669"/>
+              <a:gd name="connsiteY13" fmla="*/ 466788 h 607780"/>
+              <a:gd name="connsiteX14" fmla="*/ 272546 w 441669"/>
+              <a:gd name="connsiteY14" fmla="*/ 492808 h 607780"/>
+              <a:gd name="connsiteX15" fmla="*/ 272129 w 441669"/>
+              <a:gd name="connsiteY15" fmla="*/ 492808 h 607780"/>
+              <a:gd name="connsiteX16" fmla="*/ 261637 w 441669"/>
+              <a:gd name="connsiteY16" fmla="*/ 466788 h 607780"/>
+              <a:gd name="connsiteX17" fmla="*/ 247648 w 441669"/>
+              <a:gd name="connsiteY17" fmla="*/ 434117 h 607780"/>
+              <a:gd name="connsiteX18" fmla="*/ 152219 w 441669"/>
+              <a:gd name="connsiteY18" fmla="*/ 433036 h 607780"/>
+              <a:gd name="connsiteX19" fmla="*/ 110584 w 441669"/>
+              <a:gd name="connsiteY19" fmla="*/ 435863 h 607780"/>
+              <a:gd name="connsiteX20" fmla="*/ 110584 w 441669"/>
+              <a:gd name="connsiteY20" fmla="*/ 570121 h 607780"/>
+              <a:gd name="connsiteX21" fmla="*/ 141061 w 441669"/>
+              <a:gd name="connsiteY21" fmla="*/ 570121 h 607780"/>
+              <a:gd name="connsiteX22" fmla="*/ 141061 w 441669"/>
+              <a:gd name="connsiteY22" fmla="*/ 521489 h 607780"/>
+              <a:gd name="connsiteX23" fmla="*/ 151636 w 441669"/>
+              <a:gd name="connsiteY23" fmla="*/ 522071 h 607780"/>
+              <a:gd name="connsiteX24" fmla="*/ 195853 w 441669"/>
+              <a:gd name="connsiteY24" fmla="*/ 507772 h 607780"/>
+              <a:gd name="connsiteX25" fmla="*/ 208427 w 441669"/>
+              <a:gd name="connsiteY25" fmla="*/ 475434 h 607780"/>
+              <a:gd name="connsiteX26" fmla="*/ 193855 w 441669"/>
+              <a:gd name="connsiteY26" fmla="*/ 443927 h 607780"/>
+              <a:gd name="connsiteX27" fmla="*/ 152219 w 441669"/>
+              <a:gd name="connsiteY27" fmla="*/ 433036 h 607780"/>
+              <a:gd name="connsiteX28" fmla="*/ 243888 w 441669"/>
+              <a:gd name="connsiteY28" fmla="*/ 314203 h 607780"/>
+              <a:gd name="connsiteX29" fmla="*/ 232564 w 441669"/>
+              <a:gd name="connsiteY29" fmla="*/ 325675 h 607780"/>
+              <a:gd name="connsiteX30" fmla="*/ 243888 w 441669"/>
+              <a:gd name="connsiteY30" fmla="*/ 336814 h 607780"/>
+              <a:gd name="connsiteX31" fmla="*/ 255212 w 441669"/>
+              <a:gd name="connsiteY31" fmla="*/ 325176 h 607780"/>
+              <a:gd name="connsiteX32" fmla="*/ 243888 w 441669"/>
+              <a:gd name="connsiteY32" fmla="*/ 314203 h 607780"/>
+              <a:gd name="connsiteX33" fmla="*/ 280524 w 441669"/>
+              <a:gd name="connsiteY33" fmla="*/ 180038 h 607780"/>
+              <a:gd name="connsiteX34" fmla="*/ 297509 w 441669"/>
+              <a:gd name="connsiteY34" fmla="*/ 180204 h 607780"/>
+              <a:gd name="connsiteX35" fmla="*/ 319491 w 441669"/>
+              <a:gd name="connsiteY35" fmla="*/ 194585 h 607780"/>
+              <a:gd name="connsiteX36" fmla="*/ 328400 w 441669"/>
+              <a:gd name="connsiteY36" fmla="*/ 230080 h 607780"/>
+              <a:gd name="connsiteX37" fmla="*/ 324736 w 441669"/>
+              <a:gd name="connsiteY37" fmla="*/ 264660 h 607780"/>
+              <a:gd name="connsiteX38" fmla="*/ 289350 w 441669"/>
+              <a:gd name="connsiteY38" fmla="*/ 292508 h 607780"/>
+              <a:gd name="connsiteX39" fmla="*/ 217244 w 441669"/>
+              <a:gd name="connsiteY39" fmla="*/ 292508 h 607780"/>
+              <a:gd name="connsiteX40" fmla="*/ 211332 w 441669"/>
+              <a:gd name="connsiteY40" fmla="*/ 296414 h 607780"/>
+              <a:gd name="connsiteX41" fmla="*/ 215828 w 441669"/>
+              <a:gd name="connsiteY41" fmla="*/ 301070 h 607780"/>
+              <a:gd name="connsiteX42" fmla="*/ 261873 w 441669"/>
+              <a:gd name="connsiteY42" fmla="*/ 300986 h 607780"/>
+              <a:gd name="connsiteX43" fmla="*/ 267951 w 441669"/>
+              <a:gd name="connsiteY43" fmla="*/ 306805 h 607780"/>
+              <a:gd name="connsiteX44" fmla="*/ 267618 w 441669"/>
+              <a:gd name="connsiteY44" fmla="*/ 326257 h 607780"/>
+              <a:gd name="connsiteX45" fmla="*/ 251881 w 441669"/>
+              <a:gd name="connsiteY45" fmla="*/ 347288 h 607780"/>
+              <a:gd name="connsiteX46" fmla="*/ 227485 w 441669"/>
+              <a:gd name="connsiteY46" fmla="*/ 351943 h 607780"/>
+              <a:gd name="connsiteX47" fmla="*/ 182690 w 441669"/>
+              <a:gd name="connsiteY47" fmla="*/ 350031 h 607780"/>
+              <a:gd name="connsiteX48" fmla="*/ 156878 w 441669"/>
+              <a:gd name="connsiteY48" fmla="*/ 328667 h 607780"/>
+              <a:gd name="connsiteX49" fmla="*/ 156046 w 441669"/>
+              <a:gd name="connsiteY49" fmla="*/ 322267 h 607780"/>
+              <a:gd name="connsiteX50" fmla="*/ 155962 w 441669"/>
+              <a:gd name="connsiteY50" fmla="*/ 294752 h 607780"/>
+              <a:gd name="connsiteX51" fmla="*/ 156046 w 441669"/>
+              <a:gd name="connsiteY51" fmla="*/ 267320 h 607780"/>
+              <a:gd name="connsiteX52" fmla="*/ 181441 w 441669"/>
+              <a:gd name="connsiteY52" fmla="*/ 240886 h 607780"/>
+              <a:gd name="connsiteX53" fmla="*/ 236977 w 441669"/>
+              <a:gd name="connsiteY53" fmla="*/ 240720 h 607780"/>
+              <a:gd name="connsiteX54" fmla="*/ 270699 w 441669"/>
+              <a:gd name="connsiteY54" fmla="*/ 223762 h 607780"/>
+              <a:gd name="connsiteX55" fmla="*/ 276361 w 441669"/>
+              <a:gd name="connsiteY55" fmla="*/ 205474 h 607780"/>
+              <a:gd name="connsiteX56" fmla="*/ 276277 w 441669"/>
+              <a:gd name="connsiteY56" fmla="*/ 184526 h 607780"/>
+              <a:gd name="connsiteX57" fmla="*/ 280524 w 441669"/>
+              <a:gd name="connsiteY57" fmla="*/ 180038 h 607780"/>
+              <a:gd name="connsiteX58" fmla="*/ 176887 w 441669"/>
+              <a:gd name="connsiteY58" fmla="*/ 133227 h 607780"/>
+              <a:gd name="connsiteX59" fmla="*/ 165647 w 441669"/>
+              <a:gd name="connsiteY59" fmla="*/ 144869 h 607780"/>
+              <a:gd name="connsiteX60" fmla="*/ 176887 w 441669"/>
+              <a:gd name="connsiteY60" fmla="*/ 155845 h 607780"/>
+              <a:gd name="connsiteX61" fmla="*/ 188210 w 441669"/>
+              <a:gd name="connsiteY61" fmla="*/ 144370 h 607780"/>
+              <a:gd name="connsiteX62" fmla="*/ 176887 w 441669"/>
+              <a:gd name="connsiteY62" fmla="*/ 133227 h 607780"/>
+              <a:gd name="connsiteX63" fmla="*/ 193289 w 441669"/>
+              <a:gd name="connsiteY63" fmla="*/ 118093 h 607780"/>
+              <a:gd name="connsiteX64" fmla="*/ 238164 w 441669"/>
+              <a:gd name="connsiteY64" fmla="*/ 120006 h 607780"/>
+              <a:gd name="connsiteX65" fmla="*/ 263974 w 441669"/>
+              <a:gd name="connsiteY65" fmla="*/ 141376 h 607780"/>
+              <a:gd name="connsiteX66" fmla="*/ 264806 w 441669"/>
+              <a:gd name="connsiteY66" fmla="*/ 147779 h 607780"/>
+              <a:gd name="connsiteX67" fmla="*/ 264806 w 441669"/>
+              <a:gd name="connsiteY67" fmla="*/ 175303 h 607780"/>
+              <a:gd name="connsiteX68" fmla="*/ 264806 w 441669"/>
+              <a:gd name="connsiteY68" fmla="*/ 202745 h 607780"/>
+              <a:gd name="connsiteX69" fmla="*/ 239413 w 441669"/>
+              <a:gd name="connsiteY69" fmla="*/ 229188 h 607780"/>
+              <a:gd name="connsiteX70" fmla="*/ 183797 w 441669"/>
+              <a:gd name="connsiteY70" fmla="*/ 229354 h 607780"/>
+              <a:gd name="connsiteX71" fmla="*/ 150078 w 441669"/>
+              <a:gd name="connsiteY71" fmla="*/ 246318 h 607780"/>
+              <a:gd name="connsiteX72" fmla="*/ 144500 w 441669"/>
+              <a:gd name="connsiteY72" fmla="*/ 264612 h 607780"/>
+              <a:gd name="connsiteX73" fmla="*/ 144583 w 441669"/>
+              <a:gd name="connsiteY73" fmla="*/ 285650 h 607780"/>
+              <a:gd name="connsiteX74" fmla="*/ 140337 w 441669"/>
+              <a:gd name="connsiteY74" fmla="*/ 290057 h 607780"/>
+              <a:gd name="connsiteX75" fmla="*/ 123269 w 441669"/>
+              <a:gd name="connsiteY75" fmla="*/ 289974 h 607780"/>
+              <a:gd name="connsiteX76" fmla="*/ 101373 w 441669"/>
+              <a:gd name="connsiteY76" fmla="*/ 275505 h 607780"/>
+              <a:gd name="connsiteX77" fmla="*/ 92381 w 441669"/>
+              <a:gd name="connsiteY77" fmla="*/ 239998 h 607780"/>
+              <a:gd name="connsiteX78" fmla="*/ 96128 w 441669"/>
+              <a:gd name="connsiteY78" fmla="*/ 205406 h 607780"/>
+              <a:gd name="connsiteX79" fmla="*/ 131512 w 441669"/>
+              <a:gd name="connsiteY79" fmla="*/ 177549 h 607780"/>
+              <a:gd name="connsiteX80" fmla="*/ 203613 w 441669"/>
+              <a:gd name="connsiteY80" fmla="*/ 177549 h 607780"/>
+              <a:gd name="connsiteX81" fmla="*/ 209441 w 441669"/>
+              <a:gd name="connsiteY81" fmla="*/ 173640 h 607780"/>
+              <a:gd name="connsiteX82" fmla="*/ 204945 w 441669"/>
+              <a:gd name="connsiteY82" fmla="*/ 168984 h 607780"/>
+              <a:gd name="connsiteX83" fmla="*/ 158903 w 441669"/>
+              <a:gd name="connsiteY83" fmla="*/ 169150 h 607780"/>
+              <a:gd name="connsiteX84" fmla="*/ 152826 w 441669"/>
+              <a:gd name="connsiteY84" fmla="*/ 163246 h 607780"/>
+              <a:gd name="connsiteX85" fmla="*/ 153242 w 441669"/>
+              <a:gd name="connsiteY85" fmla="*/ 143788 h 607780"/>
+              <a:gd name="connsiteX86" fmla="*/ 168894 w 441669"/>
+              <a:gd name="connsiteY86" fmla="*/ 122750 h 607780"/>
+              <a:gd name="connsiteX87" fmla="*/ 193289 w 441669"/>
+              <a:gd name="connsiteY87" fmla="*/ 118093 h 607780"/>
+              <a:gd name="connsiteX88" fmla="*/ 23899 w 441669"/>
+              <a:gd name="connsiteY88" fmla="*/ 23859 h 607780"/>
+              <a:gd name="connsiteX89" fmla="*/ 23899 w 441669"/>
+              <a:gd name="connsiteY89" fmla="*/ 404688 h 607780"/>
+              <a:gd name="connsiteX90" fmla="*/ 417853 w 441669"/>
+              <a:gd name="connsiteY90" fmla="*/ 404688 h 607780"/>
+              <a:gd name="connsiteX91" fmla="*/ 417770 w 441669"/>
+              <a:gd name="connsiteY91" fmla="*/ 157702 h 607780"/>
+              <a:gd name="connsiteX92" fmla="*/ 312349 w 441669"/>
+              <a:gd name="connsiteY92" fmla="*/ 157702 h 607780"/>
+              <a:gd name="connsiteX93" fmla="*/ 300441 w 441669"/>
+              <a:gd name="connsiteY93" fmla="*/ 145814 h 607780"/>
+              <a:gd name="connsiteX94" fmla="*/ 300441 w 441669"/>
+              <a:gd name="connsiteY94" fmla="*/ 23859 h 607780"/>
+              <a:gd name="connsiteX95" fmla="*/ 23899 w 441669"/>
+              <a:gd name="connsiteY95" fmla="*/ 0 h 607780"/>
+              <a:gd name="connsiteX96" fmla="*/ 312349 w 441669"/>
+              <a:gd name="connsiteY96" fmla="*/ 0 h 607780"/>
+              <a:gd name="connsiteX97" fmla="*/ 315097 w 441669"/>
+              <a:gd name="connsiteY97" fmla="*/ 332 h 607780"/>
+              <a:gd name="connsiteX98" fmla="*/ 315763 w 441669"/>
+              <a:gd name="connsiteY98" fmla="*/ 582 h 607780"/>
+              <a:gd name="connsiteX99" fmla="*/ 318095 w 441669"/>
+              <a:gd name="connsiteY99" fmla="*/ 1496 h 607780"/>
+              <a:gd name="connsiteX100" fmla="*/ 318928 w 441669"/>
+              <a:gd name="connsiteY100" fmla="*/ 1995 h 607780"/>
+              <a:gd name="connsiteX101" fmla="*/ 321259 w 441669"/>
+              <a:gd name="connsiteY101" fmla="*/ 3990 h 607780"/>
+              <a:gd name="connsiteX102" fmla="*/ 321343 w 441669"/>
+              <a:gd name="connsiteY102" fmla="*/ 4073 h 607780"/>
+              <a:gd name="connsiteX103" fmla="*/ 438755 w 441669"/>
+              <a:gd name="connsiteY103" fmla="*/ 137916 h 607780"/>
+              <a:gd name="connsiteX104" fmla="*/ 441586 w 441669"/>
+              <a:gd name="connsiteY104" fmla="*/ 145647 h 607780"/>
+              <a:gd name="connsiteX105" fmla="*/ 441669 w 441669"/>
+              <a:gd name="connsiteY105" fmla="*/ 146978 h 607780"/>
+              <a:gd name="connsiteX106" fmla="*/ 441669 w 441669"/>
+              <a:gd name="connsiteY106" fmla="*/ 583921 h 607780"/>
+              <a:gd name="connsiteX107" fmla="*/ 417770 w 441669"/>
+              <a:gd name="connsiteY107" fmla="*/ 607780 h 607780"/>
+              <a:gd name="connsiteX108" fmla="*/ 23899 w 441669"/>
+              <a:gd name="connsiteY108" fmla="*/ 607780 h 607780"/>
+              <a:gd name="connsiteX109" fmla="*/ 0 w 441669"/>
+              <a:gd name="connsiteY109" fmla="*/ 583921 h 607780"/>
+              <a:gd name="connsiteX110" fmla="*/ 0 w 441669"/>
+              <a:gd name="connsiteY110" fmla="*/ 23859 h 607780"/>
+              <a:gd name="connsiteX111" fmla="*/ 23899 w 441669"/>
+              <a:gd name="connsiteY111" fmla="*/ 0 h 607780"/>
+            </a:gdLst>
+            <a:ahLst/>
+            <a:cxnLst>
+              <a:cxn ang="0">
+                <a:pos x="connsiteX0" y="connsiteY0"/>
+              </a:cxn>
+              <a:cxn ang="0">
+                <a:pos x="connsiteX1" y="connsiteY1"/>
+              </a:cxn>
+              <a:cxn ang="0">
+                <a:pos x="connsiteX2" y="connsiteY2"/>
+              </a:cxn>
+              <a:cxn ang="0">
+                <a:pos x="connsiteX3" y="connsiteY3"/>
+              </a:cxn>
+              <a:cxn ang="0">
+                <a:pos x="connsiteX4" y="connsiteY4"/>
+              </a:cxn>
+              <a:cxn ang="0">
+                <a:pos x="connsiteX5" y="connsiteY5"/>
+              </a:cxn>
+              <a:cxn ang="0">
+                <a:pos x="connsiteX6" y="connsiteY6"/>
+              </a:cxn>
+              <a:cxn ang="0">
+                <a:pos x="connsiteX7" y="connsiteY7"/>
+              </a:cxn>
+              <a:cxn ang="0">
+                <a:pos x="connsiteX8" y="connsiteY8"/>
+              </a:cxn>
+              <a:cxn ang="0">
+                <a:pos x="connsiteX9" y="connsiteY9"/>
+              </a:cxn>
+              <a:cxn ang="0">
+                <a:pos x="connsiteX10" y="connsiteY10"/>
+              </a:cxn>
+              <a:cxn ang="0">
+                <a:pos x="connsiteX11" y="connsiteY11"/>
+              </a:cxn>
+              <a:cxn ang="0">
+                <a:pos x="connsiteX12" y="connsiteY12"/>
+              </a:cxn>
+              <a:cxn ang="0">
+                <a:pos x="connsiteX13" y="connsiteY13"/>
+              </a:cxn>
+              <a:cxn ang="0">
+                <a:pos x="connsiteX14" y="connsiteY14"/>
+              </a:cxn>
+              <a:cxn ang="0">
+                <a:pos x="connsiteX15" y="connsiteY15"/>
+              </a:cxn>
+              <a:cxn ang="0">
+                <a:pos x="connsiteX16" y="connsiteY16"/>
+              </a:cxn>
+              <a:cxn ang="0">
+                <a:pos x="connsiteX17" y="connsiteY17"/>
+              </a:cxn>
+              <a:cxn ang="0">
+                <a:pos x="connsiteX18" y="connsiteY18"/>
+              </a:cxn>
+              <a:cxn ang="0">
+                <a:pos x="connsiteX19" y="connsiteY19"/>
+              </a:cxn>
+              <a:cxn ang="0">
+                <a:pos x="connsiteX20" y="connsiteY20"/>
+              </a:cxn>
+              <a:cxn ang="0">
+                <a:pos x="connsiteX21" y="connsiteY21"/>
+              </a:cxn>
+              <a:cxn ang="0">
+                <a:pos x="connsiteX22" y="connsiteY22"/>
+              </a:cxn>
+              <a:cxn ang="0">
+                <a:pos x="connsiteX23" y="connsiteY23"/>
+              </a:cxn>
+              <a:cxn ang="0">
+                <a:pos x="connsiteX24" y="connsiteY24"/>
+              </a:cxn>
+              <a:cxn ang="0">
+                <a:pos x="connsiteX25" y="connsiteY25"/>
+              </a:cxn>
+              <a:cxn ang="0">
+                <a:pos x="connsiteX26" y="connsiteY26"/>
+              </a:cxn>
+              <a:cxn ang="0">
+                <a:pos x="connsiteX27" y="connsiteY27"/>
+              </a:cxn>
+              <a:cxn ang="0">
+                <a:pos x="connsiteX28" y="connsiteY28"/>
+              </a:cxn>
+              <a:cxn ang="0">
+                <a:pos x="connsiteX29" y="connsiteY29"/>
+              </a:cxn>
+              <a:cxn ang="0">
+                <a:pos x="connsiteX30" y="connsiteY30"/>
+              </a:cxn>
+              <a:cxn ang="0">
+                <a:pos x="connsiteX31" y="connsiteY31"/>
+              </a:cxn>
+              <a:cxn ang="0">
+                <a:pos x="connsiteX32" y="connsiteY32"/>
+              </a:cxn>
+              <a:cxn ang="0">
+                <a:pos x="connsiteX33" y="connsiteY33"/>
+              </a:cxn>
+              <a:cxn ang="0">
+                <a:pos x="connsiteX34" y="connsiteY34"/>
+              </a:cxn>
+              <a:cxn ang="0">
+                <a:pos x="connsiteX35" y="connsiteY35"/>
+              </a:cxn>
+              <a:cxn ang="0">
+                <a:pos x="connsiteX36" y="connsiteY36"/>
+              </a:cxn>
+              <a:cxn ang="0">
+                <a:pos x="connsiteX37" y="connsiteY37"/>
+              </a:cxn>
+              <a:cxn ang="0">
+                <a:pos x="connsiteX38" y="connsiteY38"/>
+              </a:cxn>
+              <a:cxn ang="0">
+                <a:pos x="connsiteX39" y="connsiteY39"/>
+              </a:cxn>
+              <a:cxn ang="0">
+                <a:pos x="connsiteX40" y="connsiteY40"/>
+              </a:cxn>
+              <a:cxn ang="0">
+                <a:pos x="connsiteX41" y="connsiteY41"/>
+              </a:cxn>
+              <a:cxn ang="0">
+                <a:pos x="connsiteX42" y="connsiteY42"/>
+              </a:cxn>
+              <a:cxn ang="0">
+                <a:pos x="connsiteX43" y="connsiteY43"/>
+              </a:cxn>
+              <a:cxn ang="0">
+                <a:pos x="connsiteX44" y="connsiteY44"/>
+              </a:cxn>
+              <a:cxn ang="0">
+                <a:pos x="connsiteX45" y="connsiteY45"/>
+              </a:cxn>
+              <a:cxn ang="0">
+                <a:pos x="connsiteX46" y="connsiteY46"/>
+              </a:cxn>
+              <a:cxn ang="0">
+                <a:pos x="connsiteX47" y="connsiteY47"/>
+              </a:cxn>
+              <a:cxn ang="0">
+                <a:pos x="connsiteX48" y="connsiteY48"/>
+              </a:cxn>
+              <a:cxn ang="0">
+                <a:pos x="connsiteX49" y="connsiteY49"/>
+              </a:cxn>
+              <a:cxn ang="0">
+                <a:pos x="connsiteX50" y="connsiteY50"/>
+              </a:cxn>
+              <a:cxn ang="0">
+                <a:pos x="connsiteX51" y="connsiteY51"/>
+              </a:cxn>
+              <a:cxn ang="0">
+                <a:pos x="connsiteX52" y="connsiteY52"/>
+              </a:cxn>
+              <a:cxn ang="0">
+                <a:pos x="connsiteX53" y="connsiteY53"/>
+              </a:cxn>
+              <a:cxn ang="0">
+                <a:pos x="connsiteX54" y="connsiteY54"/>
+              </a:cxn>
+              <a:cxn ang="0">
+                <a:pos x="connsiteX55" y="connsiteY55"/>
+              </a:cxn>
+              <a:cxn ang="0">
+                <a:pos x="connsiteX56" y="connsiteY56"/>
+              </a:cxn>
+              <a:cxn ang="0">
+                <a:pos x="connsiteX57" y="connsiteY57"/>
+              </a:cxn>
+              <a:cxn ang="0">
+                <a:pos x="connsiteX58" y="connsiteY58"/>
+              </a:cxn>
+              <a:cxn ang="0">
+                <a:pos x="connsiteX59" y="connsiteY59"/>
+              </a:cxn>
+              <a:cxn ang="0">
+                <a:pos x="connsiteX60" y="connsiteY60"/>
+              </a:cxn>
+              <a:cxn ang="0">
+                <a:pos x="connsiteX61" y="connsiteY61"/>
+              </a:cxn>
+              <a:cxn ang="0">
+                <a:pos x="connsiteX62" y="connsiteY62"/>
+              </a:cxn>
+              <a:cxn ang="0">
+                <a:pos x="connsiteX63" y="connsiteY63"/>
+              </a:cxn>
+              <a:cxn ang="0">
+                <a:pos x="connsiteX64" y="connsiteY64"/>
+              </a:cxn>
+              <a:cxn ang="0">
+                <a:pos x="connsiteX65" y="connsiteY65"/>
+              </a:cxn>
+              <a:cxn ang="0">
+                <a:pos x="connsiteX66" y="connsiteY66"/>
+              </a:cxn>
+              <a:cxn ang="0">
+                <a:pos x="connsiteX67" y="connsiteY67"/>
+              </a:cxn>
+              <a:cxn ang="0">
+                <a:pos x="connsiteX68" y="connsiteY68"/>
+              </a:cxn>
+              <a:cxn ang="0">
+                <a:pos x="connsiteX69" y="connsiteY69"/>
+              </a:cxn>
+              <a:cxn ang="0">
+                <a:pos x="connsiteX70" y="connsiteY70"/>
+              </a:cxn>
+              <a:cxn ang="0">
+                <a:pos x="connsiteX71" y="connsiteY71"/>
+              </a:cxn>
+              <a:cxn ang="0">
+                <a:pos x="connsiteX72" y="connsiteY72"/>
+              </a:cxn>
+              <a:cxn ang="0">
+                <a:pos x="connsiteX73" y="connsiteY73"/>
+              </a:cxn>
+              <a:cxn ang="0">
+                <a:pos x="connsiteX74" y="connsiteY74"/>
+              </a:cxn>
+              <a:cxn ang="0">
+                <a:pos x="connsiteX75" y="connsiteY75"/>
+              </a:cxn>
+              <a:cxn ang="0">
+                <a:pos x="connsiteX76" y="connsiteY76"/>
+              </a:cxn>
+              <a:cxn ang="0">
+                <a:pos x="connsiteX77" y="connsiteY77"/>
+              </a:cxn>
+              <a:cxn ang="0">
+                <a:pos x="connsiteX78" y="connsiteY78"/>
+              </a:cxn>
+              <a:cxn ang="0">
+                <a:pos x="connsiteX79" y="connsiteY79"/>
+              </a:cxn>
+              <a:cxn ang="0">
+                <a:pos x="connsiteX80" y="connsiteY80"/>
+              </a:cxn>
+              <a:cxn ang="0">
+                <a:pos x="connsiteX81" y="connsiteY81"/>
+              </a:cxn>
+              <a:cxn ang="0">
+                <a:pos x="connsiteX82" y="connsiteY82"/>
+              </a:cxn>
+              <a:cxn ang="0">
+                <a:pos x="connsiteX83" y="connsiteY83"/>
+              </a:cxn>
+              <a:cxn ang="0">
+                <a:pos x="connsiteX84" y="connsiteY84"/>
+              </a:cxn>
+              <a:cxn ang="0">
+                <a:pos x="connsiteX85" y="connsiteY85"/>
+              </a:cxn>
+              <a:cxn ang="0">
+                <a:pos x="connsiteX86" y="connsiteY86"/>
+              </a:cxn>
+              <a:cxn ang="0">
+                <a:pos x="connsiteX87" y="connsiteY87"/>
+              </a:cxn>
+              <a:cxn ang="0">
+                <a:pos x="connsiteX88" y="connsiteY88"/>
+              </a:cxn>
+              <a:cxn ang="0">
+                <a:pos x="connsiteX89" y="connsiteY89"/>
+              </a:cxn>
+              <a:cxn ang="0">
+                <a:pos x="connsiteX90" y="connsiteY90"/>
+              </a:cxn>
+              <a:cxn ang="0">
+                <a:pos x="connsiteX91" y="connsiteY91"/>
+              </a:cxn>
+              <a:cxn ang="0">
+                <a:pos x="connsiteX92" y="connsiteY92"/>
+              </a:cxn>
+              <a:cxn ang="0">
+                <a:pos x="connsiteX93" y="connsiteY93"/>
+              </a:cxn>
+              <a:cxn ang="0">
+                <a:pos x="connsiteX94" y="connsiteY94"/>
+              </a:cxn>
+              <a:cxn ang="0">
+                <a:pos x="connsiteX95" y="connsiteY95"/>
+              </a:cxn>
+              <a:cxn ang="0">
+                <a:pos x="connsiteX96" y="connsiteY96"/>
+              </a:cxn>
+              <a:cxn ang="0">
+                <a:pos x="connsiteX97" y="connsiteY97"/>
+              </a:cxn>
+              <a:cxn ang="0">
+                <a:pos x="connsiteX98" y="connsiteY98"/>
+              </a:cxn>
+              <a:cxn ang="0">
+                <a:pos x="connsiteX99" y="connsiteY99"/>
+              </a:cxn>
+              <a:cxn ang="0">
+                <a:pos x="connsiteX100" y="connsiteY100"/>
+              </a:cxn>
+              <a:cxn ang="0">
+                <a:pos x="connsiteX101" y="connsiteY101"/>
+              </a:cxn>
+              <a:cxn ang="0">
+                <a:pos x="connsiteX102" y="connsiteY102"/>
+              </a:cxn>
+              <a:cxn ang="0">
+                <a:pos x="connsiteX103" y="connsiteY103"/>
+              </a:cxn>
+              <a:cxn ang="0">
+                <a:pos x="connsiteX104" y="connsiteY104"/>
+              </a:cxn>
+              <a:cxn ang="0">
+                <a:pos x="connsiteX105" y="connsiteY105"/>
+              </a:cxn>
+              <a:cxn ang="0">
+                <a:pos x="connsiteX106" y="connsiteY106"/>
+              </a:cxn>
+              <a:cxn ang="0">
+                <a:pos x="connsiteX107" y="connsiteY107"/>
+              </a:cxn>
+              <a:cxn ang="0">
+                <a:pos x="connsiteX108" y="connsiteY108"/>
+              </a:cxn>
+              <a:cxn ang="0">
+                <a:pos x="connsiteX109" y="connsiteY109"/>
+              </a:cxn>
+              <a:cxn ang="0">
+                <a:pos x="connsiteX110" y="connsiteY110"/>
+              </a:cxn>
+              <a:cxn ang="0">
+                <a:pos x="connsiteX111" y="connsiteY111"/>
+              </a:cxn>
+            </a:cxnLst>
+            <a:rect l="l" t="t" r="r" b="b"/>
+            <a:pathLst>
+              <a:path w="441669" h="607780">
+                <a:moveTo>
+                  <a:pt x="153811" y="456276"/>
+                </a:moveTo>
+                <a:cubicBezTo>
+                  <a:pt x="169228" y="456276"/>
+                  <a:pt x="177895" y="463767"/>
+                  <a:pt x="177895" y="476252"/>
+                </a:cubicBezTo>
+                <a:cubicBezTo>
+                  <a:pt x="177895" y="490234"/>
+                  <a:pt x="167811" y="498474"/>
+                  <a:pt x="151394" y="498474"/>
+                </a:cubicBezTo>
+                <a:cubicBezTo>
+                  <a:pt x="146977" y="498474"/>
+                  <a:pt x="143727" y="498308"/>
+                  <a:pt x="141060" y="497642"/>
+                </a:cubicBezTo>
+                <a:lnTo>
+                  <a:pt x="141060" y="457441"/>
+                </a:lnTo>
+                <a:cubicBezTo>
+                  <a:pt x="143310" y="456859"/>
+                  <a:pt x="147560" y="456276"/>
+                  <a:pt x="153811" y="456276"/>
+                </a:cubicBezTo>
+                <a:close/>
+                <a:moveTo>
+                  <a:pt x="212507" y="434117"/>
+                </a:moveTo>
+                <a:lnTo>
+                  <a:pt x="255558" y="514423"/>
+                </a:lnTo>
+                <a:lnTo>
+                  <a:pt x="255558" y="570121"/>
+                </a:lnTo>
+                <a:lnTo>
+                  <a:pt x="286285" y="570121"/>
+                </a:lnTo>
+                <a:lnTo>
+                  <a:pt x="286285" y="513425"/>
+                </a:lnTo>
+                <a:lnTo>
+                  <a:pt x="331168" y="434117"/>
+                </a:lnTo>
+                <a:lnTo>
+                  <a:pt x="296611" y="434117"/>
+                </a:lnTo>
+                <a:lnTo>
+                  <a:pt x="282871" y="466788"/>
+                </a:lnTo>
+                <a:cubicBezTo>
+                  <a:pt x="278791" y="476431"/>
+                  <a:pt x="275543" y="484329"/>
+                  <a:pt x="272546" y="492808"/>
+                </a:cubicBezTo>
+                <a:lnTo>
+                  <a:pt x="272129" y="492808"/>
+                </a:lnTo>
+                <a:cubicBezTo>
+                  <a:pt x="268715" y="483913"/>
+                  <a:pt x="265884" y="476681"/>
+                  <a:pt x="261637" y="466788"/>
+                </a:cubicBezTo>
+                <a:lnTo>
+                  <a:pt x="247648" y="434117"/>
+                </a:lnTo>
+                <a:close/>
+                <a:moveTo>
+                  <a:pt x="152219" y="433036"/>
+                </a:moveTo>
+                <a:cubicBezTo>
+                  <a:pt x="133400" y="433036"/>
+                  <a:pt x="120077" y="434283"/>
+                  <a:pt x="110584" y="435863"/>
+                </a:cubicBezTo>
+                <a:lnTo>
+                  <a:pt x="110584" y="570121"/>
+                </a:lnTo>
+                <a:lnTo>
+                  <a:pt x="141061" y="570121"/>
+                </a:lnTo>
+                <a:lnTo>
+                  <a:pt x="141061" y="521489"/>
+                </a:lnTo>
+                <a:cubicBezTo>
+                  <a:pt x="143892" y="521905"/>
+                  <a:pt x="147556" y="522071"/>
+                  <a:pt x="151636" y="522071"/>
+                </a:cubicBezTo>
+                <a:cubicBezTo>
+                  <a:pt x="169789" y="522071"/>
+                  <a:pt x="185361" y="517665"/>
+                  <a:pt x="195853" y="507772"/>
+                </a:cubicBezTo>
+                <a:cubicBezTo>
+                  <a:pt x="203931" y="500041"/>
+                  <a:pt x="208427" y="488735"/>
+                  <a:pt x="208427" y="475434"/>
+                </a:cubicBezTo>
+                <a:cubicBezTo>
+                  <a:pt x="208427" y="462133"/>
+                  <a:pt x="202515" y="450827"/>
+                  <a:pt x="193855" y="443927"/>
+                </a:cubicBezTo>
+                <a:cubicBezTo>
+                  <a:pt x="184778" y="436694"/>
+                  <a:pt x="171205" y="433036"/>
+                  <a:pt x="152219" y="433036"/>
+                </a:cubicBezTo>
+                <a:close/>
+                <a:moveTo>
+                  <a:pt x="243888" y="314203"/>
+                </a:moveTo>
+                <a:cubicBezTo>
+                  <a:pt x="237643" y="314203"/>
+                  <a:pt x="232398" y="319440"/>
+                  <a:pt x="232564" y="325675"/>
+                </a:cubicBezTo>
+                <a:cubicBezTo>
+                  <a:pt x="232731" y="331494"/>
+                  <a:pt x="238143" y="336814"/>
+                  <a:pt x="243888" y="336814"/>
+                </a:cubicBezTo>
+                <a:cubicBezTo>
+                  <a:pt x="249966" y="336814"/>
+                  <a:pt x="255295" y="331328"/>
+                  <a:pt x="255212" y="325176"/>
+                </a:cubicBezTo>
+                <a:cubicBezTo>
+                  <a:pt x="255128" y="319191"/>
+                  <a:pt x="250049" y="314203"/>
+                  <a:pt x="243888" y="314203"/>
+                </a:cubicBezTo>
+                <a:close/>
+                <a:moveTo>
+                  <a:pt x="280524" y="180038"/>
+                </a:moveTo>
+                <a:cubicBezTo>
+                  <a:pt x="286186" y="180204"/>
+                  <a:pt x="291847" y="179871"/>
+                  <a:pt x="297509" y="180204"/>
+                </a:cubicBezTo>
+                <a:cubicBezTo>
+                  <a:pt x="307501" y="180786"/>
+                  <a:pt x="314745" y="186023"/>
+                  <a:pt x="319491" y="194585"/>
+                </a:cubicBezTo>
+                <a:cubicBezTo>
+                  <a:pt x="325652" y="205557"/>
+                  <a:pt x="327317" y="217860"/>
+                  <a:pt x="328400" y="230080"/>
+                </a:cubicBezTo>
+                <a:cubicBezTo>
+                  <a:pt x="329399" y="241800"/>
+                  <a:pt x="327401" y="253272"/>
+                  <a:pt x="324736" y="264660"/>
+                </a:cubicBezTo>
+                <a:cubicBezTo>
+                  <a:pt x="321073" y="280288"/>
+                  <a:pt x="307667" y="292840"/>
+                  <a:pt x="289350" y="292508"/>
+                </a:cubicBezTo>
+                <a:cubicBezTo>
+                  <a:pt x="265287" y="292009"/>
+                  <a:pt x="241224" y="292424"/>
+                  <a:pt x="217244" y="292508"/>
+                </a:cubicBezTo>
+                <a:cubicBezTo>
+                  <a:pt x="214496" y="292508"/>
+                  <a:pt x="211332" y="291759"/>
+                  <a:pt x="211332" y="296414"/>
+                </a:cubicBezTo>
+                <a:cubicBezTo>
+                  <a:pt x="211332" y="299739"/>
+                  <a:pt x="212248" y="301070"/>
+                  <a:pt x="215828" y="301070"/>
+                </a:cubicBezTo>
+                <a:cubicBezTo>
+                  <a:pt x="231232" y="300903"/>
+                  <a:pt x="246552" y="301153"/>
+                  <a:pt x="261873" y="300986"/>
+                </a:cubicBezTo>
+                <a:cubicBezTo>
+                  <a:pt x="266452" y="300903"/>
+                  <a:pt x="268284" y="302067"/>
+                  <a:pt x="267951" y="306805"/>
+                </a:cubicBezTo>
+                <a:cubicBezTo>
+                  <a:pt x="267618" y="313289"/>
+                  <a:pt x="267868" y="319773"/>
+                  <a:pt x="267618" y="326257"/>
+                </a:cubicBezTo>
+                <a:cubicBezTo>
+                  <a:pt x="267202" y="337645"/>
+                  <a:pt x="262872" y="343963"/>
+                  <a:pt x="251881" y="347288"/>
+                </a:cubicBezTo>
+                <a:cubicBezTo>
+                  <a:pt x="243971" y="349615"/>
+                  <a:pt x="235645" y="351777"/>
+                  <a:pt x="227485" y="351943"/>
+                </a:cubicBezTo>
+                <a:cubicBezTo>
+                  <a:pt x="212581" y="352192"/>
+                  <a:pt x="197510" y="351777"/>
+                  <a:pt x="182690" y="350031"/>
+                </a:cubicBezTo>
+                <a:cubicBezTo>
+                  <a:pt x="170283" y="348452"/>
+                  <a:pt x="160792" y="341386"/>
+                  <a:pt x="156878" y="328667"/>
+                </a:cubicBezTo>
+                <a:cubicBezTo>
+                  <a:pt x="156212" y="326589"/>
+                  <a:pt x="156046" y="324428"/>
+                  <a:pt x="156046" y="322267"/>
+                </a:cubicBezTo>
+                <a:cubicBezTo>
+                  <a:pt x="155879" y="313123"/>
+                  <a:pt x="155962" y="303979"/>
+                  <a:pt x="155962" y="294752"/>
+                </a:cubicBezTo>
+                <a:cubicBezTo>
+                  <a:pt x="155962" y="285608"/>
+                  <a:pt x="155879" y="276464"/>
+                  <a:pt x="156046" y="267320"/>
+                </a:cubicBezTo>
+                <a:cubicBezTo>
+                  <a:pt x="156212" y="253106"/>
+                  <a:pt x="167203" y="241302"/>
+                  <a:pt x="181441" y="240886"/>
+                </a:cubicBezTo>
+                <a:cubicBezTo>
+                  <a:pt x="199925" y="240387"/>
+                  <a:pt x="218493" y="240720"/>
+                  <a:pt x="236977" y="240720"/>
+                </a:cubicBezTo>
+                <a:cubicBezTo>
+                  <a:pt x="251132" y="240720"/>
+                  <a:pt x="262705" y="235732"/>
+                  <a:pt x="270699" y="223762"/>
+                </a:cubicBezTo>
+                <a:cubicBezTo>
+                  <a:pt x="274362" y="218276"/>
+                  <a:pt x="276444" y="212207"/>
+                  <a:pt x="276361" y="205474"/>
+                </a:cubicBezTo>
+                <a:cubicBezTo>
+                  <a:pt x="276194" y="198492"/>
+                  <a:pt x="276444" y="191509"/>
+                  <a:pt x="276277" y="184526"/>
+                </a:cubicBezTo>
+                <a:cubicBezTo>
+                  <a:pt x="276194" y="181368"/>
+                  <a:pt x="277110" y="179871"/>
+                  <a:pt x="280524" y="180038"/>
+                </a:cubicBezTo>
+                <a:close/>
+                <a:moveTo>
+                  <a:pt x="176887" y="133227"/>
+                </a:moveTo>
+                <a:cubicBezTo>
+                  <a:pt x="170809" y="133227"/>
+                  <a:pt x="165564" y="138715"/>
+                  <a:pt x="165647" y="144869"/>
+                </a:cubicBezTo>
+                <a:cubicBezTo>
+                  <a:pt x="165731" y="150856"/>
+                  <a:pt x="170809" y="155845"/>
+                  <a:pt x="176887" y="155845"/>
+                </a:cubicBezTo>
+                <a:cubicBezTo>
+                  <a:pt x="183215" y="155845"/>
+                  <a:pt x="188376" y="150607"/>
+                  <a:pt x="188210" y="144370"/>
+                </a:cubicBezTo>
+                <a:cubicBezTo>
+                  <a:pt x="188127" y="138549"/>
+                  <a:pt x="182632" y="133227"/>
+                  <a:pt x="176887" y="133227"/>
+                </a:cubicBezTo>
+                <a:close/>
+                <a:moveTo>
+                  <a:pt x="193289" y="118093"/>
+                </a:moveTo>
+                <a:cubicBezTo>
+                  <a:pt x="208275" y="117844"/>
+                  <a:pt x="223344" y="118260"/>
+                  <a:pt x="238164" y="120006"/>
+                </a:cubicBezTo>
+                <a:cubicBezTo>
+                  <a:pt x="250570" y="121586"/>
+                  <a:pt x="260061" y="128654"/>
+                  <a:pt x="263974" y="141376"/>
+                </a:cubicBezTo>
+                <a:cubicBezTo>
+                  <a:pt x="264557" y="143455"/>
+                  <a:pt x="264806" y="145617"/>
+                  <a:pt x="264806" y="147779"/>
+                </a:cubicBezTo>
+                <a:cubicBezTo>
+                  <a:pt x="264890" y="156926"/>
+                  <a:pt x="264806" y="166073"/>
+                  <a:pt x="264806" y="175303"/>
+                </a:cubicBezTo>
+                <a:cubicBezTo>
+                  <a:pt x="264806" y="184451"/>
+                  <a:pt x="264973" y="193598"/>
+                  <a:pt x="264806" y="202745"/>
+                </a:cubicBezTo>
+                <a:cubicBezTo>
+                  <a:pt x="264557" y="216964"/>
+                  <a:pt x="253567" y="228772"/>
+                  <a:pt x="239413" y="229188"/>
+                </a:cubicBezTo>
+                <a:cubicBezTo>
+                  <a:pt x="220847" y="229687"/>
+                  <a:pt x="202364" y="229354"/>
+                  <a:pt x="183797" y="229354"/>
+                </a:cubicBezTo>
+                <a:cubicBezTo>
+                  <a:pt x="169727" y="229354"/>
+                  <a:pt x="158071" y="234343"/>
+                  <a:pt x="150078" y="246318"/>
+                </a:cubicBezTo>
+                <a:cubicBezTo>
+                  <a:pt x="146415" y="251806"/>
+                  <a:pt x="144333" y="257876"/>
+                  <a:pt x="144500" y="264612"/>
+                </a:cubicBezTo>
+                <a:cubicBezTo>
+                  <a:pt x="144583" y="271597"/>
+                  <a:pt x="144417" y="278665"/>
+                  <a:pt x="144583" y="285650"/>
+                </a:cubicBezTo>
+                <a:cubicBezTo>
+                  <a:pt x="144667" y="288726"/>
+                  <a:pt x="143667" y="290223"/>
+                  <a:pt x="140337" y="290057"/>
+                </a:cubicBezTo>
+                <a:cubicBezTo>
+                  <a:pt x="134676" y="289890"/>
+                  <a:pt x="128931" y="290306"/>
+                  <a:pt x="123269" y="289974"/>
+                </a:cubicBezTo>
+                <a:cubicBezTo>
+                  <a:pt x="113279" y="289392"/>
+                  <a:pt x="106119" y="284070"/>
+                  <a:pt x="101373" y="275505"/>
+                </a:cubicBezTo>
+                <a:cubicBezTo>
+                  <a:pt x="95212" y="264528"/>
+                  <a:pt x="93463" y="252305"/>
+                  <a:pt x="92381" y="239998"/>
+                </a:cubicBezTo>
+                <a:cubicBezTo>
+                  <a:pt x="91382" y="228273"/>
+                  <a:pt x="93380" y="216798"/>
+                  <a:pt x="96128" y="205406"/>
+                </a:cubicBezTo>
+                <a:cubicBezTo>
+                  <a:pt x="99791" y="189773"/>
+                  <a:pt x="113195" y="177216"/>
+                  <a:pt x="131512" y="177549"/>
+                </a:cubicBezTo>
+                <a:cubicBezTo>
+                  <a:pt x="155573" y="178047"/>
+                  <a:pt x="179551" y="177632"/>
+                  <a:pt x="203613" y="177549"/>
+                </a:cubicBezTo>
+                <a:cubicBezTo>
+                  <a:pt x="206277" y="177549"/>
+                  <a:pt x="209441" y="178297"/>
+                  <a:pt x="209441" y="173640"/>
+                </a:cubicBezTo>
+                <a:cubicBezTo>
+                  <a:pt x="209441" y="170314"/>
+                  <a:pt x="208608" y="168984"/>
+                  <a:pt x="204945" y="168984"/>
+                </a:cubicBezTo>
+                <a:cubicBezTo>
+                  <a:pt x="189625" y="169150"/>
+                  <a:pt x="174306" y="168900"/>
+                  <a:pt x="158903" y="169150"/>
+                </a:cubicBezTo>
+                <a:cubicBezTo>
+                  <a:pt x="154408" y="169150"/>
+                  <a:pt x="152576" y="167986"/>
+                  <a:pt x="152826" y="163246"/>
+                </a:cubicBezTo>
+                <a:cubicBezTo>
+                  <a:pt x="153242" y="156760"/>
+                  <a:pt x="152992" y="150274"/>
+                  <a:pt x="153242" y="143788"/>
+                </a:cubicBezTo>
+                <a:cubicBezTo>
+                  <a:pt x="153658" y="132396"/>
+                  <a:pt x="157904" y="126076"/>
+                  <a:pt x="168894" y="122750"/>
+                </a:cubicBezTo>
+                <a:cubicBezTo>
+                  <a:pt x="176804" y="120422"/>
+                  <a:pt x="185129" y="118260"/>
+                  <a:pt x="193289" y="118093"/>
+                </a:cubicBezTo>
+                <a:close/>
+                <a:moveTo>
+                  <a:pt x="23899" y="23859"/>
+                </a:moveTo>
+                <a:lnTo>
+                  <a:pt x="23899" y="404688"/>
+                </a:lnTo>
+                <a:lnTo>
+                  <a:pt x="417853" y="404688"/>
+                </a:lnTo>
+                <a:lnTo>
+                  <a:pt x="417770" y="157702"/>
+                </a:lnTo>
+                <a:lnTo>
+                  <a:pt x="312349" y="157702"/>
+                </a:lnTo>
+                <a:cubicBezTo>
+                  <a:pt x="305771" y="157702"/>
+                  <a:pt x="300441" y="152381"/>
+                  <a:pt x="300441" y="145814"/>
+                </a:cubicBezTo>
+                <a:lnTo>
+                  <a:pt x="300441" y="23859"/>
+                </a:lnTo>
+                <a:close/>
+                <a:moveTo>
+                  <a:pt x="23899" y="0"/>
+                </a:moveTo>
+                <a:lnTo>
+                  <a:pt x="312349" y="0"/>
+                </a:lnTo>
+                <a:cubicBezTo>
+                  <a:pt x="313265" y="0"/>
+                  <a:pt x="314181" y="166"/>
+                  <a:pt x="315097" y="332"/>
+                </a:cubicBezTo>
+                <a:cubicBezTo>
+                  <a:pt x="315347" y="415"/>
+                  <a:pt x="315514" y="499"/>
+                  <a:pt x="315763" y="582"/>
+                </a:cubicBezTo>
+                <a:cubicBezTo>
+                  <a:pt x="316596" y="831"/>
+                  <a:pt x="317345" y="1164"/>
+                  <a:pt x="318095" y="1496"/>
+                </a:cubicBezTo>
+                <a:cubicBezTo>
+                  <a:pt x="318345" y="1662"/>
+                  <a:pt x="318595" y="1829"/>
+                  <a:pt x="318928" y="1995"/>
+                </a:cubicBezTo>
+                <a:cubicBezTo>
+                  <a:pt x="319760" y="2577"/>
+                  <a:pt x="320593" y="3242"/>
+                  <a:pt x="321259" y="3990"/>
+                </a:cubicBezTo>
+                <a:cubicBezTo>
+                  <a:pt x="321259" y="3990"/>
+                  <a:pt x="321343" y="4073"/>
+                  <a:pt x="321343" y="4073"/>
+                </a:cubicBezTo>
+                <a:lnTo>
+                  <a:pt x="438755" y="137916"/>
+                </a:lnTo>
+                <a:cubicBezTo>
+                  <a:pt x="440670" y="140078"/>
+                  <a:pt x="441502" y="142821"/>
+                  <a:pt x="441586" y="145647"/>
+                </a:cubicBezTo>
+                <a:cubicBezTo>
+                  <a:pt x="441586" y="146063"/>
+                  <a:pt x="441669" y="146562"/>
+                  <a:pt x="441669" y="146978"/>
+                </a:cubicBezTo>
+                <a:lnTo>
+                  <a:pt x="441669" y="583921"/>
+                </a:lnTo>
+                <a:cubicBezTo>
+                  <a:pt x="441669" y="597056"/>
+                  <a:pt x="431010" y="607780"/>
+                  <a:pt x="417770" y="607780"/>
+                </a:cubicBezTo>
+                <a:lnTo>
+                  <a:pt x="23899" y="607780"/>
+                </a:lnTo>
+                <a:cubicBezTo>
+                  <a:pt x="10742" y="607780"/>
+                  <a:pt x="0" y="597056"/>
+                  <a:pt x="0" y="583921"/>
+                </a:cubicBezTo>
+                <a:lnTo>
+                  <a:pt x="0" y="23859"/>
+                </a:lnTo>
+                <a:cubicBezTo>
+                  <a:pt x="0" y="10724"/>
+                  <a:pt x="10742" y="0"/>
+                  <a:pt x="23899" y="0"/>
+                </a:cubicBezTo>
+                <a:close/>
+              </a:path>
+            </a:pathLst>
+          </a:custGeom>
+          <a:solidFill>
+            <a:schemeClr val="accent1"/>
+          </a:solidFill>
+          <a:ln>
+            <a:noFill/>
+          </a:ln>
+        </p:spPr>
+        <p:style>
+          <a:lnRef idx="2">
+            <a:schemeClr val="accent1">
+              <a:shade val="50000"/>
+            </a:schemeClr>
+          </a:lnRef>
+          <a:fillRef idx="1">
+            <a:schemeClr val="accent1"/>
+          </a:fillRef>
+          <a:effectRef idx="0">
+            <a:schemeClr val="accent1"/>
+          </a:effectRef>
+          <a:fontRef idx="minor">
+            <a:schemeClr val="lt1"/>
+          </a:fontRef>
+        </p:style>
+        <p:txBody>
+          <a:bodyPr rtlCol="0" anchor="ctr"/>
+          <a:lstStyle/>
+          <a:p>
+            <a:pPr algn="ctr"/>
+            <a:endParaRPr lang="en-US"/>
+          </a:p>
+        </p:txBody>
+      </p:sp>
+      <p:sp>
+        <p:nvSpPr>
+          <p:cNvPr id="10" name="js-file-format-symbol_29621">
+            <a:extLst>
+              <a:ext uri="{FF2B5EF4-FFF2-40B4-BE49-F238E27FC236}">
+                <a16:creationId xmlns:a16="http://schemas.microsoft.com/office/drawing/2014/main" id="{FAB683AD-6D90-4224-A63B-6C72E816479D}"/>
+              </a:ext>
+            </a:extLst>
+          </p:cNvPr>
+          <p:cNvSpPr/>
+          <p:nvPr/>
+        </p:nvSpPr>
+        <p:spPr>
+          <a:xfrm>
+            <a:off x="1592826" y="683257"/>
+            <a:ext cx="442955" cy="609685"/>
+          </a:xfrm>
+          <a:custGeom>
+            <a:avLst/>
+            <a:gdLst>
+              <a:gd name="T0" fmla="*/ 121763 h 600884"/>
+              <a:gd name="T1" fmla="*/ 121763 h 600884"/>
+              <a:gd name="T2" fmla="*/ 121763 h 600884"/>
+              <a:gd name="T3" fmla="*/ 121763 h 600884"/>
+              <a:gd name="T4" fmla="*/ 121763 h 600884"/>
+              <a:gd name="T5" fmla="*/ 121763 h 600884"/>
+              <a:gd name="T6" fmla="*/ 121763 h 600884"/>
+              <a:gd name="T7" fmla="*/ 121763 h 600884"/>
+              <a:gd name="T8" fmla="*/ 121763 h 600884"/>
+              <a:gd name="T9" fmla="*/ 121763 h 600884"/>
+              <a:gd name="T10" fmla="*/ 121763 h 600884"/>
+              <a:gd name="T11" fmla="*/ 121763 h 600884"/>
+              <a:gd name="T12" fmla="*/ 121763 h 600884"/>
+              <a:gd name="T13" fmla="*/ 121763 h 600884"/>
+              <a:gd name="T14" fmla="*/ 121763 h 600884"/>
+              <a:gd name="T15" fmla="*/ 121763 h 600884"/>
+              <a:gd name="T16" fmla="*/ 121763 h 600884"/>
+              <a:gd name="T17" fmla="*/ 121763 h 600884"/>
+              <a:gd name="T18" fmla="*/ 121763 h 600884"/>
+              <a:gd name="T19" fmla="*/ 121763 h 600884"/>
+              <a:gd name="T20" fmla="*/ 121763 h 600884"/>
+              <a:gd name="T21" fmla="*/ 121763 h 600884"/>
+              <a:gd name="T22" fmla="*/ 121763 h 600884"/>
+              <a:gd name="T23" fmla="*/ 121763 h 600884"/>
+              <a:gd name="T24" fmla="*/ 121763 h 600884"/>
+              <a:gd name="T25" fmla="*/ 121763 h 600884"/>
+              <a:gd name="T26" fmla="*/ 121763 h 600884"/>
+              <a:gd name="T27" fmla="*/ 121763 h 600884"/>
+              <a:gd name="T28" fmla="*/ 121763 h 600884"/>
+              <a:gd name="T29" fmla="*/ 121763 h 600884"/>
+              <a:gd name="T30" fmla="*/ 121763 h 600884"/>
+              <a:gd name="T31" fmla="*/ 121763 h 600884"/>
+              <a:gd name="T32" fmla="*/ 121763 h 600884"/>
+              <a:gd name="T33" fmla="*/ 121763 h 600884"/>
+              <a:gd name="T34" fmla="*/ 121763 h 600884"/>
+              <a:gd name="T35" fmla="*/ 121763 h 600884"/>
+              <a:gd name="T36" fmla="*/ 121763 h 600884"/>
+              <a:gd name="T37" fmla="*/ 121763 h 600884"/>
+              <a:gd name="T38" fmla="*/ 121763 h 600884"/>
+              <a:gd name="T39" fmla="*/ 121763 h 600884"/>
+              <a:gd name="T40" fmla="*/ 121763 h 600884"/>
+              <a:gd name="T41" fmla="*/ 121763 h 600884"/>
+              <a:gd name="T42" fmla="*/ 121763 h 600884"/>
+              <a:gd name="T43" fmla="*/ 121763 h 600884"/>
+              <a:gd name="T44" fmla="*/ 121763 h 600884"/>
+              <a:gd name="T45" fmla="*/ 121763 h 600884"/>
+              <a:gd name="T46" fmla="*/ 121763 h 600884"/>
+              <a:gd name="T47" fmla="*/ 121763 h 600884"/>
+              <a:gd name="T48" fmla="*/ 121763 h 600884"/>
+              <a:gd name="T49" fmla="*/ 121763 h 600884"/>
+              <a:gd name="T50" fmla="*/ 121763 h 600884"/>
+              <a:gd name="T51" fmla="*/ 121763 h 600884"/>
+              <a:gd name="T52" fmla="*/ 121763 h 600884"/>
+              <a:gd name="T53" fmla="*/ 121763 h 600884"/>
+              <a:gd name="T54" fmla="*/ 121763 h 600884"/>
+              <a:gd name="T55" fmla="*/ 121763 h 600884"/>
+              <a:gd name="T56" fmla="*/ 121763 h 600884"/>
+              <a:gd name="T57" fmla="*/ 121763 h 600884"/>
+              <a:gd name="T58" fmla="*/ 121763 h 600884"/>
+              <a:gd name="T59" fmla="*/ 121763 h 600884"/>
+              <a:gd name="T60" fmla="*/ 121763 h 600884"/>
+              <a:gd name="T61" fmla="*/ 121763 h 600884"/>
+              <a:gd name="T62" fmla="*/ 121763 h 600884"/>
+              <a:gd name="T63" fmla="*/ 121763 h 600884"/>
+              <a:gd name="T64" fmla="*/ 121763 h 600884"/>
+              <a:gd name="T65" fmla="*/ 121763 h 600884"/>
+              <a:gd name="T66" fmla="*/ 121763 h 600884"/>
+              <a:gd name="T67" fmla="*/ 121763 h 600884"/>
+              <a:gd name="T68" fmla="*/ 121763 h 600884"/>
+              <a:gd name="T69" fmla="*/ 121763 h 600884"/>
+              <a:gd name="T70" fmla="*/ 121763 h 600884"/>
+              <a:gd name="T71" fmla="*/ 121763 h 600884"/>
+              <a:gd name="T72" fmla="*/ 121763 h 600884"/>
+              <a:gd name="T73" fmla="*/ 121763 h 600884"/>
+              <a:gd name="T74" fmla="*/ 121763 h 600884"/>
+              <a:gd name="T75" fmla="*/ 121763 h 600884"/>
+              <a:gd name="T76" fmla="*/ 121763 h 600884"/>
+              <a:gd name="T77" fmla="*/ 121763 h 600884"/>
+              <a:gd name="T78" fmla="*/ 121763 h 600884"/>
+              <a:gd name="T79" fmla="*/ 121763 h 600884"/>
+              <a:gd name="T80" fmla="*/ 121763 h 600884"/>
+              <a:gd name="T81" fmla="*/ 121763 h 600884"/>
+              <a:gd name="T82" fmla="*/ 121763 h 600884"/>
+              <a:gd name="T83" fmla="*/ 121763 h 600884"/>
+              <a:gd name="T84" fmla="*/ 121763 h 600884"/>
+              <a:gd name="T85" fmla="*/ 121763 h 600884"/>
+              <a:gd name="T86" fmla="*/ 121763 h 600884"/>
+              <a:gd name="T87" fmla="*/ 121763 h 600884"/>
+              <a:gd name="T88" fmla="*/ 121763 h 600884"/>
+              <a:gd name="T89" fmla="*/ 121763 h 600884"/>
+              <a:gd name="T90" fmla="*/ 121763 h 600884"/>
+              <a:gd name="T91" fmla="*/ 121763 h 600884"/>
+              <a:gd name="T92" fmla="*/ 121763 h 600884"/>
+              <a:gd name="T93" fmla="*/ 121763 h 600884"/>
+              <a:gd name="T94" fmla="*/ 121763 h 600884"/>
+              <a:gd name="T95" fmla="*/ 121763 h 600884"/>
+              <a:gd name="T96" fmla="*/ 121763 h 600884"/>
+              <a:gd name="T97" fmla="*/ 121763 h 600884"/>
+              <a:gd name="T98" fmla="*/ 121763 h 600884"/>
+              <a:gd name="T99" fmla="*/ 121763 h 600884"/>
+            </a:gdLst>
+            <a:ahLst/>
+            <a:cxnLst>
+              <a:cxn ang="0">
+                <a:pos x="T0" y="T1"/>
+              </a:cxn>
+              <a:cxn ang="0">
+                <a:pos x="T2" y="T3"/>
+              </a:cxn>
+              <a:cxn ang="0">
+                <a:pos x="T4" y="T5"/>
+              </a:cxn>
+              <a:cxn ang="0">
+                <a:pos x="T6" y="T7"/>
+              </a:cxn>
+              <a:cxn ang="0">
+                <a:pos x="T8" y="T9"/>
+              </a:cxn>
+              <a:cxn ang="0">
+                <a:pos x="T10" y="T11"/>
+              </a:cxn>
+              <a:cxn ang="0">
+                <a:pos x="T12" y="T13"/>
+              </a:cxn>
+              <a:cxn ang="0">
+                <a:pos x="T14" y="T15"/>
+              </a:cxn>
+              <a:cxn ang="0">
+                <a:pos x="T16" y="T17"/>
+              </a:cxn>
+              <a:cxn ang="0">
+                <a:pos x="T18" y="T19"/>
+              </a:cxn>
+              <a:cxn ang="0">
+                <a:pos x="T20" y="T21"/>
+              </a:cxn>
+              <a:cxn ang="0">
+                <a:pos x="T22" y="T23"/>
+              </a:cxn>
+              <a:cxn ang="0">
+                <a:pos x="T24" y="T25"/>
+              </a:cxn>
+              <a:cxn ang="0">
+                <a:pos x="T26" y="T27"/>
+              </a:cxn>
+              <a:cxn ang="0">
+                <a:pos x="T28" y="T29"/>
+              </a:cxn>
+              <a:cxn ang="0">
+                <a:pos x="T30" y="T31"/>
+              </a:cxn>
+              <a:cxn ang="0">
+                <a:pos x="T32" y="T33"/>
+              </a:cxn>
+              <a:cxn ang="0">
+                <a:pos x="T34" y="T35"/>
+              </a:cxn>
+              <a:cxn ang="0">
+                <a:pos x="T36" y="T37"/>
+              </a:cxn>
+              <a:cxn ang="0">
+                <a:pos x="T38" y="T39"/>
+              </a:cxn>
+              <a:cxn ang="0">
+                <a:pos x="T40" y="T41"/>
+              </a:cxn>
+              <a:cxn ang="0">
+                <a:pos x="T42" y="T43"/>
+              </a:cxn>
+              <a:cxn ang="0">
+                <a:pos x="T44" y="T45"/>
+              </a:cxn>
+              <a:cxn ang="0">
+                <a:pos x="T46" y="T47"/>
+              </a:cxn>
+              <a:cxn ang="0">
+                <a:pos x="T48" y="T49"/>
+              </a:cxn>
+              <a:cxn ang="0">
+                <a:pos x="T50" y="T51"/>
+              </a:cxn>
+              <a:cxn ang="0">
+                <a:pos x="T52" y="T53"/>
+              </a:cxn>
+              <a:cxn ang="0">
+                <a:pos x="T54" y="T55"/>
+              </a:cxn>
+              <a:cxn ang="0">
+                <a:pos x="T56" y="T57"/>
+              </a:cxn>
+              <a:cxn ang="0">
+                <a:pos x="T58" y="T59"/>
+              </a:cxn>
+              <a:cxn ang="0">
+                <a:pos x="T60" y="T61"/>
+              </a:cxn>
+              <a:cxn ang="0">
+                <a:pos x="T62" y="T63"/>
+              </a:cxn>
+              <a:cxn ang="0">
+                <a:pos x="T64" y="T65"/>
+              </a:cxn>
+              <a:cxn ang="0">
+                <a:pos x="T66" y="T67"/>
+              </a:cxn>
+              <a:cxn ang="0">
+                <a:pos x="T68" y="T69"/>
+              </a:cxn>
+              <a:cxn ang="0">
+                <a:pos x="T70" y="T71"/>
+              </a:cxn>
+              <a:cxn ang="0">
+                <a:pos x="T72" y="T73"/>
+              </a:cxn>
+              <a:cxn ang="0">
+                <a:pos x="T74" y="T75"/>
+              </a:cxn>
+              <a:cxn ang="0">
+                <a:pos x="T76" y="T77"/>
+              </a:cxn>
+              <a:cxn ang="0">
+                <a:pos x="T78" y="T79"/>
+              </a:cxn>
+              <a:cxn ang="0">
+                <a:pos x="T80" y="T81"/>
+              </a:cxn>
+              <a:cxn ang="0">
+                <a:pos x="T82" y="T83"/>
+              </a:cxn>
+              <a:cxn ang="0">
+                <a:pos x="T84" y="T85"/>
+              </a:cxn>
+              <a:cxn ang="0">
+                <a:pos x="T86" y="T87"/>
+              </a:cxn>
+              <a:cxn ang="0">
+                <a:pos x="T88" y="T89"/>
+              </a:cxn>
+              <a:cxn ang="0">
+                <a:pos x="T90" y="T91"/>
+              </a:cxn>
+              <a:cxn ang="0">
+                <a:pos x="T92" y="T93"/>
+              </a:cxn>
+              <a:cxn ang="0">
+                <a:pos x="T94" y="T95"/>
+              </a:cxn>
+              <a:cxn ang="0">
+                <a:pos x="T96" y="T97"/>
+              </a:cxn>
+              <a:cxn ang="0">
+                <a:pos x="T98" y="T99"/>
+              </a:cxn>
+            </a:cxnLst>
+            <a:rect l="0" t="0" r="r" b="b"/>
+            <a:pathLst>
+              <a:path w="5328" h="7344">
+                <a:moveTo>
+                  <a:pt x="5326" y="1760"/>
+                </a:moveTo>
+                <a:cubicBezTo>
+                  <a:pt x="5326" y="1726"/>
+                  <a:pt x="5315" y="1693"/>
+                  <a:pt x="5292" y="1667"/>
+                </a:cubicBezTo>
+                <a:lnTo>
+                  <a:pt x="3876" y="49"/>
+                </a:lnTo>
+                <a:cubicBezTo>
+                  <a:pt x="3876" y="49"/>
+                  <a:pt x="3875" y="49"/>
+                  <a:pt x="3875" y="48"/>
+                </a:cubicBezTo>
+                <a:cubicBezTo>
+                  <a:pt x="3867" y="39"/>
+                  <a:pt x="3857" y="31"/>
+                  <a:pt x="3847" y="24"/>
+                </a:cubicBezTo>
+                <a:cubicBezTo>
+                  <a:pt x="3843" y="22"/>
+                  <a:pt x="3840" y="20"/>
+                  <a:pt x="3837" y="19"/>
+                </a:cubicBezTo>
+                <a:cubicBezTo>
+                  <a:pt x="3828" y="14"/>
+                  <a:pt x="3819" y="10"/>
+                  <a:pt x="3809" y="7"/>
+                </a:cubicBezTo>
+                <a:cubicBezTo>
+                  <a:pt x="3806" y="6"/>
+                  <a:pt x="3804" y="5"/>
+                  <a:pt x="3801" y="4"/>
+                </a:cubicBezTo>
+                <a:cubicBezTo>
+                  <a:pt x="3790" y="2"/>
+                  <a:pt x="3779" y="0"/>
+                  <a:pt x="3768" y="0"/>
+                </a:cubicBezTo>
+                <a:lnTo>
+                  <a:pt x="288" y="0"/>
+                </a:lnTo>
+                <a:cubicBezTo>
+                  <a:pt x="129" y="0"/>
+                  <a:pt x="0" y="129"/>
+                  <a:pt x="0" y="288"/>
+                </a:cubicBezTo>
+                <a:lnTo>
+                  <a:pt x="0" y="7056"/>
+                </a:lnTo>
+                <a:cubicBezTo>
+                  <a:pt x="0" y="7215"/>
+                  <a:pt x="129" y="7344"/>
+                  <a:pt x="288" y="7344"/>
+                </a:cubicBezTo>
+                <a:lnTo>
+                  <a:pt x="5040" y="7344"/>
+                </a:lnTo>
+                <a:cubicBezTo>
+                  <a:pt x="5199" y="7344"/>
+                  <a:pt x="5328" y="7215"/>
+                  <a:pt x="5328" y="7056"/>
+                </a:cubicBezTo>
+                <a:lnTo>
+                  <a:pt x="5328" y="1776"/>
+                </a:lnTo>
+                <a:cubicBezTo>
+                  <a:pt x="5328" y="1771"/>
+                  <a:pt x="5327" y="1765"/>
+                  <a:pt x="5326" y="1760"/>
+                </a:cubicBezTo>
+                <a:close/>
+                <a:moveTo>
+                  <a:pt x="1713" y="6949"/>
+                </a:moveTo>
+                <a:cubicBezTo>
+                  <a:pt x="1620" y="6949"/>
+                  <a:pt x="1499" y="6933"/>
+                  <a:pt x="1419" y="6906"/>
+                </a:cubicBezTo>
+                <a:lnTo>
+                  <a:pt x="1464" y="6581"/>
+                </a:lnTo>
+                <a:cubicBezTo>
+                  <a:pt x="1520" y="6600"/>
+                  <a:pt x="1591" y="6613"/>
+                  <a:pt x="1670" y="6613"/>
+                </a:cubicBezTo>
+                <a:cubicBezTo>
+                  <a:pt x="1839" y="6613"/>
+                  <a:pt x="1945" y="6536"/>
+                  <a:pt x="1945" y="6259"/>
+                </a:cubicBezTo>
+                <a:lnTo>
+                  <a:pt x="1945" y="5139"/>
+                </a:lnTo>
+                <a:lnTo>
+                  <a:pt x="2347" y="5139"/>
+                </a:lnTo>
+                <a:lnTo>
+                  <a:pt x="2347" y="6264"/>
+                </a:lnTo>
+                <a:lnTo>
+                  <a:pt x="2347" y="6264"/>
+                </a:lnTo>
+                <a:cubicBezTo>
+                  <a:pt x="2347" y="6772"/>
+                  <a:pt x="2104" y="6949"/>
+                  <a:pt x="1713" y="6949"/>
+                </a:cubicBezTo>
+                <a:close/>
+                <a:moveTo>
+                  <a:pt x="3118" y="6946"/>
+                </a:moveTo>
+                <a:cubicBezTo>
+                  <a:pt x="2915" y="6946"/>
+                  <a:pt x="2714" y="6893"/>
+                  <a:pt x="2614" y="6838"/>
+                </a:cubicBezTo>
+                <a:lnTo>
+                  <a:pt x="2695" y="6505"/>
+                </a:lnTo>
+                <a:cubicBezTo>
+                  <a:pt x="2804" y="6560"/>
+                  <a:pt x="2970" y="6616"/>
+                  <a:pt x="3142" y="6616"/>
+                </a:cubicBezTo>
+                <a:cubicBezTo>
+                  <a:pt x="3327" y="6616"/>
+                  <a:pt x="3424" y="6539"/>
+                  <a:pt x="3424" y="6423"/>
+                </a:cubicBezTo>
+                <a:cubicBezTo>
+                  <a:pt x="3424" y="6312"/>
+                  <a:pt x="3340" y="6249"/>
+                  <a:pt x="3126" y="6172"/>
+                </a:cubicBezTo>
+                <a:cubicBezTo>
+                  <a:pt x="2830" y="6069"/>
+                  <a:pt x="2637" y="5905"/>
+                  <a:pt x="2637" y="5646"/>
+                </a:cubicBezTo>
+                <a:cubicBezTo>
+                  <a:pt x="2637" y="5343"/>
+                  <a:pt x="2891" y="5110"/>
+                  <a:pt x="3311" y="5110"/>
+                </a:cubicBezTo>
+                <a:cubicBezTo>
+                  <a:pt x="3512" y="5110"/>
+                  <a:pt x="3660" y="5152"/>
+                  <a:pt x="3765" y="5200"/>
+                </a:cubicBezTo>
+                <a:lnTo>
+                  <a:pt x="3676" y="5525"/>
+                </a:lnTo>
+                <a:cubicBezTo>
+                  <a:pt x="3604" y="5491"/>
+                  <a:pt x="3478" y="5440"/>
+                  <a:pt x="3303" y="5440"/>
+                </a:cubicBezTo>
+                <a:cubicBezTo>
+                  <a:pt x="3129" y="5440"/>
+                  <a:pt x="3044" y="5520"/>
+                  <a:pt x="3044" y="5612"/>
+                </a:cubicBezTo>
+                <a:cubicBezTo>
+                  <a:pt x="3044" y="5726"/>
+                  <a:pt x="3145" y="5776"/>
+                  <a:pt x="3374" y="5863"/>
+                </a:cubicBezTo>
+                <a:cubicBezTo>
+                  <a:pt x="3689" y="5979"/>
+                  <a:pt x="3837" y="6143"/>
+                  <a:pt x="3837" y="6394"/>
+                </a:cubicBezTo>
+                <a:cubicBezTo>
+                  <a:pt x="3837" y="6692"/>
+                  <a:pt x="3607" y="6946"/>
+                  <a:pt x="3118" y="6946"/>
+                </a:cubicBezTo>
+                <a:close/>
+                <a:moveTo>
+                  <a:pt x="5040" y="4890"/>
+                </a:moveTo>
+                <a:lnTo>
+                  <a:pt x="288" y="4890"/>
+                </a:lnTo>
+                <a:lnTo>
+                  <a:pt x="288" y="288"/>
+                </a:lnTo>
+                <a:lnTo>
+                  <a:pt x="3624" y="288"/>
+                </a:lnTo>
+                <a:lnTo>
+                  <a:pt x="3624" y="1761"/>
+                </a:lnTo>
+                <a:cubicBezTo>
+                  <a:pt x="3624" y="1841"/>
+                  <a:pt x="3688" y="1905"/>
+                  <a:pt x="3768" y="1905"/>
+                </a:cubicBezTo>
+                <a:lnTo>
+                  <a:pt x="5040" y="1905"/>
+                </a:lnTo>
+                <a:lnTo>
+                  <a:pt x="5040" y="4890"/>
+                </a:lnTo>
+                <a:close/>
+                <a:moveTo>
+                  <a:pt x="3760" y="3077"/>
+                </a:moveTo>
+                <a:cubicBezTo>
+                  <a:pt x="3793" y="3146"/>
+                  <a:pt x="3808" y="3216"/>
+                  <a:pt x="3808" y="3305"/>
+                </a:cubicBezTo>
+                <a:cubicBezTo>
+                  <a:pt x="3808" y="3444"/>
+                  <a:pt x="3764" y="3556"/>
+                  <a:pt x="3675" y="3642"/>
+                </a:cubicBezTo>
+                <a:cubicBezTo>
+                  <a:pt x="3591" y="3723"/>
+                  <a:pt x="3483" y="3771"/>
+                  <a:pt x="3339" y="3791"/>
+                </a:cubicBezTo>
+                <a:cubicBezTo>
+                  <a:pt x="3281" y="3799"/>
+                  <a:pt x="3169" y="3799"/>
+                  <a:pt x="3109" y="3791"/>
+                </a:cubicBezTo>
+                <a:cubicBezTo>
+                  <a:pt x="2880" y="3760"/>
+                  <a:pt x="2711" y="3653"/>
+                  <a:pt x="2602" y="3471"/>
+                </a:cubicBezTo>
+                <a:cubicBezTo>
+                  <a:pt x="2588" y="3448"/>
+                  <a:pt x="2585" y="3440"/>
+                  <a:pt x="2589" y="3437"/>
+                </a:cubicBezTo>
+                <a:cubicBezTo>
+                  <a:pt x="2595" y="3432"/>
+                  <a:pt x="2866" y="3275"/>
+                  <a:pt x="2869" y="3275"/>
+                </a:cubicBezTo>
+                <a:cubicBezTo>
+                  <a:pt x="2871" y="3275"/>
+                  <a:pt x="2881" y="3289"/>
+                  <a:pt x="2893" y="3305"/>
+                </a:cubicBezTo>
+                <a:cubicBezTo>
+                  <a:pt x="2976" y="3429"/>
+                  <a:pt x="3080" y="3486"/>
+                  <a:pt x="3219" y="3486"/>
+                </a:cubicBezTo>
+                <a:cubicBezTo>
+                  <a:pt x="3301" y="3486"/>
+                  <a:pt x="3368" y="3463"/>
+                  <a:pt x="3410" y="3421"/>
+                </a:cubicBezTo>
+                <a:cubicBezTo>
+                  <a:pt x="3422" y="3408"/>
+                  <a:pt x="3436" y="3390"/>
+                  <a:pt x="3441" y="3379"/>
+                </a:cubicBezTo>
+                <a:cubicBezTo>
+                  <a:pt x="3469" y="3322"/>
+                  <a:pt x="3457" y="3247"/>
+                  <a:pt x="3413" y="3200"/>
+                </a:cubicBezTo>
+                <a:cubicBezTo>
+                  <a:pt x="3378" y="3163"/>
+                  <a:pt x="3323" y="3132"/>
+                  <a:pt x="3174" y="3068"/>
+                </a:cubicBezTo>
+                <a:cubicBezTo>
+                  <a:pt x="3065" y="3021"/>
+                  <a:pt x="3002" y="2991"/>
+                  <a:pt x="2955" y="2963"/>
+                </a:cubicBezTo>
+                <a:cubicBezTo>
+                  <a:pt x="2773" y="2853"/>
+                  <a:pt x="2691" y="2714"/>
+                  <a:pt x="2691" y="2515"/>
+                </a:cubicBezTo>
+                <a:cubicBezTo>
+                  <a:pt x="2691" y="2382"/>
+                  <a:pt x="2733" y="2277"/>
+                  <a:pt x="2819" y="2191"/>
+                </a:cubicBezTo>
+                <a:cubicBezTo>
+                  <a:pt x="2904" y="2107"/>
+                  <a:pt x="3017" y="2059"/>
+                  <a:pt x="3151" y="2048"/>
+                </a:cubicBezTo>
+                <a:cubicBezTo>
+                  <a:pt x="3202" y="2044"/>
+                  <a:pt x="3210" y="2044"/>
+                  <a:pt x="3264" y="2049"/>
+                </a:cubicBezTo>
+                <a:cubicBezTo>
+                  <a:pt x="3374" y="2057"/>
+                  <a:pt x="3458" y="2084"/>
+                  <a:pt x="3537" y="2136"/>
+                </a:cubicBezTo>
+                <a:cubicBezTo>
+                  <a:pt x="3579" y="2164"/>
+                  <a:pt x="3641" y="2228"/>
+                  <a:pt x="3675" y="2279"/>
+                </a:cubicBezTo>
+                <a:cubicBezTo>
+                  <a:pt x="3691" y="2304"/>
+                  <a:pt x="3704" y="2324"/>
+                  <a:pt x="3704" y="2326"/>
+                </a:cubicBezTo>
+                <a:cubicBezTo>
+                  <a:pt x="3704" y="2328"/>
+                  <a:pt x="3445" y="2496"/>
+                  <a:pt x="3436" y="2500"/>
+                </a:cubicBezTo>
+                <a:cubicBezTo>
+                  <a:pt x="3433" y="2501"/>
+                  <a:pt x="3425" y="2491"/>
+                  <a:pt x="3414" y="2474"/>
+                </a:cubicBezTo>
+                <a:cubicBezTo>
+                  <a:pt x="3404" y="2459"/>
+                  <a:pt x="3383" y="2433"/>
+                  <a:pt x="3367" y="2418"/>
+                </a:cubicBezTo>
+                <a:cubicBezTo>
+                  <a:pt x="3322" y="2372"/>
+                  <a:pt x="3277" y="2354"/>
+                  <a:pt x="3208" y="2354"/>
+                </a:cubicBezTo>
+                <a:cubicBezTo>
+                  <a:pt x="3148" y="2354"/>
+                  <a:pt x="3109" y="2369"/>
+                  <a:pt x="3075" y="2406"/>
+                </a:cubicBezTo>
+                <a:cubicBezTo>
+                  <a:pt x="3051" y="2431"/>
+                  <a:pt x="3041" y="2457"/>
+                  <a:pt x="3038" y="2496"/>
+                </a:cubicBezTo>
+                <a:cubicBezTo>
+                  <a:pt x="3035" y="2544"/>
+                  <a:pt x="3048" y="2583"/>
+                  <a:pt x="3079" y="2616"/>
+                </a:cubicBezTo>
+                <a:cubicBezTo>
+                  <a:pt x="3112" y="2651"/>
+                  <a:pt x="3161" y="2678"/>
+                  <a:pt x="3308" y="2741"/>
+                </a:cubicBezTo>
+                <a:cubicBezTo>
+                  <a:pt x="3502" y="2824"/>
+                  <a:pt x="3600" y="2882"/>
+                  <a:pt x="3675" y="2959"/>
+                </a:cubicBezTo>
+                <a:cubicBezTo>
+                  <a:pt x="3714" y="2999"/>
+                  <a:pt x="3737" y="3030"/>
+                  <a:pt x="3760" y="3077"/>
+                </a:cubicBezTo>
+                <a:close/>
+                <a:moveTo>
+                  <a:pt x="2217" y="2066"/>
+                </a:moveTo>
+                <a:lnTo>
+                  <a:pt x="2392" y="2066"/>
+                </a:lnTo>
+                <a:lnTo>
+                  <a:pt x="2392" y="2698"/>
+                </a:lnTo>
+                <a:cubicBezTo>
+                  <a:pt x="2392" y="3118"/>
+                  <a:pt x="2390" y="3341"/>
+                  <a:pt x="2388" y="3361"/>
+                </a:cubicBezTo>
+                <a:cubicBezTo>
+                  <a:pt x="2363" y="3558"/>
+                  <a:pt x="2270" y="3691"/>
+                  <a:pt x="2112" y="3755"/>
+                </a:cubicBezTo>
+                <a:cubicBezTo>
+                  <a:pt x="1979" y="3808"/>
+                  <a:pt x="1799" y="3812"/>
+                  <a:pt x="1658" y="3766"/>
+                </a:cubicBezTo>
+                <a:cubicBezTo>
+                  <a:pt x="1525" y="3721"/>
+                  <a:pt x="1415" y="3625"/>
+                  <a:pt x="1351" y="3498"/>
+                </a:cubicBezTo>
+                <a:lnTo>
+                  <a:pt x="1340" y="3476"/>
+                </a:lnTo>
+                <a:lnTo>
+                  <a:pt x="1481" y="3391"/>
+                </a:lnTo>
+                <a:cubicBezTo>
+                  <a:pt x="1558" y="3344"/>
+                  <a:pt x="1623" y="3305"/>
+                  <a:pt x="1624" y="3305"/>
+                </a:cubicBezTo>
+                <a:cubicBezTo>
+                  <a:pt x="1625" y="3304"/>
+                  <a:pt x="1635" y="3318"/>
+                  <a:pt x="1645" y="3335"/>
+                </a:cubicBezTo>
+                <a:cubicBezTo>
+                  <a:pt x="1709" y="3444"/>
+                  <a:pt x="1764" y="3483"/>
+                  <a:pt x="1856" y="3483"/>
+                </a:cubicBezTo>
+                <a:cubicBezTo>
+                  <a:pt x="1920" y="3483"/>
+                  <a:pt x="1958" y="3470"/>
+                  <a:pt x="1988" y="3440"/>
+                </a:cubicBezTo>
+                <a:cubicBezTo>
+                  <a:pt x="2010" y="3419"/>
+                  <a:pt x="2022" y="3395"/>
+                  <a:pt x="2032" y="3357"/>
+                </a:cubicBezTo>
+                <a:lnTo>
+                  <a:pt x="2040" y="3327"/>
+                </a:lnTo>
+                <a:lnTo>
+                  <a:pt x="2041" y="2696"/>
+                </a:lnTo>
+                <a:lnTo>
+                  <a:pt x="2042" y="2066"/>
+                </a:lnTo>
+                <a:lnTo>
+                  <a:pt x="2217" y="2066"/>
+                </a:lnTo>
+                <a:close/>
+              </a:path>
+            </a:pathLst>
+          </a:custGeom>
+          <a:solidFill>
+            <a:schemeClr val="accent1"/>
+          </a:solidFill>
+          <a:ln>
+            <a:noFill/>
+          </a:ln>
+        </p:spPr>
+        <p:style>
+          <a:lnRef idx="2">
+            <a:schemeClr val="accent1">
+              <a:shade val="50000"/>
+            </a:schemeClr>
+          </a:lnRef>
+          <a:fillRef idx="1">
+            <a:schemeClr val="accent1"/>
+          </a:fillRef>
+          <a:effectRef idx="0">
+            <a:schemeClr val="accent1"/>
+          </a:effectRef>
+          <a:fontRef idx="minor">
+            <a:schemeClr val="lt1"/>
+          </a:fontRef>
+        </p:style>
+        <p:txBody>
+          <a:bodyPr rtlCol="0" anchor="ctr"/>
+          <a:lstStyle/>
+          <a:p>
+            <a:pPr algn="ctr"/>
+            <a:endParaRPr lang="en-US"/>
+          </a:p>
+        </p:txBody>
+      </p:sp>
+    </p:spTree>
+    <p:custDataLst>
+      <p:tags r:id="rId1"/>
+    </p:custDataLst>
+    <p:extLst>
+      <p:ext uri="{BB962C8B-B14F-4D97-AF65-F5344CB8AC3E}">
+        <p14:creationId xmlns:p14="http://schemas.microsoft.com/office/powerpoint/2010/main" val="455645062"/>
+      </p:ext>
+    </p:extLst>
+  </p:cSld>
+  <p:clrMapOvr>
+    <a:masterClrMapping/>
+  </p:clrMapOvr>
+</p:sld>
+</file>
+
+<file path=ppt/tags/tag1.xml><?xml version="1.0" encoding="utf-8"?>
+<p:tagLst xmlns:a="http://schemas.openxmlformats.org/drawingml/2006/main" xmlns:r="http://schemas.openxmlformats.org/officeDocument/2006/relationships" xmlns:p="http://schemas.openxmlformats.org/presentationml/2006/main">
+  <p:tag name="ISLIDE.ICON" val="#145793;#152617;#152617;#132232;"/>
+</p:tagLst>
 </file>
 
 <file path=ppt/theme/theme1.xml><?xml version="1.0" encoding="utf-8"?>

--- a/presentation/midterm/slides.pptx
+++ b/presentation/midterm/slides.pptx
@@ -277,7 +277,7 @@
           <a:p>
             <a:fld id="{5723DDD6-2605-41F5-9472-8D0ABA65B7CB}" type="datetimeFigureOut">
               <a:rPr lang="en-US" smtClean="0"/>
-              <a:t>4/4/2021</a:t>
+              <a:t>4/8/2021</a:t>
             </a:fld>
             <a:endParaRPr lang="en-US"/>
           </a:p>
@@ -477,7 +477,7 @@
           <a:p>
             <a:fld id="{5723DDD6-2605-41F5-9472-8D0ABA65B7CB}" type="datetimeFigureOut">
               <a:rPr lang="en-US" smtClean="0"/>
-              <a:t>4/4/2021</a:t>
+              <a:t>4/8/2021</a:t>
             </a:fld>
             <a:endParaRPr lang="en-US"/>
           </a:p>
@@ -687,7 +687,7 @@
           <a:p>
             <a:fld id="{5723DDD6-2605-41F5-9472-8D0ABA65B7CB}" type="datetimeFigureOut">
               <a:rPr lang="en-US" smtClean="0"/>
-              <a:t>4/4/2021</a:t>
+              <a:t>4/8/2021</a:t>
             </a:fld>
             <a:endParaRPr lang="en-US"/>
           </a:p>
@@ -887,7 +887,7 @@
           <a:p>
             <a:fld id="{5723DDD6-2605-41F5-9472-8D0ABA65B7CB}" type="datetimeFigureOut">
               <a:rPr lang="en-US" smtClean="0"/>
-              <a:t>4/4/2021</a:t>
+              <a:t>4/8/2021</a:t>
             </a:fld>
             <a:endParaRPr lang="en-US"/>
           </a:p>
@@ -1163,7 +1163,7 @@
           <a:p>
             <a:fld id="{5723DDD6-2605-41F5-9472-8D0ABA65B7CB}" type="datetimeFigureOut">
               <a:rPr lang="en-US" smtClean="0"/>
-              <a:t>4/4/2021</a:t>
+              <a:t>4/8/2021</a:t>
             </a:fld>
             <a:endParaRPr lang="en-US"/>
           </a:p>
@@ -1431,7 +1431,7 @@
           <a:p>
             <a:fld id="{5723DDD6-2605-41F5-9472-8D0ABA65B7CB}" type="datetimeFigureOut">
               <a:rPr lang="en-US" smtClean="0"/>
-              <a:t>4/4/2021</a:t>
+              <a:t>4/8/2021</a:t>
             </a:fld>
             <a:endParaRPr lang="en-US"/>
           </a:p>
@@ -1846,7 +1846,7 @@
           <a:p>
             <a:fld id="{5723DDD6-2605-41F5-9472-8D0ABA65B7CB}" type="datetimeFigureOut">
               <a:rPr lang="en-US" smtClean="0"/>
-              <a:t>4/4/2021</a:t>
+              <a:t>4/8/2021</a:t>
             </a:fld>
             <a:endParaRPr lang="en-US"/>
           </a:p>
@@ -1988,7 +1988,7 @@
           <a:p>
             <a:fld id="{5723DDD6-2605-41F5-9472-8D0ABA65B7CB}" type="datetimeFigureOut">
               <a:rPr lang="en-US" smtClean="0"/>
-              <a:t>4/4/2021</a:t>
+              <a:t>4/8/2021</a:t>
             </a:fld>
             <a:endParaRPr lang="en-US"/>
           </a:p>
@@ -2101,7 +2101,7 @@
           <a:p>
             <a:fld id="{5723DDD6-2605-41F5-9472-8D0ABA65B7CB}" type="datetimeFigureOut">
               <a:rPr lang="en-US" smtClean="0"/>
-              <a:t>4/4/2021</a:t>
+              <a:t>4/8/2021</a:t>
             </a:fld>
             <a:endParaRPr lang="en-US"/>
           </a:p>
@@ -2414,7 +2414,7 @@
           <a:p>
             <a:fld id="{5723DDD6-2605-41F5-9472-8D0ABA65B7CB}" type="datetimeFigureOut">
               <a:rPr lang="en-US" smtClean="0"/>
-              <a:t>4/4/2021</a:t>
+              <a:t>4/8/2021</a:t>
             </a:fld>
             <a:endParaRPr lang="en-US"/>
           </a:p>
@@ -2703,7 +2703,7 @@
           <a:p>
             <a:fld id="{5723DDD6-2605-41F5-9472-8D0ABA65B7CB}" type="datetimeFigureOut">
               <a:rPr lang="en-US" smtClean="0"/>
-              <a:t>4/4/2021</a:t>
+              <a:t>4/8/2021</a:t>
             </a:fld>
             <a:endParaRPr lang="en-US"/>
           </a:p>
@@ -2946,7 +2946,7 @@
           <a:p>
             <a:fld id="{5723DDD6-2605-41F5-9472-8D0ABA65B7CB}" type="datetimeFigureOut">
               <a:rPr lang="en-US" smtClean="0"/>
-              <a:t>4/4/2021</a:t>
+              <a:t>4/8/2021</a:t>
             </a:fld>
             <a:endParaRPr lang="en-US"/>
           </a:p>
